--- a/images/Workflows_of_AIDD&CADD.pptx
+++ b/images/Workflows_of_AIDD&CADD.pptx
@@ -8,7 +8,7 @@
     <p:notesMasterId r:id="rId3"/>
   </p:notesMasterIdLst>
   <p:sldIdLst>
-    <p:sldId id="257" r:id="rId2"/>
+    <p:sldId id="368" r:id="rId2"/>
   </p:sldIdLst>
   <p:sldSz cx="12192000" cy="6858000"/>
   <p:notesSz cx="6858000" cy="9144000"/>
@@ -107,6 +107,11 @@
       </a:defRPr>
     </a:lvl9pPr>
   </p:defaultTextStyle>
+  <p:extLst>
+    <p:ext uri="{EFAFB233-063F-42B5-8137-9DF3F51BA10A}">
+      <p15:sldGuideLst xmlns:p15="http://schemas.microsoft.com/office/powerpoint/2012/main"/>
+    </p:ext>
+  </p:extLst>
 </p:presentation>
 </file>
 
@@ -192,7 +197,7 @@
           <a:p>
             <a:fld id="{C79CBBF4-5A3D-4688-BF9A-05D425159C58}" type="datetimeFigureOut">
               <a:rPr lang="zh-CN" altLang="en-US" smtClean="0"/>
-              <a:t>2025/8/26</a:t>
+              <a:t>2025/8/29</a:t>
             </a:fld>
             <a:endParaRPr lang="zh-CN" altLang="en-US"/>
           </a:p>
@@ -503,10 +508,6 @@
           <a:bodyPr/>
           <a:lstStyle/>
           <a:p>
-            <a:r>
-              <a:rPr lang="en-US" altLang="zh-CN" dirty="0"/>
-              <a:t>91ba682e-c758-48ac-8bfe-4776445f726f.source.5.zh-Hans</a:t>
-            </a:r>
             <a:endParaRPr lang="zh-CN" altLang="en-US" dirty="0"/>
           </a:p>
         </p:txBody>
@@ -694,7 +695,7 @@
           <a:p>
             <a:fld id="{83EBC745-25BE-4FBD-B9D8-7CC44CBB87AD}" type="datetimeFigureOut">
               <a:rPr lang="zh-CN" altLang="en-US" smtClean="0"/>
-              <a:t>2025/8/26</a:t>
+              <a:t>2025/8/29</a:t>
             </a:fld>
             <a:endParaRPr lang="zh-CN" altLang="en-US"/>
           </a:p>
@@ -892,7 +893,7 @@
           <a:p>
             <a:fld id="{83EBC745-25BE-4FBD-B9D8-7CC44CBB87AD}" type="datetimeFigureOut">
               <a:rPr lang="zh-CN" altLang="en-US" smtClean="0"/>
-              <a:t>2025/8/26</a:t>
+              <a:t>2025/8/29</a:t>
             </a:fld>
             <a:endParaRPr lang="zh-CN" altLang="en-US"/>
           </a:p>
@@ -1100,7 +1101,7 @@
           <a:p>
             <a:fld id="{83EBC745-25BE-4FBD-B9D8-7CC44CBB87AD}" type="datetimeFigureOut">
               <a:rPr lang="zh-CN" altLang="en-US" smtClean="0"/>
-              <a:t>2025/8/26</a:t>
+              <a:t>2025/8/29</a:t>
             </a:fld>
             <a:endParaRPr lang="zh-CN" altLang="en-US"/>
           </a:p>
@@ -1328,7 +1329,7 @@
           <a:p>
             <a:fld id="{83EBC745-25BE-4FBD-B9D8-7CC44CBB87AD}" type="datetimeFigureOut">
               <a:rPr lang="zh-CN" altLang="en-US" smtClean="0"/>
-              <a:t>2025/8/26</a:t>
+              <a:t>2025/8/29</a:t>
             </a:fld>
             <a:endParaRPr lang="zh-CN" altLang="en-US"/>
           </a:p>
@@ -1603,7 +1604,7 @@
           <a:p>
             <a:fld id="{83EBC745-25BE-4FBD-B9D8-7CC44CBB87AD}" type="datetimeFigureOut">
               <a:rPr lang="zh-CN" altLang="en-US" smtClean="0"/>
-              <a:t>2025/8/26</a:t>
+              <a:t>2025/8/29</a:t>
             </a:fld>
             <a:endParaRPr lang="zh-CN" altLang="en-US"/>
           </a:p>
@@ -1868,7 +1869,7 @@
           <a:p>
             <a:fld id="{83EBC745-25BE-4FBD-B9D8-7CC44CBB87AD}" type="datetimeFigureOut">
               <a:rPr lang="zh-CN" altLang="en-US" smtClean="0"/>
-              <a:t>2025/8/26</a:t>
+              <a:t>2025/8/29</a:t>
             </a:fld>
             <a:endParaRPr lang="zh-CN" altLang="en-US"/>
           </a:p>
@@ -2280,7 +2281,7 @@
           <a:p>
             <a:fld id="{83EBC745-25BE-4FBD-B9D8-7CC44CBB87AD}" type="datetimeFigureOut">
               <a:rPr lang="zh-CN" altLang="en-US" smtClean="0"/>
-              <a:t>2025/8/26</a:t>
+              <a:t>2025/8/29</a:t>
             </a:fld>
             <a:endParaRPr lang="zh-CN" altLang="en-US"/>
           </a:p>
@@ -2421,7 +2422,7 @@
           <a:p>
             <a:fld id="{83EBC745-25BE-4FBD-B9D8-7CC44CBB87AD}" type="datetimeFigureOut">
               <a:rPr lang="zh-CN" altLang="en-US" smtClean="0"/>
-              <a:t>2025/8/26</a:t>
+              <a:t>2025/8/29</a:t>
             </a:fld>
             <a:endParaRPr lang="zh-CN" altLang="en-US"/>
           </a:p>
@@ -2534,7 +2535,7 @@
           <a:p>
             <a:fld id="{83EBC745-25BE-4FBD-B9D8-7CC44CBB87AD}" type="datetimeFigureOut">
               <a:rPr lang="zh-CN" altLang="en-US" smtClean="0"/>
-              <a:t>2025/8/26</a:t>
+              <a:t>2025/8/29</a:t>
             </a:fld>
             <a:endParaRPr lang="zh-CN" altLang="en-US"/>
           </a:p>
@@ -2845,7 +2846,7 @@
           <a:p>
             <a:fld id="{83EBC745-25BE-4FBD-B9D8-7CC44CBB87AD}" type="datetimeFigureOut">
               <a:rPr lang="zh-CN" altLang="en-US" smtClean="0"/>
-              <a:t>2025/8/26</a:t>
+              <a:t>2025/8/29</a:t>
             </a:fld>
             <a:endParaRPr lang="zh-CN" altLang="en-US"/>
           </a:p>
@@ -3133,7 +3134,7 @@
           <a:p>
             <a:fld id="{83EBC745-25BE-4FBD-B9D8-7CC44CBB87AD}" type="datetimeFigureOut">
               <a:rPr lang="zh-CN" altLang="en-US" smtClean="0"/>
-              <a:t>2025/8/26</a:t>
+              <a:t>2025/8/29</a:t>
             </a:fld>
             <a:endParaRPr lang="zh-CN" altLang="en-US"/>
           </a:p>
@@ -3374,7 +3375,7 @@
           <a:p>
             <a:fld id="{83EBC745-25BE-4FBD-B9D8-7CC44CBB87AD}" type="datetimeFigureOut">
               <a:rPr lang="zh-CN" altLang="en-US" smtClean="0"/>
-              <a:t>2025/8/26</a:t>
+              <a:t>2025/8/29</a:t>
             </a:fld>
             <a:endParaRPr lang="zh-CN" altLang="en-US"/>
           </a:p>
@@ -3806,8 +3807,8 @@
         </p:nvSpPr>
         <p:spPr>
           <a:xfrm>
-            <a:off x="130351" y="483586"/>
-            <a:ext cx="8596496" cy="6278953"/>
+            <a:off x="130351" y="798725"/>
+            <a:ext cx="8596496" cy="5965398"/>
           </a:xfrm>
           <a:prstGeom prst="rect">
             <a:avLst/>
@@ -3860,7 +3861,7 @@
         </p:nvSpPr>
         <p:spPr>
           <a:xfrm>
-            <a:off x="10084045" y="6371415"/>
+            <a:off x="10084045" y="6387734"/>
             <a:ext cx="2107955" cy="417743"/>
           </a:xfrm>
           <a:prstGeom prst="rect">
@@ -3891,6 +3892,13 @@
               <a:defRPr/>
             </a:pPr>
             <a:r>
+              <a:rPr lang="en-US" altLang="zh-CN" sz="1000" dirty="0">
+                <a:latin typeface="Arial" panose="020B0604020202020204" pitchFamily="34" charset="0"/>
+                <a:ea typeface="微软雅黑" panose="020B0503020204020204" pitchFamily="34" charset="-122"/>
+              </a:rPr>
+              <a:t>1</a:t>
+            </a:r>
+            <a:r>
               <a:rPr kumimoji="0" lang="en-US" altLang="zh-CN" sz="1000" b="0" i="0" u="none" strike="noStrike" kern="1200" cap="none" spc="0" normalizeH="0" baseline="0" noProof="0" dirty="0">
                 <a:ln>
                   <a:noFill/>
@@ -3901,73 +3909,165 @@
                 <a:latin typeface="Arial" panose="020B0604020202020204" pitchFamily="34" charset="0"/>
                 <a:ea typeface="微软雅黑" panose="020B0503020204020204" pitchFamily="34" charset="-122"/>
               </a:rPr>
-              <a:t>AL*: active learning, combining ML and sate-of-the-art simulation. </a:t>
-            </a:r>
-          </a:p>
-        </p:txBody>
-      </p:sp>
-      <p:grpSp>
-        <p:nvGrpSpPr>
-          <p:cNvPr id="163" name="组合 162">
-            <a:extLst>
-              <a:ext uri="{FF2B5EF4-FFF2-40B4-BE49-F238E27FC236}">
-                <a16:creationId xmlns:a16="http://schemas.microsoft.com/office/drawing/2014/main" id="{000384D1-F719-5736-52AF-E5DC08249A9C}"/>
-              </a:ext>
-            </a:extLst>
-          </p:cNvPr>
-          <p:cNvGrpSpPr/>
+              <a:t>: active learning, combining ML and sate-of-the-art simulation. </a:t>
+            </a:r>
+          </a:p>
+        </p:txBody>
+      </p:sp>
+      <p:sp>
+        <p:nvSpPr>
+          <p:cNvPr id="14" name="文本框 13">
+            <a:extLst>
+              <a:ext uri="{FF2B5EF4-FFF2-40B4-BE49-F238E27FC236}">
+                <a16:creationId xmlns:a16="http://schemas.microsoft.com/office/drawing/2014/main" id="{F69C6ED2-D399-41B3-81D7-079DB26FD65D}"/>
+              </a:ext>
+            </a:extLst>
+          </p:cNvPr>
+          <p:cNvSpPr txBox="1"/>
           <p:nvPr/>
-        </p:nvGrpSpPr>
-        <p:grpSpPr>
+        </p:nvSpPr>
+        <p:spPr>
           <a:xfrm>
-            <a:off x="123262" y="34277"/>
-            <a:ext cx="11952110" cy="5242420"/>
-            <a:chOff x="-25823" y="183005"/>
-            <a:chExt cx="11952110" cy="5242420"/>
-          </a:xfrm>
-        </p:grpSpPr>
-        <p:sp>
-          <p:nvSpPr>
-            <p:cNvPr id="14" name="文本框 13">
-              <a:extLst>
-                <a:ext uri="{FF2B5EF4-FFF2-40B4-BE49-F238E27FC236}">
-                  <a16:creationId xmlns:a16="http://schemas.microsoft.com/office/drawing/2014/main" id="{F69C6ED2-D399-41B3-81D7-079DB26FD65D}"/>
-                </a:ext>
-              </a:extLst>
-            </p:cNvPr>
-            <p:cNvSpPr txBox="1"/>
-            <p:nvPr/>
-          </p:nvSpPr>
-          <p:spPr>
-            <a:xfrm>
-              <a:off x="1310539" y="1034886"/>
-              <a:ext cx="2272936" cy="400110"/>
-            </a:xfrm>
-            <a:prstGeom prst="rect">
-              <a:avLst/>
-            </a:prstGeom>
-            <a:noFill/>
-            <a:ln>
-              <a:solidFill>
-                <a:schemeClr val="tx1"/>
-              </a:solidFill>
-            </a:ln>
-          </p:spPr>
-          <p:txBody>
-            <a:bodyPr wrap="square" rtlCol="0" anchor="t">
-              <a:spAutoFit/>
-            </a:bodyPr>
-            <a:lstStyle/>
-            <a:p>
-              <a:pPr algn="ctr"/>
-              <a:r>
-                <a:rPr lang="en-US" altLang="zh-CN" sz="2000" b="1" dirty="0">
-                  <a:latin typeface="Arial" panose="020B0604020202020204" pitchFamily="34" charset="0"/>
-                  <a:ea typeface="微软雅黑" panose="020B0503020204020204" pitchFamily="34" charset="-122"/>
-                </a:rPr>
-                <a:t>Generator 1</a:t>
-              </a:r>
-              <a:endParaRPr kumimoji="0" lang="en-US" altLang="zh-CN" sz="2000" b="1" i="0" u="none" strike="noStrike" kern="1200" cap="none" spc="0" normalizeH="0" baseline="0" noProof="0" dirty="0">
+            <a:off x="1459624" y="1072592"/>
+            <a:ext cx="2272936" cy="400110"/>
+          </a:xfrm>
+          <a:prstGeom prst="rect">
+            <a:avLst/>
+          </a:prstGeom>
+          <a:noFill/>
+          <a:ln>
+            <a:solidFill>
+              <a:schemeClr val="tx1"/>
+            </a:solidFill>
+          </a:ln>
+        </p:spPr>
+        <p:txBody>
+          <a:bodyPr wrap="square" rtlCol="0" anchor="t">
+            <a:spAutoFit/>
+          </a:bodyPr>
+          <a:lstStyle/>
+          <a:p>
+            <a:pPr algn="ctr"/>
+            <a:r>
+              <a:rPr lang="en-US" altLang="zh-CN" sz="2000" b="1" dirty="0">
+                <a:latin typeface="Arial" panose="020B0604020202020204" pitchFamily="34" charset="0"/>
+                <a:ea typeface="微软雅黑" panose="020B0503020204020204" pitchFamily="34" charset="-122"/>
+              </a:rPr>
+              <a:t>Generator 1</a:t>
+            </a:r>
+            <a:endParaRPr kumimoji="0" lang="en-US" altLang="zh-CN" sz="2000" b="1" i="0" u="none" strike="noStrike" kern="1200" cap="none" spc="0" normalizeH="0" baseline="0" noProof="0" dirty="0">
+              <a:ln>
+                <a:noFill/>
+              </a:ln>
+              <a:effectLst/>
+              <a:uLnTx/>
+              <a:uFillTx/>
+              <a:latin typeface="Arial" panose="020B0604020202020204" pitchFamily="34" charset="0"/>
+              <a:ea typeface="微软雅黑" panose="020B0503020204020204" pitchFamily="34" charset="-122"/>
+            </a:endParaRPr>
+          </a:p>
+        </p:txBody>
+      </p:sp>
+      <p:sp>
+        <p:nvSpPr>
+          <p:cNvPr id="18" name="文本框 17">
+            <a:extLst>
+              <a:ext uri="{FF2B5EF4-FFF2-40B4-BE49-F238E27FC236}">
+                <a16:creationId xmlns:a16="http://schemas.microsoft.com/office/drawing/2014/main" id="{075D9BFF-FCE0-4A9F-A259-4901B8EB8F7D}"/>
+              </a:ext>
+            </a:extLst>
+          </p:cNvPr>
+          <p:cNvSpPr txBox="1"/>
+          <p:nvPr/>
+        </p:nvSpPr>
+        <p:spPr>
+          <a:xfrm>
+            <a:off x="5108620" y="1072592"/>
+            <a:ext cx="2272929" cy="400110"/>
+          </a:xfrm>
+          <a:prstGeom prst="rect">
+            <a:avLst/>
+          </a:prstGeom>
+          <a:noFill/>
+          <a:ln>
+            <a:solidFill>
+              <a:schemeClr val="tx1"/>
+            </a:solidFill>
+          </a:ln>
+        </p:spPr>
+        <p:txBody>
+          <a:bodyPr wrap="square" rtlCol="0" anchor="t">
+            <a:spAutoFit/>
+          </a:bodyPr>
+          <a:lstStyle/>
+          <a:p>
+            <a:pPr algn="ctr"/>
+            <a:r>
+              <a:rPr lang="en-US" altLang="zh-CN" sz="2000" b="1" dirty="0">
+                <a:latin typeface="Arial" panose="020B0604020202020204" pitchFamily="34" charset="0"/>
+                <a:ea typeface="微软雅黑" panose="020B0503020204020204" pitchFamily="34" charset="-122"/>
+              </a:rPr>
+              <a:t>Scoring 1</a:t>
+            </a:r>
+            <a:endParaRPr kumimoji="0" lang="en-US" altLang="zh-CN" sz="2000" b="1" i="0" u="none" strike="noStrike" kern="1200" cap="none" spc="0" normalizeH="0" baseline="0" noProof="0" dirty="0">
+              <a:ln>
+                <a:noFill/>
+              </a:ln>
+              <a:effectLst/>
+              <a:uLnTx/>
+              <a:uFillTx/>
+              <a:latin typeface="Arial" panose="020B0604020202020204" pitchFamily="34" charset="0"/>
+              <a:ea typeface="微软雅黑" panose="020B0503020204020204" pitchFamily="34" charset="-122"/>
+            </a:endParaRPr>
+          </a:p>
+        </p:txBody>
+      </p:sp>
+      <p:sp>
+        <p:nvSpPr>
+          <p:cNvPr id="19" name="文本框 18">
+            <a:extLst>
+              <a:ext uri="{FF2B5EF4-FFF2-40B4-BE49-F238E27FC236}">
+                <a16:creationId xmlns:a16="http://schemas.microsoft.com/office/drawing/2014/main" id="{C66A5273-EE7A-4EA1-996E-C741C4896F5B}"/>
+              </a:ext>
+            </a:extLst>
+          </p:cNvPr>
+          <p:cNvSpPr txBox="1"/>
+          <p:nvPr/>
+        </p:nvSpPr>
+        <p:spPr>
+          <a:xfrm>
+            <a:off x="5318897" y="1771374"/>
+            <a:ext cx="1266125" cy="814005"/>
+          </a:xfrm>
+          <a:prstGeom prst="rect">
+            <a:avLst/>
+          </a:prstGeom>
+          <a:noFill/>
+        </p:spPr>
+        <p:txBody>
+          <a:bodyPr wrap="square" rtlCol="0">
+            <a:spAutoFit/>
+          </a:bodyPr>
+          <a:lstStyle/>
+          <a:p>
+            <a:pPr marL="0" marR="0" lvl="0" indent="0" defTabSz="913765" rtl="0" eaLnBrk="1" fontAlgn="auto" latinLnBrk="0" hangingPunct="1">
+              <a:lnSpc>
+                <a:spcPct val="120000"/>
+              </a:lnSpc>
+              <a:spcBef>
+                <a:spcPts val="0"/>
+              </a:spcBef>
+              <a:spcAft>
+                <a:spcPts val="0"/>
+              </a:spcAft>
+              <a:buClrTx/>
+              <a:buSzPct val="25000"/>
+              <a:buFontTx/>
+              <a:buNone/>
+              <a:defRPr/>
+            </a:pPr>
+            <a:r>
+              <a:rPr kumimoji="0" lang="en-US" altLang="zh-CN" sz="1000" b="0" i="0" u="none" strike="noStrike" kern="1200" cap="none" spc="0" normalizeH="0" baseline="0" noProof="0" dirty="0">
                 <a:ln>
                   <a:noFill/>
                 </a:ln>
@@ -3976,52 +4076,29 @@
                 <a:uFillTx/>
                 <a:latin typeface="Arial" panose="020B0604020202020204" pitchFamily="34" charset="0"/>
                 <a:ea typeface="微软雅黑" panose="020B0503020204020204" pitchFamily="34" charset="-122"/>
-              </a:endParaRPr>
-            </a:p>
-          </p:txBody>
-        </p:sp>
-        <p:sp>
-          <p:nvSpPr>
-            <p:cNvPr id="18" name="文本框 17">
-              <a:extLst>
-                <a:ext uri="{FF2B5EF4-FFF2-40B4-BE49-F238E27FC236}">
-                  <a16:creationId xmlns:a16="http://schemas.microsoft.com/office/drawing/2014/main" id="{075D9BFF-FCE0-4A9F-A259-4901B8EB8F7D}"/>
-                </a:ext>
-              </a:extLst>
-            </p:cNvPr>
-            <p:cNvSpPr txBox="1"/>
-            <p:nvPr/>
-          </p:nvSpPr>
-          <p:spPr>
-            <a:xfrm>
-              <a:off x="4959535" y="1034886"/>
-              <a:ext cx="2272929" cy="400110"/>
-            </a:xfrm>
-            <a:prstGeom prst="rect">
-              <a:avLst/>
-            </a:prstGeom>
-            <a:noFill/>
-            <a:ln>
-              <a:solidFill>
-                <a:schemeClr val="tx1"/>
-              </a:solidFill>
-            </a:ln>
-          </p:spPr>
-          <p:txBody>
-            <a:bodyPr wrap="square" rtlCol="0" anchor="t">
-              <a:spAutoFit/>
-            </a:bodyPr>
-            <a:lstStyle/>
-            <a:p>
-              <a:pPr algn="ctr"/>
-              <a:r>
-                <a:rPr lang="en-US" altLang="zh-CN" sz="2000" b="1" dirty="0">
-                  <a:latin typeface="Arial" panose="020B0604020202020204" pitchFamily="34" charset="0"/>
-                  <a:ea typeface="微软雅黑" panose="020B0503020204020204" pitchFamily="34" charset="-122"/>
-                </a:rPr>
-                <a:t>Scoring 1</a:t>
-              </a:r>
-              <a:endParaRPr kumimoji="0" lang="en-US" altLang="zh-CN" sz="2000" b="1" i="0" u="none" strike="noStrike" kern="1200" cap="none" spc="0" normalizeH="0" baseline="0" noProof="0" dirty="0">
+              </a:rPr>
+              <a:t>Physics*:</a:t>
+            </a:r>
+          </a:p>
+          <a:p>
+            <a:pPr marL="0" marR="0" lvl="0" indent="0" defTabSz="913765" rtl="0" eaLnBrk="1" fontAlgn="auto" latinLnBrk="0" hangingPunct="1">
+              <a:lnSpc>
+                <a:spcPct val="120000"/>
+              </a:lnSpc>
+              <a:spcBef>
+                <a:spcPts val="0"/>
+              </a:spcBef>
+              <a:spcAft>
+                <a:spcPts val="0"/>
+              </a:spcAft>
+              <a:buClrTx/>
+              <a:buSzPct val="25000"/>
+              <a:buFontTx/>
+              <a:buNone/>
+              <a:defRPr/>
+            </a:pPr>
+            <a:r>
+              <a:rPr kumimoji="0" lang="en-US" altLang="zh-CN" sz="1000" b="0" i="0" u="none" strike="noStrike" kern="1200" cap="none" spc="0" normalizeH="0" baseline="0" noProof="0" dirty="0">
                 <a:ln>
                   <a:noFill/>
                 </a:ln>
@@ -4030,281 +4107,98 @@
                 <a:uFillTx/>
                 <a:latin typeface="Arial" panose="020B0604020202020204" pitchFamily="34" charset="0"/>
                 <a:ea typeface="微软雅黑" panose="020B0503020204020204" pitchFamily="34" charset="-122"/>
-              </a:endParaRPr>
-            </a:p>
-          </p:txBody>
-        </p:sp>
-        <p:sp>
-          <p:nvSpPr>
-            <p:cNvPr id="19" name="文本框 18">
-              <a:extLst>
-                <a:ext uri="{FF2B5EF4-FFF2-40B4-BE49-F238E27FC236}">
-                  <a16:creationId xmlns:a16="http://schemas.microsoft.com/office/drawing/2014/main" id="{C66A5273-EE7A-4EA1-996E-C741C4896F5B}"/>
-                </a:ext>
-              </a:extLst>
-            </p:cNvPr>
-            <p:cNvSpPr txBox="1"/>
-            <p:nvPr/>
-          </p:nvSpPr>
-          <p:spPr>
-            <a:xfrm>
-              <a:off x="5169812" y="1733668"/>
-              <a:ext cx="1266125" cy="814005"/>
-            </a:xfrm>
-            <a:prstGeom prst="rect">
-              <a:avLst/>
-            </a:prstGeom>
-            <a:noFill/>
-          </p:spPr>
-          <p:txBody>
-            <a:bodyPr wrap="square" rtlCol="0">
-              <a:spAutoFit/>
-            </a:bodyPr>
-            <a:lstStyle/>
-            <a:p>
-              <a:pPr marL="0" marR="0" lvl="0" indent="0" defTabSz="913765" rtl="0" eaLnBrk="1" fontAlgn="auto" latinLnBrk="0" hangingPunct="1">
-                <a:lnSpc>
-                  <a:spcPct val="120000"/>
-                </a:lnSpc>
-                <a:spcBef>
-                  <a:spcPts val="0"/>
-                </a:spcBef>
-                <a:spcAft>
-                  <a:spcPts val="0"/>
-                </a:spcAft>
-                <a:buClrTx/>
-                <a:buSzPct val="25000"/>
-                <a:buFontTx/>
-                <a:buNone/>
-                <a:defRPr/>
-              </a:pPr>
-              <a:r>
-                <a:rPr kumimoji="0" lang="en-US" altLang="zh-CN" sz="1000" b="0" i="0" u="none" strike="noStrike" kern="1200" cap="none" spc="0" normalizeH="0" baseline="0" noProof="0" dirty="0">
-                  <a:ln>
-                    <a:noFill/>
-                  </a:ln>
-                  <a:effectLst/>
-                  <a:uLnTx/>
-                  <a:uFillTx/>
-                  <a:latin typeface="Arial" panose="020B0604020202020204" pitchFamily="34" charset="0"/>
-                  <a:ea typeface="微软雅黑" panose="020B0503020204020204" pitchFamily="34" charset="-122"/>
-                </a:rPr>
-                <a:t>Physics:</a:t>
-              </a:r>
-            </a:p>
-            <a:p>
-              <a:pPr marL="0" marR="0" lvl="0" indent="0" defTabSz="913765" rtl="0" eaLnBrk="1" fontAlgn="auto" latinLnBrk="0" hangingPunct="1">
-                <a:lnSpc>
-                  <a:spcPct val="120000"/>
-                </a:lnSpc>
-                <a:spcBef>
-                  <a:spcPts val="0"/>
-                </a:spcBef>
-                <a:spcAft>
-                  <a:spcPts val="0"/>
-                </a:spcAft>
-                <a:buClrTx/>
-                <a:buSzPct val="25000"/>
-                <a:buFontTx/>
-                <a:buNone/>
-                <a:defRPr/>
-              </a:pPr>
-              <a:r>
-                <a:rPr kumimoji="0" lang="en-US" altLang="zh-CN" sz="1000" b="0" i="0" u="none" strike="noStrike" kern="1200" cap="none" spc="0" normalizeH="0" baseline="0" noProof="0" dirty="0">
-                  <a:ln>
-                    <a:noFill/>
-                  </a:ln>
-                  <a:effectLst/>
-                  <a:uLnTx/>
-                  <a:uFillTx/>
-                  <a:latin typeface="Arial" panose="020B0604020202020204" pitchFamily="34" charset="0"/>
-                  <a:ea typeface="微软雅黑" panose="020B0503020204020204" pitchFamily="34" charset="-122"/>
-                </a:rPr>
-                <a:t>MM-GB/PBSA</a:t>
-              </a:r>
-            </a:p>
-            <a:p>
-              <a:pPr marL="0" marR="0" lvl="0" indent="0" defTabSz="913765" rtl="0" eaLnBrk="1" fontAlgn="auto" latinLnBrk="0" hangingPunct="1">
-                <a:lnSpc>
-                  <a:spcPct val="120000"/>
-                </a:lnSpc>
-                <a:spcBef>
-                  <a:spcPts val="0"/>
-                </a:spcBef>
-                <a:spcAft>
-                  <a:spcPts val="0"/>
-                </a:spcAft>
-                <a:buClrTx/>
-                <a:buSzPct val="25000"/>
-                <a:buFontTx/>
-                <a:buNone/>
-                <a:defRPr/>
-              </a:pPr>
-              <a:r>
-                <a:rPr lang="en-US" altLang="zh-CN" sz="1000" dirty="0">
-                  <a:latin typeface="Arial" panose="020B0604020202020204" pitchFamily="34" charset="0"/>
-                  <a:ea typeface="微软雅黑" panose="020B0503020204020204" pitchFamily="34" charset="-122"/>
-                </a:rPr>
-                <a:t>FEP</a:t>
-              </a:r>
-            </a:p>
-            <a:p>
-              <a:pPr marL="0" marR="0" lvl="0" indent="0" defTabSz="913765" rtl="0" eaLnBrk="1" fontAlgn="auto" latinLnBrk="0" hangingPunct="1">
-                <a:lnSpc>
-                  <a:spcPct val="120000"/>
-                </a:lnSpc>
-                <a:spcBef>
-                  <a:spcPts val="0"/>
-                </a:spcBef>
-                <a:spcAft>
-                  <a:spcPts val="0"/>
-                </a:spcAft>
-                <a:buClrTx/>
-                <a:buSzPct val="25000"/>
-                <a:buFontTx/>
-                <a:buNone/>
-                <a:defRPr/>
-              </a:pPr>
-              <a:r>
-                <a:rPr lang="en-US" altLang="zh-CN" sz="1000" dirty="0">
-                  <a:latin typeface="Arial" panose="020B0604020202020204" pitchFamily="34" charset="0"/>
-                  <a:ea typeface="微软雅黑" panose="020B0503020204020204" pitchFamily="34" charset="-122"/>
-                </a:rPr>
-                <a:t>…</a:t>
-              </a:r>
-            </a:p>
-          </p:txBody>
-        </p:sp>
-        <p:sp>
-          <p:nvSpPr>
-            <p:cNvPr id="21" name="文本框 20">
-              <a:extLst>
-                <a:ext uri="{FF2B5EF4-FFF2-40B4-BE49-F238E27FC236}">
-                  <a16:creationId xmlns:a16="http://schemas.microsoft.com/office/drawing/2014/main" id="{BDF87971-BFD6-4FBE-902E-C15ABF3C4D80}"/>
-                </a:ext>
-              </a:extLst>
-            </p:cNvPr>
-            <p:cNvSpPr txBox="1"/>
-            <p:nvPr/>
-          </p:nvSpPr>
-          <p:spPr>
-            <a:xfrm>
-              <a:off x="8608532" y="1034886"/>
-              <a:ext cx="2272928" cy="400110"/>
-            </a:xfrm>
-            <a:prstGeom prst="rect">
-              <a:avLst/>
-            </a:prstGeom>
-            <a:noFill/>
-            <a:ln>
-              <a:solidFill>
-                <a:schemeClr val="tx1"/>
-              </a:solidFill>
-            </a:ln>
-          </p:spPr>
-          <p:txBody>
-            <a:bodyPr wrap="square" rtlCol="0" anchor="t">
-              <a:spAutoFit/>
-            </a:bodyPr>
-            <a:lstStyle/>
-            <a:p>
-              <a:pPr algn="ctr"/>
-              <a:r>
-                <a:rPr kumimoji="0" lang="en-US" altLang="zh-CN" sz="2000" b="1" i="0" u="none" strike="noStrike" kern="1200" cap="none" spc="0" normalizeH="0" baseline="0" noProof="0" dirty="0">
-                  <a:ln>
-                    <a:noFill/>
-                  </a:ln>
-                  <a:effectLst/>
-                  <a:uLnTx/>
-                  <a:uFillTx/>
-                  <a:latin typeface="Arial" panose="020B0604020202020204" pitchFamily="34" charset="0"/>
-                  <a:ea typeface="微软雅黑" panose="020B0503020204020204" pitchFamily="34" charset="-122"/>
-                </a:rPr>
-                <a:t>WET</a:t>
-              </a:r>
-            </a:p>
-          </p:txBody>
-        </p:sp>
-        <p:sp>
-          <p:nvSpPr>
-            <p:cNvPr id="29" name="文本框 28">
-              <a:extLst>
-                <a:ext uri="{FF2B5EF4-FFF2-40B4-BE49-F238E27FC236}">
-                  <a16:creationId xmlns:a16="http://schemas.microsoft.com/office/drawing/2014/main" id="{1156E26F-0EC6-936E-DEDF-14F28FC19392}"/>
-                </a:ext>
-              </a:extLst>
-            </p:cNvPr>
-            <p:cNvSpPr txBox="1"/>
-            <p:nvPr/>
-          </p:nvSpPr>
-          <p:spPr>
-            <a:xfrm>
-              <a:off x="1310538" y="2732573"/>
-              <a:ext cx="3317755" cy="400110"/>
-            </a:xfrm>
-            <a:prstGeom prst="rect">
-              <a:avLst/>
-            </a:prstGeom>
-            <a:noFill/>
-          </p:spPr>
-          <p:txBody>
-            <a:bodyPr wrap="square" rtlCol="0" anchor="t">
-              <a:spAutoFit/>
-            </a:bodyPr>
-            <a:lstStyle/>
-            <a:p>
-              <a:r>
-                <a:rPr kumimoji="0" lang="en-US" altLang="zh-CN" sz="2000" b="1" i="0" u="none" strike="noStrike" kern="1200" cap="none" spc="0" normalizeH="0" baseline="0" noProof="0" dirty="0">
-                  <a:ln>
-                    <a:noFill/>
-                  </a:ln>
-                  <a:effectLst/>
-                  <a:uLnTx/>
-                  <a:uFillTx/>
-                  <a:latin typeface="Arial" panose="020B0604020202020204" pitchFamily="34" charset="0"/>
-                  <a:ea typeface="微软雅黑" panose="020B0503020204020204" pitchFamily="34" charset="-122"/>
-                </a:rPr>
-                <a:t>Molecules</a:t>
-              </a:r>
-            </a:p>
-          </p:txBody>
-        </p:sp>
-        <p:sp>
-          <p:nvSpPr>
-            <p:cNvPr id="30" name="文本框 29">
-              <a:extLst>
-                <a:ext uri="{FF2B5EF4-FFF2-40B4-BE49-F238E27FC236}">
-                  <a16:creationId xmlns:a16="http://schemas.microsoft.com/office/drawing/2014/main" id="{86E318D5-79E0-0B0B-F52E-7D04CADBC139}"/>
-                </a:ext>
-              </a:extLst>
-            </p:cNvPr>
-            <p:cNvSpPr txBox="1"/>
-            <p:nvPr/>
-          </p:nvSpPr>
-          <p:spPr>
-            <a:xfrm>
-              <a:off x="4959535" y="2732573"/>
-              <a:ext cx="3317755" cy="400110"/>
-            </a:xfrm>
-            <a:prstGeom prst="rect">
-              <a:avLst/>
-            </a:prstGeom>
-            <a:noFill/>
-          </p:spPr>
-          <p:txBody>
-            <a:bodyPr wrap="square" rtlCol="0" anchor="t">
-              <a:spAutoFit/>
-            </a:bodyPr>
-            <a:lstStyle/>
-            <a:p>
-              <a:r>
-                <a:rPr lang="en-US" altLang="zh-CN" sz="2000" b="1" dirty="0">
-                  <a:latin typeface="Arial" panose="020B0604020202020204" pitchFamily="34" charset="0"/>
-                  <a:ea typeface="微软雅黑" panose="020B0503020204020204" pitchFamily="34" charset="-122"/>
-                </a:rPr>
-                <a:t>Rank</a:t>
-              </a:r>
-              <a:endParaRPr kumimoji="0" lang="en-US" altLang="zh-CN" sz="2000" b="1" i="0" u="none" strike="noStrike" kern="1200" cap="none" spc="0" normalizeH="0" baseline="0" noProof="0" dirty="0">
+              </a:rPr>
+              <a:t>MM-GB/PBSA</a:t>
+            </a:r>
+          </a:p>
+          <a:p>
+            <a:pPr marL="0" marR="0" lvl="0" indent="0" defTabSz="913765" rtl="0" eaLnBrk="1" fontAlgn="auto" latinLnBrk="0" hangingPunct="1">
+              <a:lnSpc>
+                <a:spcPct val="120000"/>
+              </a:lnSpc>
+              <a:spcBef>
+                <a:spcPts val="0"/>
+              </a:spcBef>
+              <a:spcAft>
+                <a:spcPts val="0"/>
+              </a:spcAft>
+              <a:buClrTx/>
+              <a:buSzPct val="25000"/>
+              <a:buFontTx/>
+              <a:buNone/>
+              <a:defRPr/>
+            </a:pPr>
+            <a:r>
+              <a:rPr lang="en-US" altLang="zh-CN" sz="1000" dirty="0">
+                <a:latin typeface="Arial" panose="020B0604020202020204" pitchFamily="34" charset="0"/>
+                <a:ea typeface="微软雅黑" panose="020B0503020204020204" pitchFamily="34" charset="-122"/>
+              </a:rPr>
+              <a:t>FEP</a:t>
+            </a:r>
+          </a:p>
+          <a:p>
+            <a:pPr marL="0" marR="0" lvl="0" indent="0" defTabSz="913765" rtl="0" eaLnBrk="1" fontAlgn="auto" latinLnBrk="0" hangingPunct="1">
+              <a:lnSpc>
+                <a:spcPct val="120000"/>
+              </a:lnSpc>
+              <a:spcBef>
+                <a:spcPts val="0"/>
+              </a:spcBef>
+              <a:spcAft>
+                <a:spcPts val="0"/>
+              </a:spcAft>
+              <a:buClrTx/>
+              <a:buSzPct val="25000"/>
+              <a:buFontTx/>
+              <a:buNone/>
+              <a:defRPr/>
+            </a:pPr>
+            <a:r>
+              <a:rPr lang="en-US" altLang="zh-CN" sz="1000" dirty="0">
+                <a:latin typeface="Arial" panose="020B0604020202020204" pitchFamily="34" charset="0"/>
+                <a:ea typeface="微软雅黑" panose="020B0503020204020204" pitchFamily="34" charset="-122"/>
+              </a:rPr>
+              <a:t>…</a:t>
+            </a:r>
+          </a:p>
+        </p:txBody>
+      </p:sp>
+      <p:sp>
+        <p:nvSpPr>
+          <p:cNvPr id="21" name="文本框 20">
+            <a:extLst>
+              <a:ext uri="{FF2B5EF4-FFF2-40B4-BE49-F238E27FC236}">
+                <a16:creationId xmlns:a16="http://schemas.microsoft.com/office/drawing/2014/main" id="{BDF87971-BFD6-4FBE-902E-C15ABF3C4D80}"/>
+              </a:ext>
+            </a:extLst>
+          </p:cNvPr>
+          <p:cNvSpPr txBox="1"/>
+          <p:nvPr/>
+        </p:nvSpPr>
+        <p:spPr>
+          <a:xfrm>
+            <a:off x="8757617" y="1072592"/>
+            <a:ext cx="2272928" cy="400110"/>
+          </a:xfrm>
+          <a:prstGeom prst="rect">
+            <a:avLst/>
+          </a:prstGeom>
+          <a:noFill/>
+          <a:ln>
+            <a:solidFill>
+              <a:schemeClr val="tx1"/>
+            </a:solidFill>
+          </a:ln>
+        </p:spPr>
+        <p:txBody>
+          <a:bodyPr wrap="square" rtlCol="0" anchor="t">
+            <a:spAutoFit/>
+          </a:bodyPr>
+          <a:lstStyle/>
+          <a:p>
+            <a:pPr algn="ctr"/>
+            <a:r>
+              <a:rPr kumimoji="0" lang="en-US" altLang="zh-CN" sz="2000" b="1" i="0" u="none" strike="noStrike" kern="1200" cap="none" spc="0" normalizeH="0" baseline="0" noProof="0" dirty="0">
                 <a:ln>
                   <a:noFill/>
                 </a:ln>
@@ -4313,46 +4207,42 @@
                 <a:uFillTx/>
                 <a:latin typeface="Arial" panose="020B0604020202020204" pitchFamily="34" charset="0"/>
                 <a:ea typeface="微软雅黑" panose="020B0503020204020204" pitchFamily="34" charset="-122"/>
-              </a:endParaRPr>
-            </a:p>
-          </p:txBody>
-        </p:sp>
-        <p:sp>
-          <p:nvSpPr>
-            <p:cNvPr id="31" name="文本框 30">
-              <a:extLst>
-                <a:ext uri="{FF2B5EF4-FFF2-40B4-BE49-F238E27FC236}">
-                  <a16:creationId xmlns:a16="http://schemas.microsoft.com/office/drawing/2014/main" id="{B2917B77-40FA-97D9-9F5F-19BC99F3F3AF}"/>
-                </a:ext>
-              </a:extLst>
-            </p:cNvPr>
-            <p:cNvSpPr txBox="1"/>
-            <p:nvPr/>
-          </p:nvSpPr>
-          <p:spPr>
-            <a:xfrm>
-              <a:off x="8608532" y="2732573"/>
-              <a:ext cx="3317755" cy="400110"/>
-            </a:xfrm>
-            <a:prstGeom prst="rect">
-              <a:avLst/>
-            </a:prstGeom>
-            <a:noFill/>
-          </p:spPr>
-          <p:txBody>
-            <a:bodyPr wrap="square" rtlCol="0" anchor="t">
-              <a:spAutoFit/>
-            </a:bodyPr>
-            <a:lstStyle/>
-            <a:p>
-              <a:r>
-                <a:rPr lang="en-US" altLang="zh-CN" sz="2000" b="1" dirty="0">
-                  <a:latin typeface="Arial" panose="020B0604020202020204" pitchFamily="34" charset="0"/>
-                  <a:ea typeface="微软雅黑" panose="020B0503020204020204" pitchFamily="34" charset="-122"/>
-                </a:rPr>
-                <a:t>Real world</a:t>
-              </a:r>
-              <a:endParaRPr kumimoji="0" lang="en-US" altLang="zh-CN" sz="2000" b="1" i="0" u="none" strike="noStrike" kern="1200" cap="none" spc="0" normalizeH="0" baseline="0" noProof="0" dirty="0">
+              </a:rPr>
+              <a:t>WET</a:t>
+            </a:r>
+          </a:p>
+        </p:txBody>
+      </p:sp>
+      <p:sp>
+        <p:nvSpPr>
+          <p:cNvPr id="29" name="文本框 28">
+            <a:extLst>
+              <a:ext uri="{FF2B5EF4-FFF2-40B4-BE49-F238E27FC236}">
+                <a16:creationId xmlns:a16="http://schemas.microsoft.com/office/drawing/2014/main" id="{1156E26F-0EC6-936E-DEDF-14F28FC19392}"/>
+              </a:ext>
+            </a:extLst>
+          </p:cNvPr>
+          <p:cNvSpPr txBox="1"/>
+          <p:nvPr/>
+        </p:nvSpPr>
+        <p:spPr>
+          <a:xfrm>
+            <a:off x="1459623" y="2770279"/>
+            <a:ext cx="3317755" cy="400110"/>
+          </a:xfrm>
+          <a:prstGeom prst="rect">
+            <a:avLst/>
+          </a:prstGeom>
+          <a:noFill/>
+        </p:spPr>
+        <p:txBody>
+          <a:bodyPr wrap="square" rtlCol="0" anchor="t">
+            <a:spAutoFit/>
+          </a:bodyPr>
+          <a:lstStyle/>
+          <a:p>
+            <a:r>
+              <a:rPr kumimoji="0" lang="en-US" altLang="zh-CN" sz="2000" b="1" i="0" u="none" strike="noStrike" kern="1200" cap="none" spc="0" normalizeH="0" baseline="0" noProof="0" dirty="0">
                 <a:ln>
                   <a:noFill/>
                 </a:ln>
@@ -4361,882 +4251,319 @@
                 <a:uFillTx/>
                 <a:latin typeface="Arial" panose="020B0604020202020204" pitchFamily="34" charset="0"/>
                 <a:ea typeface="微软雅黑" panose="020B0503020204020204" pitchFamily="34" charset="-122"/>
-              </a:endParaRPr>
-            </a:p>
-          </p:txBody>
-        </p:sp>
-        <p:cxnSp>
-          <p:nvCxnSpPr>
-            <p:cNvPr id="33" name="直接箭头连接符 32">
+              </a:rPr>
+              <a:t>Molecules</a:t>
+            </a:r>
+          </a:p>
+        </p:txBody>
+      </p:sp>
+      <p:sp>
+        <p:nvSpPr>
+          <p:cNvPr id="30" name="文本框 29">
+            <a:extLst>
+              <a:ext uri="{FF2B5EF4-FFF2-40B4-BE49-F238E27FC236}">
+                <a16:creationId xmlns:a16="http://schemas.microsoft.com/office/drawing/2014/main" id="{86E318D5-79E0-0B0B-F52E-7D04CADBC139}"/>
+              </a:ext>
+            </a:extLst>
+          </p:cNvPr>
+          <p:cNvSpPr txBox="1"/>
+          <p:nvPr/>
+        </p:nvSpPr>
+        <p:spPr>
+          <a:xfrm>
+            <a:off x="5108620" y="2770279"/>
+            <a:ext cx="3317755" cy="400110"/>
+          </a:xfrm>
+          <a:prstGeom prst="rect">
+            <a:avLst/>
+          </a:prstGeom>
+          <a:noFill/>
+        </p:spPr>
+        <p:txBody>
+          <a:bodyPr wrap="square" rtlCol="0" anchor="t">
+            <a:spAutoFit/>
+          </a:bodyPr>
+          <a:lstStyle/>
+          <a:p>
+            <a:r>
+              <a:rPr lang="en-US" altLang="zh-CN" sz="2000" b="1" dirty="0">
+                <a:latin typeface="Arial" panose="020B0604020202020204" pitchFamily="34" charset="0"/>
+                <a:ea typeface="微软雅黑" panose="020B0503020204020204" pitchFamily="34" charset="-122"/>
+              </a:rPr>
+              <a:t>Rank</a:t>
+            </a:r>
+            <a:endParaRPr kumimoji="0" lang="en-US" altLang="zh-CN" sz="2000" b="1" i="0" u="none" strike="noStrike" kern="1200" cap="none" spc="0" normalizeH="0" baseline="0" noProof="0" dirty="0">
+              <a:ln>
+                <a:noFill/>
+              </a:ln>
+              <a:effectLst/>
+              <a:uLnTx/>
+              <a:uFillTx/>
+              <a:latin typeface="Arial" panose="020B0604020202020204" pitchFamily="34" charset="0"/>
+              <a:ea typeface="微软雅黑" panose="020B0503020204020204" pitchFamily="34" charset="-122"/>
+            </a:endParaRPr>
+          </a:p>
+        </p:txBody>
+      </p:sp>
+      <p:sp>
+        <p:nvSpPr>
+          <p:cNvPr id="31" name="文本框 30">
+            <a:extLst>
+              <a:ext uri="{FF2B5EF4-FFF2-40B4-BE49-F238E27FC236}">
+                <a16:creationId xmlns:a16="http://schemas.microsoft.com/office/drawing/2014/main" id="{B2917B77-40FA-97D9-9F5F-19BC99F3F3AF}"/>
+              </a:ext>
+            </a:extLst>
+          </p:cNvPr>
+          <p:cNvSpPr txBox="1"/>
+          <p:nvPr/>
+        </p:nvSpPr>
+        <p:spPr>
+          <a:xfrm>
+            <a:off x="8757617" y="2770279"/>
+            <a:ext cx="3317755" cy="400110"/>
+          </a:xfrm>
+          <a:prstGeom prst="rect">
+            <a:avLst/>
+          </a:prstGeom>
+          <a:noFill/>
+        </p:spPr>
+        <p:txBody>
+          <a:bodyPr wrap="square" rtlCol="0" anchor="t">
+            <a:spAutoFit/>
+          </a:bodyPr>
+          <a:lstStyle/>
+          <a:p>
+            <a:r>
+              <a:rPr lang="en-US" altLang="zh-CN" sz="2000" b="1" dirty="0">
+                <a:latin typeface="Arial" panose="020B0604020202020204" pitchFamily="34" charset="0"/>
+                <a:ea typeface="微软雅黑" panose="020B0503020204020204" pitchFamily="34" charset="-122"/>
+              </a:rPr>
+              <a:t>Real world</a:t>
+            </a:r>
+            <a:endParaRPr kumimoji="0" lang="en-US" altLang="zh-CN" sz="2000" b="1" i="0" u="none" strike="noStrike" kern="1200" cap="none" spc="0" normalizeH="0" baseline="0" noProof="0" dirty="0">
+              <a:ln>
+                <a:noFill/>
+              </a:ln>
+              <a:effectLst/>
+              <a:uLnTx/>
+              <a:uFillTx/>
+              <a:latin typeface="Arial" panose="020B0604020202020204" pitchFamily="34" charset="0"/>
+              <a:ea typeface="微软雅黑" panose="020B0503020204020204" pitchFamily="34" charset="-122"/>
+            </a:endParaRPr>
+          </a:p>
+        </p:txBody>
+      </p:sp>
+      <p:cxnSp>
+        <p:nvCxnSpPr>
+          <p:cNvPr id="33" name="直接箭头连接符 32">
+            <a:extLst>
+              <a:ext uri="{FF2B5EF4-FFF2-40B4-BE49-F238E27FC236}">
+                <a16:creationId xmlns:a16="http://schemas.microsoft.com/office/drawing/2014/main" id="{8A7532FB-0638-DC24-1F0D-E428DEAC23B8}"/>
+              </a:ext>
+            </a:extLst>
+          </p:cNvPr>
+          <p:cNvCxnSpPr>
+            <a:cxnSpLocks/>
+          </p:cNvCxnSpPr>
+          <p:nvPr/>
+        </p:nvCxnSpPr>
+        <p:spPr>
+          <a:xfrm>
+            <a:off x="1625085" y="1595812"/>
+            <a:ext cx="0" cy="1174467"/>
+          </a:xfrm>
+          <a:prstGeom prst="straightConnector1">
+            <a:avLst/>
+          </a:prstGeom>
+          <a:ln>
+            <a:tailEnd type="triangle"/>
+          </a:ln>
+        </p:spPr>
+        <p:style>
+          <a:lnRef idx="1">
+            <a:schemeClr val="dk1"/>
+          </a:lnRef>
+          <a:fillRef idx="0">
+            <a:schemeClr val="dk1"/>
+          </a:fillRef>
+          <a:effectRef idx="0">
+            <a:schemeClr val="dk1"/>
+          </a:effectRef>
+          <a:fontRef idx="minor">
+            <a:schemeClr val="tx1"/>
+          </a:fontRef>
+        </p:style>
+      </p:cxnSp>
+      <p:cxnSp>
+        <p:nvCxnSpPr>
+          <p:cNvPr id="34" name="直接箭头连接符 33">
+            <a:extLst>
+              <a:ext uri="{FF2B5EF4-FFF2-40B4-BE49-F238E27FC236}">
+                <a16:creationId xmlns:a16="http://schemas.microsoft.com/office/drawing/2014/main" id="{418B3AA6-2AB8-552F-664D-D43A2CA08E52}"/>
+              </a:ext>
+            </a:extLst>
+          </p:cNvPr>
+          <p:cNvCxnSpPr>
+            <a:cxnSpLocks/>
+          </p:cNvCxnSpPr>
+          <p:nvPr/>
+        </p:nvCxnSpPr>
+        <p:spPr>
+          <a:xfrm>
+            <a:off x="5300102" y="1595812"/>
+            <a:ext cx="0" cy="1204837"/>
+          </a:xfrm>
+          <a:prstGeom prst="straightConnector1">
+            <a:avLst/>
+          </a:prstGeom>
+          <a:ln>
+            <a:tailEnd type="triangle"/>
+          </a:ln>
+        </p:spPr>
+        <p:style>
+          <a:lnRef idx="1">
+            <a:schemeClr val="dk1"/>
+          </a:lnRef>
+          <a:fillRef idx="0">
+            <a:schemeClr val="dk1"/>
+          </a:fillRef>
+          <a:effectRef idx="0">
+            <a:schemeClr val="dk1"/>
+          </a:effectRef>
+          <a:fontRef idx="minor">
+            <a:schemeClr val="tx1"/>
+          </a:fontRef>
+        </p:style>
+      </p:cxnSp>
+      <p:cxnSp>
+        <p:nvCxnSpPr>
+          <p:cNvPr id="35" name="直接箭头连接符 34">
+            <a:extLst>
+              <a:ext uri="{FF2B5EF4-FFF2-40B4-BE49-F238E27FC236}">
+                <a16:creationId xmlns:a16="http://schemas.microsoft.com/office/drawing/2014/main" id="{D82F7EC3-872E-7361-7AC1-680F5308709C}"/>
+              </a:ext>
+            </a:extLst>
+          </p:cNvPr>
+          <p:cNvCxnSpPr>
+            <a:cxnSpLocks/>
+          </p:cNvCxnSpPr>
+          <p:nvPr/>
+        </p:nvCxnSpPr>
+        <p:spPr>
+          <a:xfrm>
+            <a:off x="8922868" y="1595812"/>
+            <a:ext cx="0" cy="1174467"/>
+          </a:xfrm>
+          <a:prstGeom prst="straightConnector1">
+            <a:avLst/>
+          </a:prstGeom>
+          <a:ln>
+            <a:tailEnd type="triangle"/>
+          </a:ln>
+        </p:spPr>
+        <p:style>
+          <a:lnRef idx="1">
+            <a:schemeClr val="dk1"/>
+          </a:lnRef>
+          <a:fillRef idx="0">
+            <a:schemeClr val="dk1"/>
+          </a:fillRef>
+          <a:effectRef idx="0">
+            <a:schemeClr val="dk1"/>
+          </a:effectRef>
+          <a:fontRef idx="minor">
+            <a:schemeClr val="tx1"/>
+          </a:fontRef>
+        </p:style>
+      </p:cxnSp>
+      <p:cxnSp>
+        <p:nvCxnSpPr>
+          <p:cNvPr id="72" name="直接箭头连接符 71">
+            <a:extLst>
+              <a:ext uri="{FF2B5EF4-FFF2-40B4-BE49-F238E27FC236}">
+                <a16:creationId xmlns:a16="http://schemas.microsoft.com/office/drawing/2014/main" id="{54804246-B842-025B-8DFC-9E9A2D41BF98}"/>
+              </a:ext>
+            </a:extLst>
+          </p:cNvPr>
+          <p:cNvCxnSpPr>
+            <a:cxnSpLocks/>
+          </p:cNvCxnSpPr>
+          <p:nvPr/>
+        </p:nvCxnSpPr>
+        <p:spPr>
+          <a:xfrm>
+            <a:off x="262296" y="3101959"/>
+            <a:ext cx="10761213" cy="0"/>
+          </a:xfrm>
+          <a:prstGeom prst="straightConnector1">
+            <a:avLst/>
+          </a:prstGeom>
+          <a:ln w="25400" cmpd="dbl">
+            <a:tailEnd type="triangle"/>
+          </a:ln>
+        </p:spPr>
+        <p:style>
+          <a:lnRef idx="1">
+            <a:schemeClr val="dk1"/>
+          </a:lnRef>
+          <a:fillRef idx="0">
+            <a:schemeClr val="dk1"/>
+          </a:fillRef>
+          <a:effectRef idx="0">
+            <a:schemeClr val="dk1"/>
+          </a:effectRef>
+          <a:fontRef idx="minor">
+            <a:schemeClr val="tx1"/>
+          </a:fontRef>
+        </p:style>
+      </p:cxnSp>
+      <p:grpSp>
+        <p:nvGrpSpPr>
+          <p:cNvPr id="78" name="组合 77">
+            <a:extLst>
+              <a:ext uri="{FF2B5EF4-FFF2-40B4-BE49-F238E27FC236}">
+                <a16:creationId xmlns:a16="http://schemas.microsoft.com/office/drawing/2014/main" id="{DD4D2D5D-ED99-C693-C545-CA6E95E374C0}"/>
+              </a:ext>
+            </a:extLst>
+          </p:cNvPr>
+          <p:cNvGrpSpPr/>
+          <p:nvPr/>
+        </p:nvGrpSpPr>
+        <p:grpSpPr>
+          <a:xfrm>
+            <a:off x="5616823" y="1756768"/>
+            <a:ext cx="1479076" cy="888706"/>
+            <a:chOff x="3368026" y="4668669"/>
+            <a:chExt cx="2154360" cy="1294449"/>
+          </a:xfrm>
+        </p:grpSpPr>
+        <p:sp>
+          <p:nvSpPr>
+            <p:cNvPr id="76" name="弧形 75">
               <a:extLst>
                 <a:ext uri="{FF2B5EF4-FFF2-40B4-BE49-F238E27FC236}">
-                  <a16:creationId xmlns:a16="http://schemas.microsoft.com/office/drawing/2014/main" id="{8A7532FB-0638-DC24-1F0D-E428DEAC23B8}"/>
+                  <a16:creationId xmlns:a16="http://schemas.microsoft.com/office/drawing/2014/main" id="{11A0CAE7-3A8A-533A-6780-BEFB871759CC}"/>
                 </a:ext>
               </a:extLst>
             </p:cNvPr>
-            <p:cNvCxnSpPr>
-              <a:cxnSpLocks/>
-            </p:cNvCxnSpPr>
-            <p:nvPr/>
-          </p:nvCxnSpPr>
-          <p:spPr>
-            <a:xfrm>
-              <a:off x="1476000" y="1558106"/>
-              <a:ext cx="0" cy="1174467"/>
-            </a:xfrm>
-            <a:prstGeom prst="straightConnector1">
-              <a:avLst/>
-            </a:prstGeom>
-            <a:ln>
-              <a:tailEnd type="triangle"/>
-            </a:ln>
-          </p:spPr>
-          <p:style>
-            <a:lnRef idx="1">
-              <a:schemeClr val="dk1"/>
-            </a:lnRef>
-            <a:fillRef idx="0">
-              <a:schemeClr val="dk1"/>
-            </a:fillRef>
-            <a:effectRef idx="0">
-              <a:schemeClr val="dk1"/>
-            </a:effectRef>
-            <a:fontRef idx="minor">
-              <a:schemeClr val="tx1"/>
-            </a:fontRef>
-          </p:style>
-        </p:cxnSp>
-        <p:cxnSp>
-          <p:nvCxnSpPr>
-            <p:cNvPr id="34" name="直接箭头连接符 33">
-              <a:extLst>
-                <a:ext uri="{FF2B5EF4-FFF2-40B4-BE49-F238E27FC236}">
-                  <a16:creationId xmlns:a16="http://schemas.microsoft.com/office/drawing/2014/main" id="{418B3AA6-2AB8-552F-664D-D43A2CA08E52}"/>
-                </a:ext>
-              </a:extLst>
-            </p:cNvPr>
-            <p:cNvCxnSpPr>
-              <a:cxnSpLocks/>
-            </p:cNvCxnSpPr>
-            <p:nvPr/>
-          </p:nvCxnSpPr>
-          <p:spPr>
-            <a:xfrm>
-              <a:off x="5151017" y="1558106"/>
-              <a:ext cx="0" cy="1204837"/>
-            </a:xfrm>
-            <a:prstGeom prst="straightConnector1">
-              <a:avLst/>
-            </a:prstGeom>
-            <a:ln>
-              <a:tailEnd type="triangle"/>
-            </a:ln>
-          </p:spPr>
-          <p:style>
-            <a:lnRef idx="1">
-              <a:schemeClr val="dk1"/>
-            </a:lnRef>
-            <a:fillRef idx="0">
-              <a:schemeClr val="dk1"/>
-            </a:fillRef>
-            <a:effectRef idx="0">
-              <a:schemeClr val="dk1"/>
-            </a:effectRef>
-            <a:fontRef idx="minor">
-              <a:schemeClr val="tx1"/>
-            </a:fontRef>
-          </p:style>
-        </p:cxnSp>
-        <p:cxnSp>
-          <p:nvCxnSpPr>
-            <p:cNvPr id="35" name="直接箭头连接符 34">
-              <a:extLst>
-                <a:ext uri="{FF2B5EF4-FFF2-40B4-BE49-F238E27FC236}">
-                  <a16:creationId xmlns:a16="http://schemas.microsoft.com/office/drawing/2014/main" id="{D82F7EC3-872E-7361-7AC1-680F5308709C}"/>
-                </a:ext>
-              </a:extLst>
-            </p:cNvPr>
-            <p:cNvCxnSpPr>
-              <a:cxnSpLocks/>
-            </p:cNvCxnSpPr>
-            <p:nvPr/>
-          </p:nvCxnSpPr>
-          <p:spPr>
-            <a:xfrm>
-              <a:off x="8773783" y="1558106"/>
-              <a:ext cx="0" cy="1174467"/>
-            </a:xfrm>
-            <a:prstGeom prst="straightConnector1">
-              <a:avLst/>
-            </a:prstGeom>
-            <a:ln>
-              <a:tailEnd type="triangle"/>
-            </a:ln>
-          </p:spPr>
-          <p:style>
-            <a:lnRef idx="1">
-              <a:schemeClr val="dk1"/>
-            </a:lnRef>
-            <a:fillRef idx="0">
-              <a:schemeClr val="dk1"/>
-            </a:fillRef>
-            <a:effectRef idx="0">
-              <a:schemeClr val="dk1"/>
-            </a:effectRef>
-            <a:fontRef idx="minor">
-              <a:schemeClr val="tx1"/>
-            </a:fontRef>
-          </p:style>
-        </p:cxnSp>
-        <p:cxnSp>
-          <p:nvCxnSpPr>
-            <p:cNvPr id="72" name="直接箭头连接符 71">
-              <a:extLst>
-                <a:ext uri="{FF2B5EF4-FFF2-40B4-BE49-F238E27FC236}">
-                  <a16:creationId xmlns:a16="http://schemas.microsoft.com/office/drawing/2014/main" id="{54804246-B842-025B-8DFC-9E9A2D41BF98}"/>
-                </a:ext>
-              </a:extLst>
-            </p:cNvPr>
-            <p:cNvCxnSpPr>
-              <a:cxnSpLocks/>
-            </p:cNvCxnSpPr>
-            <p:nvPr/>
-          </p:nvCxnSpPr>
-          <p:spPr>
-            <a:xfrm>
-              <a:off x="113211" y="3064253"/>
-              <a:ext cx="10761213" cy="0"/>
-            </a:xfrm>
-            <a:prstGeom prst="straightConnector1">
-              <a:avLst/>
-            </a:prstGeom>
-            <a:ln w="25400" cmpd="dbl">
-              <a:tailEnd type="triangle"/>
-            </a:ln>
-          </p:spPr>
-          <p:style>
-            <a:lnRef idx="1">
-              <a:schemeClr val="dk1"/>
-            </a:lnRef>
-            <a:fillRef idx="0">
-              <a:schemeClr val="dk1"/>
-            </a:fillRef>
-            <a:effectRef idx="0">
-              <a:schemeClr val="dk1"/>
-            </a:effectRef>
-            <a:fontRef idx="minor">
-              <a:schemeClr val="tx1"/>
-            </a:fontRef>
-          </p:style>
-        </p:cxnSp>
-        <p:grpSp>
-          <p:nvGrpSpPr>
-            <p:cNvPr id="78" name="组合 77">
-              <a:extLst>
-                <a:ext uri="{FF2B5EF4-FFF2-40B4-BE49-F238E27FC236}">
-                  <a16:creationId xmlns:a16="http://schemas.microsoft.com/office/drawing/2014/main" id="{DD4D2D5D-ED99-C693-C545-CA6E95E374C0}"/>
-                </a:ext>
-              </a:extLst>
-            </p:cNvPr>
-            <p:cNvGrpSpPr/>
-            <p:nvPr/>
-          </p:nvGrpSpPr>
-          <p:grpSpPr>
-            <a:xfrm>
-              <a:off x="5467738" y="1719062"/>
-              <a:ext cx="1479076" cy="888706"/>
-              <a:chOff x="3368026" y="4668669"/>
-              <a:chExt cx="2154360" cy="1294449"/>
-            </a:xfrm>
-          </p:grpSpPr>
-          <p:sp>
-            <p:nvSpPr>
-              <p:cNvPr id="76" name="弧形 75">
-                <a:extLst>
-                  <a:ext uri="{FF2B5EF4-FFF2-40B4-BE49-F238E27FC236}">
-                    <a16:creationId xmlns:a16="http://schemas.microsoft.com/office/drawing/2014/main" id="{11A0CAE7-3A8A-533A-6780-BEFB871759CC}"/>
-                  </a:ext>
-                </a:extLst>
-              </p:cNvPr>
-              <p:cNvSpPr/>
-              <p:nvPr/>
-            </p:nvSpPr>
-            <p:spPr>
-              <a:xfrm rot="2618564">
-                <a:off x="3368026" y="4697095"/>
-                <a:ext cx="1263468" cy="1266023"/>
-              </a:xfrm>
-              <a:prstGeom prst="arc">
-                <a:avLst>
-                  <a:gd name="adj1" fmla="val 13310474"/>
-                  <a:gd name="adj2" fmla="val 3131800"/>
-                </a:avLst>
-              </a:prstGeom>
-              <a:ln>
-                <a:solidFill>
-                  <a:schemeClr val="tx1"/>
-                </a:solidFill>
-              </a:ln>
-            </p:spPr>
-            <p:style>
-              <a:lnRef idx="1">
-                <a:schemeClr val="accent1"/>
-              </a:lnRef>
-              <a:fillRef idx="0">
-                <a:schemeClr val="accent1"/>
-              </a:fillRef>
-              <a:effectRef idx="0">
-                <a:schemeClr val="accent1"/>
-              </a:effectRef>
-              <a:fontRef idx="minor">
-                <a:schemeClr val="tx1"/>
-              </a:fontRef>
-            </p:style>
-            <p:txBody>
-              <a:bodyPr rtlCol="0" anchor="ctr"/>
-              <a:lstStyle/>
-              <a:p>
-                <a:pPr algn="ctr"/>
-                <a:endParaRPr lang="zh-CN" altLang="en-US"/>
-              </a:p>
-            </p:txBody>
-          </p:sp>
-          <p:sp>
-            <p:nvSpPr>
-              <p:cNvPr id="77" name="弧形 76">
-                <a:extLst>
-                  <a:ext uri="{FF2B5EF4-FFF2-40B4-BE49-F238E27FC236}">
-                    <a16:creationId xmlns:a16="http://schemas.microsoft.com/office/drawing/2014/main" id="{9885AF9E-008E-F8BC-C1E1-1FE1DAE2C720}"/>
-                  </a:ext>
-                </a:extLst>
-              </p:cNvPr>
-              <p:cNvSpPr/>
-              <p:nvPr/>
-            </p:nvSpPr>
-            <p:spPr>
-              <a:xfrm rot="13699644">
-                <a:off x="4256746" y="4675378"/>
-                <a:ext cx="1272349" cy="1258931"/>
-              </a:xfrm>
-              <a:prstGeom prst="arc">
-                <a:avLst>
-                  <a:gd name="adj1" fmla="val 13310474"/>
-                  <a:gd name="adj2" fmla="val 2407383"/>
-                </a:avLst>
-              </a:prstGeom>
-              <a:ln>
-                <a:solidFill>
-                  <a:schemeClr val="tx1"/>
-                </a:solidFill>
-              </a:ln>
-            </p:spPr>
-            <p:style>
-              <a:lnRef idx="1">
-                <a:schemeClr val="accent1"/>
-              </a:lnRef>
-              <a:fillRef idx="0">
-                <a:schemeClr val="accent1"/>
-              </a:fillRef>
-              <a:effectRef idx="0">
-                <a:schemeClr val="accent1"/>
-              </a:effectRef>
-              <a:fontRef idx="minor">
-                <a:schemeClr val="tx1"/>
-              </a:fontRef>
-            </p:style>
-            <p:txBody>
-              <a:bodyPr rtlCol="0" anchor="ctr"/>
-              <a:lstStyle/>
-              <a:p>
-                <a:pPr algn="ctr"/>
-                <a:endParaRPr lang="zh-CN" altLang="en-US"/>
-              </a:p>
-            </p:txBody>
-          </p:sp>
-        </p:grpSp>
-        <p:sp>
-          <p:nvSpPr>
-            <p:cNvPr id="79" name="文本框 78">
-              <a:extLst>
-                <a:ext uri="{FF2B5EF4-FFF2-40B4-BE49-F238E27FC236}">
-                  <a16:creationId xmlns:a16="http://schemas.microsoft.com/office/drawing/2014/main" id="{CBEB34AD-38DD-B320-A33A-092A07AB18AF}"/>
-                </a:ext>
-              </a:extLst>
-            </p:cNvPr>
-            <p:cNvSpPr txBox="1"/>
+            <p:cNvSpPr/>
             <p:nvPr/>
           </p:nvSpPr>
           <p:spPr>
-            <a:xfrm>
-              <a:off x="6025509" y="1988414"/>
-              <a:ext cx="827628" cy="525465"/>
+            <a:xfrm rot="2618564">
+              <a:off x="3368026" y="4697095"/>
+              <a:ext cx="1263468" cy="1266023"/>
             </a:xfrm>
-            <a:prstGeom prst="rect">
-              <a:avLst/>
-            </a:prstGeom>
-            <a:noFill/>
-          </p:spPr>
-          <p:txBody>
-            <a:bodyPr wrap="square" rtlCol="0">
-              <a:spAutoFit/>
-            </a:bodyPr>
-            <a:lstStyle/>
-            <a:p>
-              <a:pPr marL="0" marR="0" lvl="0" indent="0" defTabSz="913765" rtl="0" eaLnBrk="1" fontAlgn="auto" latinLnBrk="0" hangingPunct="1">
-                <a:lnSpc>
-                  <a:spcPct val="150000"/>
-                </a:lnSpc>
-                <a:spcBef>
-                  <a:spcPts val="0"/>
-                </a:spcBef>
-                <a:spcAft>
-                  <a:spcPts val="0"/>
-                </a:spcAft>
-                <a:buClrTx/>
-                <a:buSzPct val="25000"/>
-                <a:buFontTx/>
-                <a:buNone/>
-                <a:defRPr/>
-              </a:pPr>
-              <a:r>
-                <a:rPr kumimoji="0" lang="en-US" altLang="zh-CN" sz="1000" b="0" i="0" u="none" strike="noStrike" kern="1200" cap="none" spc="0" normalizeH="0" baseline="0" noProof="0" dirty="0">
-                  <a:ln>
-                    <a:noFill/>
-                  </a:ln>
-                  <a:effectLst/>
-                  <a:uLnTx/>
-                  <a:uFillTx/>
-                  <a:latin typeface="Arial" panose="020B0604020202020204" pitchFamily="34" charset="0"/>
-                  <a:ea typeface="微软雅黑" panose="020B0503020204020204" pitchFamily="34" charset="-122"/>
-                </a:rPr>
-                <a:t>AL*</a:t>
-              </a:r>
-            </a:p>
-            <a:p>
-              <a:pPr marL="0" marR="0" lvl="0" indent="0" defTabSz="913765" rtl="0" eaLnBrk="1" fontAlgn="auto" latinLnBrk="0" hangingPunct="1">
-                <a:lnSpc>
-                  <a:spcPct val="150000"/>
-                </a:lnSpc>
-                <a:spcBef>
-                  <a:spcPts val="0"/>
-                </a:spcBef>
-                <a:spcAft>
-                  <a:spcPts val="0"/>
-                </a:spcAft>
-                <a:buClrTx/>
-                <a:buSzPct val="25000"/>
-                <a:buFontTx/>
-                <a:buNone/>
-                <a:defRPr/>
-              </a:pPr>
-              <a:endParaRPr kumimoji="0" lang="en-US" altLang="zh-CN" sz="1000" b="0" i="0" u="none" strike="noStrike" kern="1200" cap="none" spc="0" normalizeH="0" baseline="0" noProof="0" dirty="0">
-                <a:ln>
-                  <a:noFill/>
-                </a:ln>
-                <a:effectLst/>
-                <a:uLnTx/>
-                <a:uFillTx/>
-                <a:latin typeface="Arial" panose="020B0604020202020204" pitchFamily="34" charset="0"/>
-                <a:ea typeface="微软雅黑" panose="020B0503020204020204" pitchFamily="34" charset="-122"/>
-              </a:endParaRPr>
-            </a:p>
-          </p:txBody>
-        </p:sp>
-        <p:sp>
-          <p:nvSpPr>
-            <p:cNvPr id="82" name="文本框 81">
-              <a:extLst>
-                <a:ext uri="{FF2B5EF4-FFF2-40B4-BE49-F238E27FC236}">
-                  <a16:creationId xmlns:a16="http://schemas.microsoft.com/office/drawing/2014/main" id="{29C53A5A-A862-1352-7131-4A8E2B6E4657}"/>
-                </a:ext>
-              </a:extLst>
-            </p:cNvPr>
-            <p:cNvSpPr txBox="1"/>
-            <p:nvPr/>
-          </p:nvSpPr>
-          <p:spPr>
-            <a:xfrm>
-              <a:off x="2745854" y="1969859"/>
-              <a:ext cx="985242" cy="998671"/>
-            </a:xfrm>
-            <a:prstGeom prst="rect">
-              <a:avLst/>
-            </a:prstGeom>
-            <a:noFill/>
-          </p:spPr>
-          <p:txBody>
-            <a:bodyPr wrap="square" rtlCol="0">
-              <a:spAutoFit/>
-            </a:bodyPr>
-            <a:lstStyle/>
-            <a:p>
-              <a:pPr defTabSz="913765">
-                <a:lnSpc>
-                  <a:spcPct val="120000"/>
-                </a:lnSpc>
-                <a:buSzPct val="25000"/>
-                <a:defRPr/>
-              </a:pPr>
-              <a:r>
-                <a:rPr lang="en-US" altLang="zh-CN" sz="1000" dirty="0">
-                  <a:latin typeface="Arial" panose="020B0604020202020204" pitchFamily="34" charset="0"/>
-                  <a:ea typeface="微软雅黑" panose="020B0503020204020204" pitchFamily="34" charset="-122"/>
-                </a:rPr>
-                <a:t>RNN</a:t>
-              </a:r>
-            </a:p>
-            <a:p>
-              <a:pPr marL="0" marR="0" lvl="0" indent="0" defTabSz="913765" rtl="0" eaLnBrk="1" fontAlgn="auto" latinLnBrk="0" hangingPunct="1">
-                <a:lnSpc>
-                  <a:spcPct val="120000"/>
-                </a:lnSpc>
-                <a:spcBef>
-                  <a:spcPts val="0"/>
-                </a:spcBef>
-                <a:spcAft>
-                  <a:spcPts val="0"/>
-                </a:spcAft>
-                <a:buClrTx/>
-                <a:buSzPct val="25000"/>
-                <a:buFontTx/>
-                <a:buNone/>
-                <a:defRPr/>
-              </a:pPr>
-              <a:r>
-                <a:rPr kumimoji="0" lang="en-US" altLang="zh-CN" sz="1000" b="0" i="0" u="none" strike="noStrike" kern="1200" cap="none" spc="0" normalizeH="0" baseline="0" noProof="0" dirty="0">
-                  <a:ln>
-                    <a:noFill/>
-                  </a:ln>
-                  <a:effectLst/>
-                  <a:uLnTx/>
-                  <a:uFillTx/>
-                  <a:latin typeface="Arial" panose="020B0604020202020204" pitchFamily="34" charset="0"/>
-                  <a:ea typeface="微软雅黑" panose="020B0503020204020204" pitchFamily="34" charset="-122"/>
-                </a:rPr>
-                <a:t>VAE </a:t>
-              </a:r>
-            </a:p>
-            <a:p>
-              <a:pPr marL="0" marR="0" lvl="0" indent="0" defTabSz="913765" rtl="0" eaLnBrk="1" fontAlgn="auto" latinLnBrk="0" hangingPunct="1">
-                <a:lnSpc>
-                  <a:spcPct val="120000"/>
-                </a:lnSpc>
-                <a:spcBef>
-                  <a:spcPts val="0"/>
-                </a:spcBef>
-                <a:spcAft>
-                  <a:spcPts val="0"/>
-                </a:spcAft>
-                <a:buClrTx/>
-                <a:buSzPct val="25000"/>
-                <a:buFontTx/>
-                <a:buNone/>
-                <a:defRPr/>
-              </a:pPr>
-              <a:r>
-                <a:rPr kumimoji="0" lang="en-US" altLang="zh-CN" sz="1000" b="0" i="0" u="none" strike="noStrike" kern="1200" cap="none" spc="0" normalizeH="0" baseline="0" noProof="0" dirty="0">
-                  <a:ln>
-                    <a:noFill/>
-                  </a:ln>
-                  <a:effectLst/>
-                  <a:uLnTx/>
-                  <a:uFillTx/>
-                  <a:latin typeface="Arial" panose="020B0604020202020204" pitchFamily="34" charset="0"/>
-                  <a:ea typeface="微软雅黑" panose="020B0503020204020204" pitchFamily="34" charset="-122"/>
-                </a:rPr>
-                <a:t>GAN</a:t>
-              </a:r>
-            </a:p>
-            <a:p>
-              <a:pPr marL="0" marR="0" lvl="0" indent="0" defTabSz="913765" rtl="0" eaLnBrk="1" fontAlgn="auto" latinLnBrk="0" hangingPunct="1">
-                <a:lnSpc>
-                  <a:spcPct val="120000"/>
-                </a:lnSpc>
-                <a:spcBef>
-                  <a:spcPts val="0"/>
-                </a:spcBef>
-                <a:spcAft>
-                  <a:spcPts val="0"/>
-                </a:spcAft>
-                <a:buClrTx/>
-                <a:buSzPct val="25000"/>
-                <a:buFontTx/>
-                <a:buNone/>
-                <a:defRPr/>
-              </a:pPr>
-              <a:r>
-                <a:rPr kumimoji="0" lang="en-US" altLang="zh-CN" sz="1000" b="0" i="0" u="none" strike="noStrike" kern="1200" cap="none" spc="0" normalizeH="0" baseline="0" noProof="0" dirty="0">
-                  <a:ln>
-                    <a:noFill/>
-                  </a:ln>
-                  <a:effectLst/>
-                  <a:uLnTx/>
-                  <a:uFillTx/>
-                  <a:latin typeface="Arial" panose="020B0604020202020204" pitchFamily="34" charset="0"/>
-                  <a:ea typeface="微软雅黑" panose="020B0503020204020204" pitchFamily="34" charset="-122"/>
-                </a:rPr>
-                <a:t>Transformers</a:t>
-              </a:r>
-            </a:p>
-            <a:p>
-              <a:pPr marL="0" marR="0" lvl="0" indent="0" defTabSz="913765" rtl="0" eaLnBrk="1" fontAlgn="auto" latinLnBrk="0" hangingPunct="1">
-                <a:lnSpc>
-                  <a:spcPct val="120000"/>
-                </a:lnSpc>
-                <a:spcBef>
-                  <a:spcPts val="0"/>
-                </a:spcBef>
-                <a:spcAft>
-                  <a:spcPts val="0"/>
-                </a:spcAft>
-                <a:buClrTx/>
-                <a:buSzPct val="25000"/>
-                <a:buFontTx/>
-                <a:buNone/>
-                <a:defRPr/>
-              </a:pPr>
-              <a:r>
-                <a:rPr lang="en-US" altLang="zh-CN" sz="1000" dirty="0">
-                  <a:latin typeface="Arial" panose="020B0604020202020204" pitchFamily="34" charset="0"/>
-                  <a:ea typeface="微软雅黑" panose="020B0503020204020204" pitchFamily="34" charset="-122"/>
-                </a:rPr>
-                <a:t>…</a:t>
-              </a:r>
-            </a:p>
-          </p:txBody>
-        </p:sp>
-        <p:sp>
-          <p:nvSpPr>
-            <p:cNvPr id="83" name="文本框 82">
-              <a:extLst>
-                <a:ext uri="{FF2B5EF4-FFF2-40B4-BE49-F238E27FC236}">
-                  <a16:creationId xmlns:a16="http://schemas.microsoft.com/office/drawing/2014/main" id="{D0EAA957-CA73-CFDD-7021-F0E16221B132}"/>
-                </a:ext>
-              </a:extLst>
-            </p:cNvPr>
-            <p:cNvSpPr txBox="1"/>
-            <p:nvPr/>
-          </p:nvSpPr>
-          <p:spPr>
-            <a:xfrm>
-              <a:off x="6427097" y="1684243"/>
-              <a:ext cx="1479076" cy="998671"/>
-            </a:xfrm>
-            <a:prstGeom prst="rect">
-              <a:avLst/>
-            </a:prstGeom>
-            <a:noFill/>
-          </p:spPr>
-          <p:txBody>
-            <a:bodyPr wrap="square" rtlCol="0">
-              <a:spAutoFit/>
-            </a:bodyPr>
-            <a:lstStyle/>
-            <a:p>
-              <a:pPr marL="0" marR="0" lvl="0" indent="0" defTabSz="913765" rtl="0" eaLnBrk="1" fontAlgn="auto" latinLnBrk="0" hangingPunct="1">
-                <a:lnSpc>
-                  <a:spcPct val="120000"/>
-                </a:lnSpc>
-                <a:spcBef>
-                  <a:spcPts val="0"/>
-                </a:spcBef>
-                <a:spcAft>
-                  <a:spcPts val="0"/>
-                </a:spcAft>
-                <a:buClrTx/>
-                <a:buSzPct val="25000"/>
-                <a:buFontTx/>
-                <a:buNone/>
-                <a:defRPr/>
-              </a:pPr>
-              <a:r>
-                <a:rPr kumimoji="0" lang="en-US" altLang="zh-CN" sz="1000" b="0" i="0" u="none" strike="noStrike" kern="1200" cap="none" spc="0" normalizeH="0" baseline="0" noProof="0" dirty="0">
-                  <a:ln>
-                    <a:noFill/>
-                  </a:ln>
-                  <a:effectLst/>
-                  <a:uLnTx/>
-                  <a:uFillTx/>
-                  <a:latin typeface="Arial" panose="020B0604020202020204" pitchFamily="34" charset="0"/>
-                  <a:ea typeface="微软雅黑" panose="020B0503020204020204" pitchFamily="34" charset="-122"/>
-                </a:rPr>
-                <a:t>ML</a:t>
-              </a:r>
-              <a:r>
-                <a:rPr lang="en-US" altLang="zh-CN" sz="1000" dirty="0">
-                  <a:latin typeface="Arial" panose="020B0604020202020204" pitchFamily="34" charset="0"/>
-                  <a:ea typeface="微软雅黑" panose="020B0503020204020204" pitchFamily="34" charset="-122"/>
-                </a:rPr>
-                <a:t>:</a:t>
-              </a:r>
-              <a:endParaRPr kumimoji="0" lang="en-US" altLang="zh-CN" sz="1000" b="0" i="0" u="none" strike="noStrike" kern="1200" cap="none" spc="0" normalizeH="0" baseline="0" noProof="0" dirty="0">
-                <a:ln>
-                  <a:noFill/>
-                </a:ln>
-                <a:effectLst/>
-                <a:uLnTx/>
-                <a:uFillTx/>
-                <a:latin typeface="Arial" panose="020B0604020202020204" pitchFamily="34" charset="0"/>
-                <a:ea typeface="微软雅黑" panose="020B0503020204020204" pitchFamily="34" charset="-122"/>
-              </a:endParaRPr>
-            </a:p>
-            <a:p>
-              <a:pPr marL="0" marR="0" lvl="0" indent="0" defTabSz="913765" rtl="0" eaLnBrk="1" fontAlgn="auto" latinLnBrk="0" hangingPunct="1">
-                <a:lnSpc>
-                  <a:spcPct val="120000"/>
-                </a:lnSpc>
-                <a:spcBef>
-                  <a:spcPts val="0"/>
-                </a:spcBef>
-                <a:spcAft>
-                  <a:spcPts val="0"/>
-                </a:spcAft>
-                <a:buClrTx/>
-                <a:buSzPct val="25000"/>
-                <a:buFontTx/>
-                <a:buNone/>
-                <a:defRPr/>
-              </a:pPr>
-              <a:r>
-                <a:rPr kumimoji="0" lang="en-US" altLang="zh-CN" sz="1000" b="0" i="0" u="none" strike="noStrike" kern="1200" cap="none" spc="0" normalizeH="0" baseline="0" noProof="0" dirty="0">
-                  <a:ln>
-                    <a:noFill/>
-                  </a:ln>
-                  <a:effectLst/>
-                  <a:uLnTx/>
-                  <a:uFillTx/>
-                  <a:latin typeface="Arial" panose="020B0604020202020204" pitchFamily="34" charset="0"/>
-                  <a:ea typeface="微软雅黑" panose="020B0503020204020204" pitchFamily="34" charset="-122"/>
-                </a:rPr>
-                <a:t>Hyperpramter-Optuna</a:t>
-              </a:r>
-            </a:p>
-            <a:p>
-              <a:pPr marL="0" marR="0" lvl="0" indent="0" defTabSz="913765" rtl="0" eaLnBrk="1" fontAlgn="auto" latinLnBrk="0" hangingPunct="1">
-                <a:lnSpc>
-                  <a:spcPct val="120000"/>
-                </a:lnSpc>
-                <a:spcBef>
-                  <a:spcPts val="0"/>
-                </a:spcBef>
-                <a:spcAft>
-                  <a:spcPts val="0"/>
-                </a:spcAft>
-                <a:buClrTx/>
-                <a:buSzPct val="25000"/>
-                <a:buFontTx/>
-                <a:buNone/>
-                <a:defRPr/>
-              </a:pPr>
-              <a:r>
-                <a:rPr kumimoji="0" lang="en-US" altLang="zh-CN" sz="1000" b="0" i="0" u="none" strike="noStrike" kern="1200" cap="none" spc="0" normalizeH="0" baseline="0" noProof="0" dirty="0">
-                  <a:ln>
-                    <a:noFill/>
-                  </a:ln>
-                  <a:effectLst/>
-                  <a:uLnTx/>
-                  <a:uFillTx/>
-                  <a:latin typeface="Arial" panose="020B0604020202020204" pitchFamily="34" charset="0"/>
-                  <a:ea typeface="微软雅黑" panose="020B0503020204020204" pitchFamily="34" charset="-122"/>
-                </a:rPr>
-                <a:t>GNN-Chemprop</a:t>
-              </a:r>
-            </a:p>
-            <a:p>
-              <a:pPr marL="0" marR="0" lvl="0" indent="0" defTabSz="913765" rtl="0" eaLnBrk="1" fontAlgn="auto" latinLnBrk="0" hangingPunct="1">
-                <a:lnSpc>
-                  <a:spcPct val="120000"/>
-                </a:lnSpc>
-                <a:spcBef>
-                  <a:spcPts val="0"/>
-                </a:spcBef>
-                <a:spcAft>
-                  <a:spcPts val="0"/>
-                </a:spcAft>
-                <a:buClrTx/>
-                <a:buSzPct val="25000"/>
-                <a:buFontTx/>
-                <a:buNone/>
-                <a:defRPr/>
-              </a:pPr>
-              <a:r>
-                <a:rPr lang="en-US" altLang="zh-CN" sz="1000" dirty="0">
-                  <a:latin typeface="Arial" panose="020B0604020202020204" pitchFamily="34" charset="0"/>
-                  <a:ea typeface="微软雅黑" panose="020B0503020204020204" pitchFamily="34" charset="-122"/>
-                </a:rPr>
-                <a:t>Diffusion-Boltz2</a:t>
-              </a:r>
-            </a:p>
-            <a:p>
-              <a:pPr marL="0" marR="0" lvl="0" indent="0" defTabSz="913765" rtl="0" eaLnBrk="1" fontAlgn="auto" latinLnBrk="0" hangingPunct="1">
-                <a:lnSpc>
-                  <a:spcPct val="120000"/>
-                </a:lnSpc>
-                <a:spcBef>
-                  <a:spcPts val="0"/>
-                </a:spcBef>
-                <a:spcAft>
-                  <a:spcPts val="0"/>
-                </a:spcAft>
-                <a:buClrTx/>
-                <a:buSzPct val="25000"/>
-                <a:buFontTx/>
-                <a:buNone/>
-                <a:defRPr/>
-              </a:pPr>
-              <a:r>
-                <a:rPr kumimoji="0" lang="en-US" altLang="zh-CN" sz="1000" b="0" i="0" u="none" strike="noStrike" kern="1200" cap="none" spc="0" normalizeH="0" baseline="0" noProof="0" dirty="0">
-                  <a:ln>
-                    <a:noFill/>
-                  </a:ln>
-                  <a:effectLst/>
-                  <a:uLnTx/>
-                  <a:uFillTx/>
-                  <a:latin typeface="Arial" panose="020B0604020202020204" pitchFamily="34" charset="0"/>
-                  <a:ea typeface="微软雅黑" panose="020B0503020204020204" pitchFamily="34" charset="-122"/>
-                </a:rPr>
-                <a:t>…</a:t>
-              </a:r>
-            </a:p>
-          </p:txBody>
-        </p:sp>
-        <p:sp>
-          <p:nvSpPr>
-            <p:cNvPr id="85" name="文本框 84">
-              <a:extLst>
-                <a:ext uri="{FF2B5EF4-FFF2-40B4-BE49-F238E27FC236}">
-                  <a16:creationId xmlns:a16="http://schemas.microsoft.com/office/drawing/2014/main" id="{F8695DAB-D813-067F-84D0-B96E1686DEA2}"/>
-                </a:ext>
-              </a:extLst>
-            </p:cNvPr>
-            <p:cNvSpPr txBox="1"/>
-            <p:nvPr/>
-          </p:nvSpPr>
-          <p:spPr>
-            <a:xfrm>
-              <a:off x="3586817" y="1439915"/>
-              <a:ext cx="1526006" cy="444674"/>
-            </a:xfrm>
-            <a:prstGeom prst="rect">
-              <a:avLst/>
-            </a:prstGeom>
-            <a:noFill/>
-          </p:spPr>
-          <p:txBody>
-            <a:bodyPr wrap="square">
-              <a:spAutoFit/>
-            </a:bodyPr>
-            <a:lstStyle/>
-            <a:p>
-              <a:pPr marL="0" marR="0" lvl="0" indent="0" defTabSz="913765" rtl="0" eaLnBrk="1" fontAlgn="auto" latinLnBrk="0" hangingPunct="1">
-                <a:lnSpc>
-                  <a:spcPct val="120000"/>
-                </a:lnSpc>
-                <a:spcBef>
-                  <a:spcPts val="0"/>
-                </a:spcBef>
-                <a:spcAft>
-                  <a:spcPts val="0"/>
-                </a:spcAft>
-                <a:buClrTx/>
-                <a:buSzPct val="25000"/>
-                <a:buFontTx/>
-                <a:buNone/>
-                <a:defRPr/>
-              </a:pPr>
-              <a:r>
-                <a:rPr kumimoji="0" lang="en-US" altLang="zh-CN" sz="1000" b="0" i="0" u="none" strike="noStrike" kern="1200" cap="none" spc="0" normalizeH="0" baseline="0" noProof="0" dirty="0">
-                  <a:ln>
-                    <a:noFill/>
-                  </a:ln>
-                  <a:effectLst/>
-                  <a:uLnTx/>
-                  <a:uFillTx/>
-                  <a:latin typeface="Arial" panose="020B0604020202020204" pitchFamily="34" charset="0"/>
-                  <a:ea typeface="微软雅黑" panose="020B0503020204020204" pitchFamily="34" charset="-122"/>
-                </a:rPr>
-                <a:t>RCSB PDB</a:t>
-              </a:r>
-            </a:p>
-            <a:p>
-              <a:pPr marL="0" marR="0" lvl="0" indent="0" defTabSz="913765" rtl="0" eaLnBrk="1" fontAlgn="auto" latinLnBrk="0" hangingPunct="1">
-                <a:lnSpc>
-                  <a:spcPct val="120000"/>
-                </a:lnSpc>
-                <a:spcBef>
-                  <a:spcPts val="0"/>
-                </a:spcBef>
-                <a:spcAft>
-                  <a:spcPts val="0"/>
-                </a:spcAft>
-                <a:buClrTx/>
-                <a:buSzPct val="25000"/>
-                <a:buFontTx/>
-                <a:buNone/>
-                <a:defRPr/>
-              </a:pPr>
-              <a:r>
-                <a:rPr kumimoji="0" lang="en-US" altLang="zh-CN" sz="1000" b="0" i="0" u="none" strike="noStrike" kern="1200" cap="none" spc="0" normalizeH="0" baseline="0" noProof="0" dirty="0">
-                  <a:ln>
-                    <a:noFill/>
-                  </a:ln>
-                  <a:effectLst/>
-                  <a:uLnTx/>
-                  <a:uFillTx/>
-                  <a:latin typeface="Arial" panose="020B0604020202020204" pitchFamily="34" charset="0"/>
-                  <a:ea typeface="微软雅黑" panose="020B0503020204020204" pitchFamily="34" charset="-122"/>
-                </a:rPr>
-                <a:t>IFD, C-dock, </a:t>
-              </a:r>
-              <a:r>
-                <a:rPr lang="en-US" altLang="zh-CN" sz="1000" dirty="0">
-                  <a:latin typeface="Arial" panose="020B0604020202020204" pitchFamily="34" charset="0"/>
-                  <a:ea typeface="微软雅黑" panose="020B0503020204020204" pitchFamily="34" charset="-122"/>
-                </a:rPr>
-                <a:t>Rosetta</a:t>
-              </a:r>
-              <a:endParaRPr kumimoji="0" lang="en-US" altLang="zh-CN" sz="1000" b="0" i="0" u="none" strike="noStrike" kern="1200" cap="none" spc="0" normalizeH="0" baseline="0" noProof="0" dirty="0">
-                <a:ln>
-                  <a:noFill/>
-                </a:ln>
-                <a:effectLst/>
-                <a:uLnTx/>
-                <a:uFillTx/>
-                <a:latin typeface="Arial" panose="020B0604020202020204" pitchFamily="34" charset="0"/>
-                <a:ea typeface="微软雅黑" panose="020B0503020204020204" pitchFamily="34" charset="-122"/>
-              </a:endParaRPr>
-            </a:p>
-          </p:txBody>
-        </p:sp>
-        <p:cxnSp>
-          <p:nvCxnSpPr>
-            <p:cNvPr id="87" name="连接符: 肘形 86">
-              <a:extLst>
-                <a:ext uri="{FF2B5EF4-FFF2-40B4-BE49-F238E27FC236}">
-                  <a16:creationId xmlns:a16="http://schemas.microsoft.com/office/drawing/2014/main" id="{D4FEBB04-E315-31D5-1FE6-C914ACFD1762}"/>
-                </a:ext>
-              </a:extLst>
-            </p:cNvPr>
-            <p:cNvCxnSpPr>
-              <a:cxnSpLocks/>
-            </p:cNvCxnSpPr>
-            <p:nvPr/>
-          </p:nvCxnSpPr>
-          <p:spPr>
-            <a:xfrm>
-              <a:off x="4077986" y="1855064"/>
-              <a:ext cx="1042273" cy="225210"/>
-            </a:xfrm>
-            <a:prstGeom prst="bentConnector3">
+            <a:prstGeom prst="arc">
               <a:avLst>
-                <a:gd name="adj1" fmla="val 50000"/>
+                <a:gd name="adj1" fmla="val 13310474"/>
+                <a:gd name="adj2" fmla="val 3131800"/>
               </a:avLst>
             </a:prstGeom>
             <a:ln>
               <a:solidFill>
                 <a:schemeClr val="tx1"/>
               </a:solidFill>
-              <a:tailEnd type="triangle"/>
             </a:ln>
           </p:spPr>
           <p:style>
@@ -5253,36 +4580,42 @@
               <a:schemeClr val="tx1"/>
             </a:fontRef>
           </p:style>
-        </p:cxnSp>
-        <p:cxnSp>
-          <p:nvCxnSpPr>
-            <p:cNvPr id="91" name="连接符: 肘形 90">
+          <p:txBody>
+            <a:bodyPr rtlCol="0" anchor="ctr"/>
+            <a:lstStyle/>
+            <a:p>
+              <a:pPr algn="ctr"/>
+              <a:endParaRPr lang="zh-CN" altLang="en-US"/>
+            </a:p>
+          </p:txBody>
+        </p:sp>
+        <p:sp>
+          <p:nvSpPr>
+            <p:cNvPr id="77" name="弧形 76">
               <a:extLst>
                 <a:ext uri="{FF2B5EF4-FFF2-40B4-BE49-F238E27FC236}">
-                  <a16:creationId xmlns:a16="http://schemas.microsoft.com/office/drawing/2014/main" id="{5B4C6A98-8C3B-A8CC-0DFD-F6361E295A8F}"/>
+                  <a16:creationId xmlns:a16="http://schemas.microsoft.com/office/drawing/2014/main" id="{9885AF9E-008E-F8BC-C1E1-1FE1DAE2C720}"/>
                 </a:ext>
               </a:extLst>
             </p:cNvPr>
-            <p:cNvCxnSpPr>
-              <a:cxnSpLocks/>
-            </p:cNvCxnSpPr>
+            <p:cNvSpPr/>
             <p:nvPr/>
-          </p:nvCxnSpPr>
+          </p:nvSpPr>
           <p:spPr>
-            <a:xfrm>
-              <a:off x="4114451" y="2444428"/>
-              <a:ext cx="1012842" cy="156174"/>
+            <a:xfrm rot="13699644">
+              <a:off x="4256746" y="4675378"/>
+              <a:ext cx="1272349" cy="1258931"/>
             </a:xfrm>
-            <a:prstGeom prst="bentConnector3">
+            <a:prstGeom prst="arc">
               <a:avLst>
-                <a:gd name="adj1" fmla="val 50000"/>
+                <a:gd name="adj1" fmla="val 13310474"/>
+                <a:gd name="adj2" fmla="val 2407383"/>
               </a:avLst>
             </a:prstGeom>
             <a:ln>
               <a:solidFill>
                 <a:schemeClr val="tx1"/>
               </a:solidFill>
-              <a:tailEnd type="triangle"/>
             </a:ln>
           </p:spPr>
           <p:style>
@@ -5299,676 +4632,62 @@
               <a:schemeClr val="tx1"/>
             </a:fontRef>
           </p:style>
-        </p:cxnSp>
-        <p:sp>
-          <p:nvSpPr>
-            <p:cNvPr id="95" name="文本框 94">
-              <a:extLst>
-                <a:ext uri="{FF2B5EF4-FFF2-40B4-BE49-F238E27FC236}">
-                  <a16:creationId xmlns:a16="http://schemas.microsoft.com/office/drawing/2014/main" id="{B7DC6173-4D0B-BD90-5BE3-976670CAE4DB}"/>
-                </a:ext>
-              </a:extLst>
-            </p:cNvPr>
-            <p:cNvSpPr txBox="1"/>
-            <p:nvPr/>
-          </p:nvSpPr>
-          <p:spPr>
-            <a:xfrm>
-              <a:off x="3277121" y="2184420"/>
-              <a:ext cx="1526006" cy="260008"/>
-            </a:xfrm>
-            <a:prstGeom prst="rect">
-              <a:avLst/>
-            </a:prstGeom>
-            <a:noFill/>
-          </p:spPr>
           <p:txBody>
-            <a:bodyPr wrap="square">
-              <a:spAutoFit/>
-            </a:bodyPr>
+            <a:bodyPr rtlCol="0" anchor="ctr"/>
             <a:lstStyle/>
             <a:p>
-              <a:pPr marL="0" marR="0" lvl="0" indent="0" defTabSz="913765" rtl="0" eaLnBrk="1" fontAlgn="auto" latinLnBrk="0" hangingPunct="1">
-                <a:lnSpc>
-                  <a:spcPct val="120000"/>
-                </a:lnSpc>
-                <a:spcBef>
-                  <a:spcPts val="0"/>
-                </a:spcBef>
-                <a:spcAft>
-                  <a:spcPts val="0"/>
-                </a:spcAft>
-                <a:buClrTx/>
-                <a:buSzPct val="25000"/>
-                <a:buFontTx/>
-                <a:buNone/>
-                <a:defRPr/>
-              </a:pPr>
-              <a:r>
-                <a:rPr kumimoji="0" lang="en-US" altLang="zh-CN" sz="1000" b="0" i="0" u="none" strike="noStrike" kern="1200" cap="none" spc="0" normalizeH="0" baseline="0" noProof="0" dirty="0">
-                  <a:ln>
-                    <a:noFill/>
-                  </a:ln>
-                  <a:effectLst/>
-                  <a:uLnTx/>
-                  <a:uFillTx/>
-                  <a:latin typeface="Arial" panose="020B0604020202020204" pitchFamily="34" charset="0"/>
-                  <a:ea typeface="微软雅黑" panose="020B0503020204020204" pitchFamily="34" charset="-122"/>
-                </a:rPr>
-                <a:t>synthesizability model</a:t>
-              </a:r>
+              <a:pPr algn="ctr"/>
+              <a:endParaRPr lang="zh-CN" altLang="en-US"/>
             </a:p>
           </p:txBody>
         </p:sp>
-        <p:cxnSp>
-          <p:nvCxnSpPr>
-            <p:cNvPr id="110" name="连接符: 肘形 109">
-              <a:extLst>
-                <a:ext uri="{FF2B5EF4-FFF2-40B4-BE49-F238E27FC236}">
-                  <a16:creationId xmlns:a16="http://schemas.microsoft.com/office/drawing/2014/main" id="{8E96C014-B56C-F580-F527-660680B59E49}"/>
-                </a:ext>
-              </a:extLst>
-            </p:cNvPr>
-            <p:cNvCxnSpPr>
-              <a:cxnSpLocks/>
-              <a:stCxn id="31" idx="1"/>
-            </p:cNvCxnSpPr>
-            <p:nvPr/>
-          </p:nvCxnSpPr>
-          <p:spPr>
-            <a:xfrm rot="10800000">
-              <a:off x="3607200" y="1083576"/>
-              <a:ext cx="5001332" cy="1849053"/>
-            </a:xfrm>
-            <a:prstGeom prst="bentConnector3">
-              <a:avLst>
-                <a:gd name="adj1" fmla="val 1936"/>
-              </a:avLst>
-            </a:prstGeom>
-            <a:ln w="25400" cmpd="dbl">
-              <a:solidFill>
-                <a:schemeClr val="tx1"/>
-              </a:solidFill>
-              <a:prstDash val="sysDash"/>
-              <a:tailEnd type="triangle"/>
-            </a:ln>
-          </p:spPr>
-          <p:style>
-            <a:lnRef idx="1">
-              <a:schemeClr val="accent1"/>
-            </a:lnRef>
-            <a:fillRef idx="0">
-              <a:schemeClr val="accent1"/>
-            </a:fillRef>
-            <a:effectRef idx="0">
-              <a:schemeClr val="accent1"/>
-            </a:effectRef>
-            <a:fontRef idx="minor">
-              <a:schemeClr val="tx1"/>
-            </a:fontRef>
-          </p:style>
-        </p:cxnSp>
-        <p:cxnSp>
-          <p:nvCxnSpPr>
-            <p:cNvPr id="116" name="直接箭头连接符 115">
-              <a:extLst>
-                <a:ext uri="{FF2B5EF4-FFF2-40B4-BE49-F238E27FC236}">
-                  <a16:creationId xmlns:a16="http://schemas.microsoft.com/office/drawing/2014/main" id="{307CD150-E813-EA10-0229-9B2D9F717DC8}"/>
-                </a:ext>
-              </a:extLst>
-            </p:cNvPr>
-            <p:cNvCxnSpPr>
-              <a:cxnSpLocks/>
-            </p:cNvCxnSpPr>
-            <p:nvPr/>
-          </p:nvCxnSpPr>
-          <p:spPr>
-            <a:xfrm flipH="1">
-              <a:off x="7270172" y="1425977"/>
-              <a:ext cx="1210817" cy="13938"/>
-            </a:xfrm>
-            <a:prstGeom prst="straightConnector1">
-              <a:avLst/>
-            </a:prstGeom>
-            <a:ln w="25400" cmpd="dbl">
-              <a:prstDash val="sysDash"/>
-              <a:tailEnd type="triangle"/>
-            </a:ln>
-          </p:spPr>
-          <p:style>
-            <a:lnRef idx="1">
-              <a:schemeClr val="dk1"/>
-            </a:lnRef>
-            <a:fillRef idx="0">
-              <a:schemeClr val="dk1"/>
-            </a:fillRef>
-            <a:effectRef idx="0">
-              <a:schemeClr val="dk1"/>
-            </a:effectRef>
-            <a:fontRef idx="minor">
-              <a:schemeClr val="tx1"/>
-            </a:fontRef>
-          </p:style>
-        </p:cxnSp>
-        <p:sp>
-          <p:nvSpPr>
-            <p:cNvPr id="131" name="文本框 130">
-              <a:extLst>
-                <a:ext uri="{FF2B5EF4-FFF2-40B4-BE49-F238E27FC236}">
-                  <a16:creationId xmlns:a16="http://schemas.microsoft.com/office/drawing/2014/main" id="{E18810F9-2497-5B2B-C349-DEFE6CA0791B}"/>
-                </a:ext>
-              </a:extLst>
-            </p:cNvPr>
-            <p:cNvSpPr txBox="1"/>
-            <p:nvPr/>
-          </p:nvSpPr>
-          <p:spPr>
-            <a:xfrm>
-              <a:off x="3783460" y="1054137"/>
-              <a:ext cx="1244916" cy="400110"/>
-            </a:xfrm>
-            <a:prstGeom prst="rect">
-              <a:avLst/>
-            </a:prstGeom>
-            <a:noFill/>
-          </p:spPr>
-          <p:txBody>
-            <a:bodyPr wrap="square">
-              <a:spAutoFit/>
-            </a:bodyPr>
-            <a:lstStyle/>
-            <a:p>
-              <a:pPr algn="r"/>
-              <a:r>
-                <a:rPr lang="en-US" altLang="zh-CN" sz="1000" dirty="0"/>
-                <a:t>Reinforcement Learning</a:t>
-              </a:r>
-              <a:endParaRPr lang="zh-CN" altLang="en-US" sz="1000" dirty="0"/>
-            </a:p>
-          </p:txBody>
-        </p:sp>
-        <p:cxnSp>
-          <p:nvCxnSpPr>
-            <p:cNvPr id="132" name="连接符: 肘形 131">
-              <a:extLst>
-                <a:ext uri="{FF2B5EF4-FFF2-40B4-BE49-F238E27FC236}">
-                  <a16:creationId xmlns:a16="http://schemas.microsoft.com/office/drawing/2014/main" id="{09EE5418-9566-5C6F-351B-2C8A96639473}"/>
-                </a:ext>
-              </a:extLst>
-            </p:cNvPr>
-            <p:cNvCxnSpPr>
-              <a:cxnSpLocks/>
-            </p:cNvCxnSpPr>
-            <p:nvPr/>
-          </p:nvCxnSpPr>
-          <p:spPr>
-            <a:xfrm rot="10800000" flipV="1">
-              <a:off x="6884115" y="602514"/>
-              <a:ext cx="1855924" cy="1227665"/>
-            </a:xfrm>
-            <a:prstGeom prst="bentConnector3">
-              <a:avLst>
-                <a:gd name="adj1" fmla="val 70177"/>
-              </a:avLst>
-            </a:prstGeom>
-            <a:ln>
-              <a:solidFill>
-                <a:schemeClr val="tx1"/>
-              </a:solidFill>
-              <a:tailEnd type="triangle"/>
-            </a:ln>
-          </p:spPr>
-          <p:style>
-            <a:lnRef idx="1">
-              <a:schemeClr val="accent1"/>
-            </a:lnRef>
-            <a:fillRef idx="0">
-              <a:schemeClr val="accent1"/>
-            </a:fillRef>
-            <a:effectRef idx="0">
-              <a:schemeClr val="accent1"/>
-            </a:effectRef>
-            <a:fontRef idx="minor">
-              <a:schemeClr val="tx1"/>
-            </a:fontRef>
-          </p:style>
-        </p:cxnSp>
-        <p:sp>
-          <p:nvSpPr>
-            <p:cNvPr id="134" name="文本框 133">
-              <a:extLst>
-                <a:ext uri="{FF2B5EF4-FFF2-40B4-BE49-F238E27FC236}">
-                  <a16:creationId xmlns:a16="http://schemas.microsoft.com/office/drawing/2014/main" id="{77B04EA3-D3B9-45A7-4427-00A82F933270}"/>
-                </a:ext>
-              </a:extLst>
-            </p:cNvPr>
-            <p:cNvSpPr txBox="1"/>
-            <p:nvPr/>
-          </p:nvSpPr>
-          <p:spPr>
-            <a:xfrm>
-              <a:off x="8024763" y="183005"/>
-              <a:ext cx="1526006" cy="444674"/>
-            </a:xfrm>
-            <a:prstGeom prst="rect">
-              <a:avLst/>
-            </a:prstGeom>
-            <a:noFill/>
-          </p:spPr>
-          <p:txBody>
-            <a:bodyPr wrap="square">
-              <a:spAutoFit/>
-            </a:bodyPr>
-            <a:lstStyle/>
-            <a:p>
-              <a:pPr marL="0" marR="0" lvl="0" indent="0" defTabSz="913765" rtl="0" eaLnBrk="1" fontAlgn="auto" latinLnBrk="0" hangingPunct="1">
-                <a:lnSpc>
-                  <a:spcPct val="120000"/>
-                </a:lnSpc>
-                <a:spcBef>
-                  <a:spcPts val="0"/>
-                </a:spcBef>
-                <a:spcAft>
-                  <a:spcPts val="0"/>
-                </a:spcAft>
-                <a:buClrTx/>
-                <a:buSzPct val="25000"/>
-                <a:buFontTx/>
-                <a:buNone/>
-                <a:defRPr/>
-              </a:pPr>
-              <a:r>
-                <a:rPr kumimoji="0" lang="en-US" altLang="zh-CN" sz="1000" b="0" i="0" u="none" strike="noStrike" kern="1200" cap="none" spc="0" normalizeH="0" baseline="0" noProof="0" dirty="0">
-                  <a:ln>
-                    <a:noFill/>
-                  </a:ln>
-                  <a:effectLst/>
-                  <a:uLnTx/>
-                  <a:uFillTx/>
-                  <a:latin typeface="Arial" panose="020B0604020202020204" pitchFamily="34" charset="0"/>
-                  <a:ea typeface="微软雅黑" panose="020B0503020204020204" pitchFamily="34" charset="-122"/>
-                </a:rPr>
-                <a:t>expert opinions patent/literature data</a:t>
-              </a:r>
-            </a:p>
-          </p:txBody>
-        </p:sp>
-        <p:cxnSp>
-          <p:nvCxnSpPr>
-            <p:cNvPr id="143" name="直接箭头连接符 142">
-              <a:extLst>
-                <a:ext uri="{FF2B5EF4-FFF2-40B4-BE49-F238E27FC236}">
-                  <a16:creationId xmlns:a16="http://schemas.microsoft.com/office/drawing/2014/main" id="{7B1AE36F-270A-78C0-9207-6145B3E00F59}"/>
-                </a:ext>
-              </a:extLst>
-            </p:cNvPr>
-            <p:cNvCxnSpPr>
-              <a:cxnSpLocks/>
-            </p:cNvCxnSpPr>
-            <p:nvPr/>
-          </p:nvCxnSpPr>
-          <p:spPr>
-            <a:xfrm flipH="1">
-              <a:off x="3621183" y="1416622"/>
-              <a:ext cx="1314627" cy="6969"/>
-            </a:xfrm>
-            <a:prstGeom prst="straightConnector1">
-              <a:avLst/>
-            </a:prstGeom>
-            <a:ln w="25400" cmpd="dbl">
-              <a:prstDash val="sysDash"/>
-              <a:tailEnd type="triangle"/>
-            </a:ln>
-          </p:spPr>
-          <p:style>
-            <a:lnRef idx="1">
-              <a:schemeClr val="dk1"/>
-            </a:lnRef>
-            <a:fillRef idx="0">
-              <a:schemeClr val="dk1"/>
-            </a:fillRef>
-            <a:effectRef idx="0">
-              <a:schemeClr val="dk1"/>
-            </a:effectRef>
-            <a:fontRef idx="minor">
-              <a:schemeClr val="tx1"/>
-            </a:fontRef>
-          </p:style>
-        </p:cxnSp>
-        <p:sp>
-          <p:nvSpPr>
-            <p:cNvPr id="145" name="文本框 144">
-              <a:extLst>
-                <a:ext uri="{FF2B5EF4-FFF2-40B4-BE49-F238E27FC236}">
-                  <a16:creationId xmlns:a16="http://schemas.microsoft.com/office/drawing/2014/main" id="{BD9EA8F6-8BCF-1C5A-F790-96B0EB696705}"/>
-                </a:ext>
-              </a:extLst>
-            </p:cNvPr>
-            <p:cNvSpPr txBox="1"/>
-            <p:nvPr/>
-          </p:nvSpPr>
-          <p:spPr>
-            <a:xfrm>
-              <a:off x="7249503" y="1075524"/>
-              <a:ext cx="1331315" cy="400110"/>
-            </a:xfrm>
-            <a:prstGeom prst="rect">
-              <a:avLst/>
-            </a:prstGeom>
-            <a:noFill/>
-          </p:spPr>
-          <p:txBody>
-            <a:bodyPr wrap="square">
-              <a:spAutoFit/>
-            </a:bodyPr>
-            <a:lstStyle/>
-            <a:p>
-              <a:pPr algn="r"/>
-              <a:r>
-                <a:rPr lang="en-US" altLang="zh-CN" sz="1000" dirty="0"/>
-                <a:t>Evaluation</a:t>
-              </a:r>
-            </a:p>
-            <a:p>
-              <a:pPr algn="r"/>
-              <a:r>
-                <a:rPr lang="en-US" altLang="zh-CN" sz="1000" dirty="0"/>
-                <a:t>Feedback</a:t>
-              </a:r>
-              <a:endParaRPr lang="zh-CN" altLang="en-US" sz="1000" dirty="0"/>
-            </a:p>
-          </p:txBody>
-        </p:sp>
-        <p:cxnSp>
-          <p:nvCxnSpPr>
-            <p:cNvPr id="150" name="连接符: 肘形 149">
-              <a:extLst>
-                <a:ext uri="{FF2B5EF4-FFF2-40B4-BE49-F238E27FC236}">
-                  <a16:creationId xmlns:a16="http://schemas.microsoft.com/office/drawing/2014/main" id="{29C89A0E-ED71-10A2-F70C-5A94600CDB1A}"/>
-                </a:ext>
-              </a:extLst>
-            </p:cNvPr>
-            <p:cNvCxnSpPr>
-              <a:cxnSpLocks/>
-            </p:cNvCxnSpPr>
-            <p:nvPr/>
-          </p:nvCxnSpPr>
-          <p:spPr>
-            <a:xfrm flipV="1">
-              <a:off x="785192" y="2260006"/>
-              <a:ext cx="644076" cy="262509"/>
-            </a:xfrm>
-            <a:prstGeom prst="bentConnector3">
-              <a:avLst>
-                <a:gd name="adj1" fmla="val 50000"/>
-              </a:avLst>
-            </a:prstGeom>
-            <a:ln>
-              <a:solidFill>
-                <a:schemeClr val="tx1"/>
-              </a:solidFill>
-              <a:tailEnd type="triangle"/>
-            </a:ln>
-          </p:spPr>
-          <p:style>
-            <a:lnRef idx="1">
-              <a:schemeClr val="accent1"/>
-            </a:lnRef>
-            <a:fillRef idx="0">
-              <a:schemeClr val="accent1"/>
-            </a:fillRef>
-            <a:effectRef idx="0">
-              <a:schemeClr val="accent1"/>
-            </a:effectRef>
-            <a:fontRef idx="minor">
-              <a:schemeClr val="tx1"/>
-            </a:fontRef>
-          </p:style>
-        </p:cxnSp>
-        <p:sp>
-          <p:nvSpPr>
-            <p:cNvPr id="153" name="文本框 152">
-              <a:extLst>
-                <a:ext uri="{FF2B5EF4-FFF2-40B4-BE49-F238E27FC236}">
-                  <a16:creationId xmlns:a16="http://schemas.microsoft.com/office/drawing/2014/main" id="{D82CA9C3-FD6F-2AEA-12E2-1563B57F8A5E}"/>
-                </a:ext>
-              </a:extLst>
-            </p:cNvPr>
-            <p:cNvSpPr txBox="1"/>
-            <p:nvPr/>
-          </p:nvSpPr>
-          <p:spPr>
-            <a:xfrm>
-              <a:off x="-25823" y="2276294"/>
-              <a:ext cx="1185420" cy="246221"/>
-            </a:xfrm>
-            <a:prstGeom prst="rect">
-              <a:avLst/>
-            </a:prstGeom>
-            <a:noFill/>
-          </p:spPr>
-          <p:txBody>
-            <a:bodyPr wrap="square">
-              <a:spAutoFit/>
-            </a:bodyPr>
-            <a:lstStyle/>
-            <a:p>
-              <a:r>
-                <a:rPr lang="en-US" altLang="zh-CN" sz="1000" dirty="0"/>
-                <a:t>Transfer Learning</a:t>
-              </a:r>
-              <a:endParaRPr lang="zh-CN" altLang="en-US" sz="1000" dirty="0"/>
-            </a:p>
-          </p:txBody>
-        </p:sp>
-        <p:sp>
-          <p:nvSpPr>
-            <p:cNvPr id="156" name="文本框 155">
-              <a:extLst>
-                <a:ext uri="{FF2B5EF4-FFF2-40B4-BE49-F238E27FC236}">
-                  <a16:creationId xmlns:a16="http://schemas.microsoft.com/office/drawing/2014/main" id="{86152946-55FF-D779-060B-640F07DF06DE}"/>
-                </a:ext>
-              </a:extLst>
-            </p:cNvPr>
-            <p:cNvSpPr txBox="1"/>
-            <p:nvPr/>
-          </p:nvSpPr>
-          <p:spPr>
-            <a:xfrm>
-              <a:off x="7346848" y="722454"/>
-              <a:ext cx="1244916" cy="400110"/>
-            </a:xfrm>
-            <a:prstGeom prst="rect">
-              <a:avLst/>
-            </a:prstGeom>
-            <a:noFill/>
-          </p:spPr>
-          <p:txBody>
-            <a:bodyPr wrap="square">
-              <a:spAutoFit/>
-            </a:bodyPr>
-            <a:lstStyle/>
-            <a:p>
-              <a:pPr algn="r"/>
-              <a:r>
-                <a:rPr lang="en-US" altLang="zh-CN" sz="1000" dirty="0"/>
-                <a:t>Reinforcement Learning</a:t>
-              </a:r>
-              <a:endParaRPr lang="zh-CN" altLang="en-US" sz="1000" dirty="0"/>
-            </a:p>
-          </p:txBody>
-        </p:sp>
-        <p:sp>
-          <p:nvSpPr>
-            <p:cNvPr id="159" name="文本框 158">
-              <a:extLst>
-                <a:ext uri="{FF2B5EF4-FFF2-40B4-BE49-F238E27FC236}">
-                  <a16:creationId xmlns:a16="http://schemas.microsoft.com/office/drawing/2014/main" id="{DD91D1B9-742E-6E7C-33EB-99C80EEE0C7F}"/>
-                </a:ext>
-              </a:extLst>
-            </p:cNvPr>
-            <p:cNvSpPr txBox="1"/>
-            <p:nvPr/>
-          </p:nvSpPr>
-          <p:spPr>
-            <a:xfrm>
-              <a:off x="128649" y="1435139"/>
-              <a:ext cx="1185420" cy="553998"/>
-            </a:xfrm>
-            <a:prstGeom prst="rect">
-              <a:avLst/>
-            </a:prstGeom>
-            <a:noFill/>
-          </p:spPr>
-          <p:txBody>
-            <a:bodyPr wrap="square">
-              <a:spAutoFit/>
-            </a:bodyPr>
-            <a:lstStyle/>
-            <a:p>
-              <a:r>
-                <a:rPr lang="en-US" altLang="zh-CN" sz="1000" dirty="0"/>
-                <a:t>ChemBL</a:t>
-              </a:r>
-            </a:p>
-            <a:p>
-              <a:r>
-                <a:rPr lang="en-US" altLang="zh-CN" sz="1000" dirty="0"/>
-                <a:t>PubMed</a:t>
-              </a:r>
-            </a:p>
-            <a:p>
-              <a:r>
-                <a:rPr lang="en-US" altLang="zh-CN" sz="1000" dirty="0"/>
-                <a:t>Zinc</a:t>
-              </a:r>
-              <a:endParaRPr lang="zh-CN" altLang="en-US" sz="1000" dirty="0"/>
-            </a:p>
-          </p:txBody>
-        </p:sp>
-        <p:sp>
-          <p:nvSpPr>
-            <p:cNvPr id="161" name="文本框 160">
-              <a:extLst>
-                <a:ext uri="{FF2B5EF4-FFF2-40B4-BE49-F238E27FC236}">
-                  <a16:creationId xmlns:a16="http://schemas.microsoft.com/office/drawing/2014/main" id="{ADB599FE-1EBA-0EC6-6B9F-40736B15CA47}"/>
-                </a:ext>
-              </a:extLst>
-            </p:cNvPr>
-            <p:cNvSpPr txBox="1"/>
-            <p:nvPr/>
-          </p:nvSpPr>
-          <p:spPr>
-            <a:xfrm>
-              <a:off x="8858626" y="1630675"/>
-              <a:ext cx="2015798" cy="260008"/>
-            </a:xfrm>
-            <a:prstGeom prst="rect">
-              <a:avLst/>
-            </a:prstGeom>
-            <a:noFill/>
-          </p:spPr>
-          <p:txBody>
-            <a:bodyPr wrap="square" rtlCol="0">
-              <a:spAutoFit/>
-            </a:bodyPr>
-            <a:lstStyle/>
-            <a:p>
-              <a:pPr defTabSz="913765">
-                <a:lnSpc>
-                  <a:spcPct val="120000"/>
-                </a:lnSpc>
-                <a:buSzPct val="25000"/>
-                <a:defRPr/>
-              </a:pPr>
-              <a:r>
-                <a:rPr lang="en-US" altLang="zh-CN" sz="1000" dirty="0">
-                  <a:latin typeface="Arial" panose="020B0604020202020204" pitchFamily="34" charset="0"/>
-                  <a:ea typeface="微软雅黑" panose="020B0503020204020204" pitchFamily="34" charset="-122"/>
-                </a:rPr>
-                <a:t>“Data from Biology Lab”</a:t>
-              </a:r>
-            </a:p>
-          </p:txBody>
-        </p:sp>
-        <p:cxnSp>
-          <p:nvCxnSpPr>
-            <p:cNvPr id="199" name="直接箭头连接符 198">
-              <a:extLst>
-                <a:ext uri="{FF2B5EF4-FFF2-40B4-BE49-F238E27FC236}">
-                  <a16:creationId xmlns:a16="http://schemas.microsoft.com/office/drawing/2014/main" id="{D40CDF33-9D99-00E5-3FB4-7ACCB7383651}"/>
-                </a:ext>
-              </a:extLst>
-            </p:cNvPr>
-            <p:cNvCxnSpPr>
-              <a:cxnSpLocks/>
-            </p:cNvCxnSpPr>
-            <p:nvPr/>
-          </p:nvCxnSpPr>
-          <p:spPr>
-            <a:xfrm>
-              <a:off x="1467005" y="3129866"/>
-              <a:ext cx="0" cy="812662"/>
-            </a:xfrm>
-            <a:prstGeom prst="straightConnector1">
-              <a:avLst/>
-            </a:prstGeom>
-            <a:ln>
-              <a:prstDash val="dash"/>
-              <a:tailEnd type="triangle"/>
-            </a:ln>
-          </p:spPr>
-          <p:style>
-            <a:lnRef idx="1">
-              <a:schemeClr val="dk1"/>
-            </a:lnRef>
-            <a:fillRef idx="0">
-              <a:schemeClr val="dk1"/>
-            </a:fillRef>
-            <a:effectRef idx="0">
-              <a:schemeClr val="dk1"/>
-            </a:effectRef>
-            <a:fontRef idx="minor">
-              <a:schemeClr val="tx1"/>
-            </a:fontRef>
-          </p:style>
-        </p:cxnSp>
-        <p:sp>
-          <p:nvSpPr>
-            <p:cNvPr id="211" name="文本框 210">
-              <a:extLst>
-                <a:ext uri="{FF2B5EF4-FFF2-40B4-BE49-F238E27FC236}">
-                  <a16:creationId xmlns:a16="http://schemas.microsoft.com/office/drawing/2014/main" id="{C00024BA-8346-9BF7-F297-2B301E9941DF}"/>
-                </a:ext>
-              </a:extLst>
-            </p:cNvPr>
-            <p:cNvSpPr txBox="1"/>
-            <p:nvPr/>
-          </p:nvSpPr>
-          <p:spPr>
-            <a:xfrm>
-              <a:off x="65395" y="2689415"/>
-              <a:ext cx="1259126" cy="400110"/>
-            </a:xfrm>
-            <a:prstGeom prst="rect">
-              <a:avLst/>
-            </a:prstGeom>
-            <a:noFill/>
-          </p:spPr>
-          <p:txBody>
-            <a:bodyPr wrap="square" rtlCol="0" anchor="t">
-              <a:spAutoFit/>
-            </a:bodyPr>
-            <a:lstStyle/>
-            <a:p>
-              <a:r>
-                <a:rPr lang="en-US" altLang="zh-CN" sz="2000" b="1" i="1" u="sng" dirty="0">
-                  <a:latin typeface="Arial" panose="020B0604020202020204" pitchFamily="34" charset="0"/>
-                  <a:ea typeface="微软雅黑" panose="020B0503020204020204" pitchFamily="34" charset="-122"/>
-                </a:rPr>
-                <a:t>“Stage1”</a:t>
-              </a:r>
-              <a:endParaRPr kumimoji="0" lang="en-US" altLang="zh-CN" sz="2000" b="1" i="1" u="sng" strike="noStrike" kern="1200" cap="none" spc="0" normalizeH="0" baseline="0" noProof="0" dirty="0">
+      </p:grpSp>
+      <p:sp>
+        <p:nvSpPr>
+          <p:cNvPr id="79" name="文本框 78">
+            <a:extLst>
+              <a:ext uri="{FF2B5EF4-FFF2-40B4-BE49-F238E27FC236}">
+                <a16:creationId xmlns:a16="http://schemas.microsoft.com/office/drawing/2014/main" id="{CBEB34AD-38DD-B320-A33A-092A07AB18AF}"/>
+              </a:ext>
+            </a:extLst>
+          </p:cNvPr>
+          <p:cNvSpPr txBox="1"/>
+          <p:nvPr/>
+        </p:nvSpPr>
+        <p:spPr>
+          <a:xfrm>
+            <a:off x="6174594" y="2026120"/>
+            <a:ext cx="827628" cy="525465"/>
+          </a:xfrm>
+          <a:prstGeom prst="rect">
+            <a:avLst/>
+          </a:prstGeom>
+          <a:noFill/>
+        </p:spPr>
+        <p:txBody>
+          <a:bodyPr wrap="square" rtlCol="0">
+            <a:spAutoFit/>
+          </a:bodyPr>
+          <a:lstStyle/>
+          <a:p>
+            <a:pPr marL="0" marR="0" lvl="0" indent="0" defTabSz="913765" rtl="0" eaLnBrk="1" fontAlgn="auto" latinLnBrk="0" hangingPunct="1">
+              <a:lnSpc>
+                <a:spcPct val="150000"/>
+              </a:lnSpc>
+              <a:spcBef>
+                <a:spcPts val="0"/>
+              </a:spcBef>
+              <a:spcAft>
+                <a:spcPts val="0"/>
+              </a:spcAft>
+              <a:buClrTx/>
+              <a:buSzPct val="25000"/>
+              <a:buFontTx/>
+              <a:buNone/>
+              <a:defRPr/>
+            </a:pPr>
+            <a:r>
+              <a:rPr kumimoji="0" lang="en-US" altLang="zh-CN" sz="1000" b="0" i="0" u="none" strike="noStrike" kern="1200" cap="none" spc="0" normalizeH="0" baseline="0" noProof="0" dirty="0">
                 <a:ln>
                   <a:noFill/>
                 </a:ln>
@@ -5977,322 +4696,59 @@
                 <a:uFillTx/>
                 <a:latin typeface="Arial" panose="020B0604020202020204" pitchFamily="34" charset="0"/>
                 <a:ea typeface="微软雅黑" panose="020B0503020204020204" pitchFamily="34" charset="-122"/>
-              </a:endParaRPr>
-            </a:p>
-          </p:txBody>
-        </p:sp>
-        <p:cxnSp>
-          <p:nvCxnSpPr>
-            <p:cNvPr id="243" name="连接符: 肘形 242">
-              <a:extLst>
-                <a:ext uri="{FF2B5EF4-FFF2-40B4-BE49-F238E27FC236}">
-                  <a16:creationId xmlns:a16="http://schemas.microsoft.com/office/drawing/2014/main" id="{8CAC6D58-CF72-9721-6D96-BB73A0D97A3D}"/>
-                </a:ext>
-              </a:extLst>
-            </p:cNvPr>
-            <p:cNvCxnSpPr>
-              <a:cxnSpLocks/>
-            </p:cNvCxnSpPr>
-            <p:nvPr/>
-          </p:nvCxnSpPr>
-          <p:spPr>
-            <a:xfrm>
-              <a:off x="4278496" y="5298131"/>
-              <a:ext cx="802590" cy="127294"/>
-            </a:xfrm>
-            <a:prstGeom prst="bentConnector3">
-              <a:avLst>
-                <a:gd name="adj1" fmla="val 50000"/>
-              </a:avLst>
-            </a:prstGeom>
-            <a:ln>
-              <a:solidFill>
-                <a:schemeClr val="tx1"/>
-              </a:solidFill>
-              <a:tailEnd type="triangle"/>
-            </a:ln>
-          </p:spPr>
-          <p:style>
-            <a:lnRef idx="1">
-              <a:schemeClr val="accent1"/>
-            </a:lnRef>
-            <a:fillRef idx="0">
-              <a:schemeClr val="accent1"/>
-            </a:fillRef>
-            <a:effectRef idx="0">
-              <a:schemeClr val="accent1"/>
-            </a:effectRef>
-            <a:fontRef idx="minor">
-              <a:schemeClr val="tx1"/>
-            </a:fontRef>
-          </p:style>
-        </p:cxnSp>
-        <p:sp>
-          <p:nvSpPr>
-            <p:cNvPr id="244" name="文本框 243">
-              <a:extLst>
-                <a:ext uri="{FF2B5EF4-FFF2-40B4-BE49-F238E27FC236}">
-                  <a16:creationId xmlns:a16="http://schemas.microsoft.com/office/drawing/2014/main" id="{86BA40D5-D4CB-9603-A965-F0792EB64C31}"/>
-                </a:ext>
-              </a:extLst>
-            </p:cNvPr>
-            <p:cNvSpPr txBox="1"/>
-            <p:nvPr/>
-          </p:nvSpPr>
-          <p:spPr>
-            <a:xfrm>
-              <a:off x="3529800" y="4881582"/>
-              <a:ext cx="1526006" cy="444674"/>
-            </a:xfrm>
-            <a:prstGeom prst="rect">
-              <a:avLst/>
-            </a:prstGeom>
-            <a:noFill/>
-          </p:spPr>
-          <p:txBody>
-            <a:bodyPr wrap="square">
-              <a:spAutoFit/>
-            </a:bodyPr>
-            <a:lstStyle/>
-            <a:p>
-              <a:pPr marL="0" marR="0" lvl="0" indent="0" defTabSz="913765" rtl="0" eaLnBrk="1" fontAlgn="auto" latinLnBrk="0" hangingPunct="1">
-                <a:lnSpc>
-                  <a:spcPct val="120000"/>
-                </a:lnSpc>
-                <a:spcBef>
-                  <a:spcPts val="0"/>
-                </a:spcBef>
-                <a:spcAft>
-                  <a:spcPts val="0"/>
-                </a:spcAft>
-                <a:buClrTx/>
-                <a:buSzPct val="25000"/>
-                <a:buFontTx/>
-                <a:buNone/>
-                <a:defRPr/>
-              </a:pPr>
-              <a:r>
-                <a:rPr kumimoji="0" lang="en-US" altLang="zh-CN" sz="1000" b="0" i="0" u="none" strike="noStrike" kern="1200" cap="none" spc="0" normalizeH="0" baseline="0" noProof="0" dirty="0">
-                  <a:ln>
-                    <a:noFill/>
-                  </a:ln>
-                  <a:effectLst/>
-                  <a:uLnTx/>
-                  <a:uFillTx/>
-                  <a:latin typeface="Arial" panose="020B0604020202020204" pitchFamily="34" charset="0"/>
-                  <a:ea typeface="微软雅黑" panose="020B0503020204020204" pitchFamily="34" charset="-122"/>
-                </a:rPr>
-                <a:t>Compared with all clinical compounds</a:t>
-              </a:r>
-            </a:p>
-          </p:txBody>
-        </p:sp>
-        <p:sp>
-          <p:nvSpPr>
-            <p:cNvPr id="249" name="文本框 248">
-              <a:extLst>
-                <a:ext uri="{FF2B5EF4-FFF2-40B4-BE49-F238E27FC236}">
-                  <a16:creationId xmlns:a16="http://schemas.microsoft.com/office/drawing/2014/main" id="{38EBA817-11C5-F987-585B-375E3834C87F}"/>
-                </a:ext>
-              </a:extLst>
-            </p:cNvPr>
-            <p:cNvSpPr txBox="1"/>
-            <p:nvPr/>
-          </p:nvSpPr>
-          <p:spPr>
-            <a:xfrm>
-              <a:off x="1553890" y="1543830"/>
-              <a:ext cx="1465928" cy="998671"/>
-            </a:xfrm>
-            <a:prstGeom prst="rect">
-              <a:avLst/>
-            </a:prstGeom>
-            <a:noFill/>
-          </p:spPr>
-          <p:txBody>
-            <a:bodyPr wrap="square" rtlCol="0">
-              <a:spAutoFit/>
-            </a:bodyPr>
-            <a:lstStyle/>
-            <a:p>
-              <a:pPr defTabSz="913765">
-                <a:lnSpc>
-                  <a:spcPct val="120000"/>
-                </a:lnSpc>
-                <a:buSzPct val="25000"/>
-                <a:defRPr/>
-              </a:pPr>
-              <a:r>
-                <a:rPr lang="en-US" altLang="zh-CN" sz="1000" dirty="0">
-                  <a:latin typeface="Arial" panose="020B0604020202020204" pitchFamily="34" charset="0"/>
-                  <a:ea typeface="微软雅黑" panose="020B0503020204020204" pitchFamily="34" charset="-122"/>
-                </a:rPr>
-                <a:t>Molecule optimization</a:t>
-              </a:r>
-              <a:endParaRPr lang="en-US" altLang="zh-CN" sz="1000" i="1" dirty="0">
+              </a:rPr>
+              <a:t>AL</a:t>
+            </a:r>
+            <a:r>
+              <a:rPr kumimoji="0" lang="en-US" altLang="zh-CN" sz="1000" b="0" i="0" u="none" strike="noStrike" kern="1200" cap="none" spc="0" normalizeH="0" baseline="30000" noProof="0" dirty="0">
+                <a:ln>
+                  <a:noFill/>
+                </a:ln>
+                <a:effectLst/>
+                <a:uLnTx/>
+                <a:uFillTx/>
                 <a:latin typeface="Arial" panose="020B0604020202020204" pitchFamily="34" charset="0"/>
                 <a:ea typeface="微软雅黑" panose="020B0503020204020204" pitchFamily="34" charset="-122"/>
-              </a:endParaRPr>
-            </a:p>
-            <a:p>
-              <a:pPr defTabSz="913765">
-                <a:lnSpc>
-                  <a:spcPct val="120000"/>
-                </a:lnSpc>
-                <a:buSzPct val="25000"/>
-                <a:defRPr/>
-              </a:pPr>
-              <a:r>
-                <a:rPr lang="en-US" altLang="zh-CN" sz="1000" i="1" dirty="0">
-                  <a:latin typeface="Arial" panose="020B0604020202020204" pitchFamily="34" charset="0"/>
-                  <a:ea typeface="微软雅黑" panose="020B0503020204020204" pitchFamily="34" charset="-122"/>
-                </a:rPr>
-                <a:t>De nove </a:t>
-              </a:r>
-              <a:r>
-                <a:rPr lang="en-US" altLang="zh-CN" sz="1000" dirty="0">
-                  <a:latin typeface="Arial" panose="020B0604020202020204" pitchFamily="34" charset="0"/>
-                  <a:ea typeface="微软雅黑" panose="020B0503020204020204" pitchFamily="34" charset="-122"/>
-                </a:rPr>
-                <a:t>design</a:t>
-              </a:r>
-            </a:p>
-            <a:p>
-              <a:pPr marL="0" marR="0" lvl="0" indent="0" defTabSz="913765" rtl="0" eaLnBrk="1" fontAlgn="auto" latinLnBrk="0" hangingPunct="1">
-                <a:lnSpc>
-                  <a:spcPct val="120000"/>
-                </a:lnSpc>
-                <a:spcBef>
-                  <a:spcPts val="0"/>
-                </a:spcBef>
-                <a:spcAft>
-                  <a:spcPts val="0"/>
-                </a:spcAft>
-                <a:buClrTx/>
-                <a:buSzPct val="25000"/>
-                <a:buFontTx/>
-                <a:buNone/>
-                <a:defRPr/>
-              </a:pPr>
-              <a:r>
-                <a:rPr kumimoji="0" lang="en-US" altLang="zh-CN" sz="1000" b="0" i="0" u="none" strike="noStrike" kern="1200" cap="none" spc="0" normalizeH="0" baseline="0" noProof="0" dirty="0">
-                  <a:ln>
-                    <a:noFill/>
-                  </a:ln>
-                  <a:effectLst/>
-                  <a:uLnTx/>
-                  <a:uFillTx/>
-                  <a:latin typeface="Arial" panose="020B0604020202020204" pitchFamily="34" charset="0"/>
-                  <a:ea typeface="微软雅黑" panose="020B0503020204020204" pitchFamily="34" charset="-122"/>
-                </a:rPr>
-                <a:t>Scaffold design</a:t>
-              </a:r>
-            </a:p>
-            <a:p>
-              <a:pPr marL="0" marR="0" lvl="0" indent="0" defTabSz="913765" rtl="0" eaLnBrk="1" fontAlgn="auto" latinLnBrk="0" hangingPunct="1">
-                <a:lnSpc>
-                  <a:spcPct val="120000"/>
-                </a:lnSpc>
-                <a:spcBef>
-                  <a:spcPts val="0"/>
-                </a:spcBef>
-                <a:spcAft>
-                  <a:spcPts val="0"/>
-                </a:spcAft>
-                <a:buClrTx/>
-                <a:buSzPct val="25000"/>
-                <a:buFontTx/>
-                <a:buNone/>
-                <a:defRPr/>
-              </a:pPr>
-              <a:r>
-                <a:rPr lang="en-US" altLang="zh-CN" sz="1000" dirty="0">
-                  <a:latin typeface="Arial" panose="020B0604020202020204" pitchFamily="34" charset="0"/>
-                  <a:ea typeface="微软雅黑" panose="020B0503020204020204" pitchFamily="34" charset="-122"/>
-                </a:rPr>
-                <a:t>Linker design</a:t>
-              </a:r>
-            </a:p>
-            <a:p>
-              <a:pPr marL="0" marR="0" lvl="0" indent="0" defTabSz="913765" rtl="0" eaLnBrk="1" fontAlgn="auto" latinLnBrk="0" hangingPunct="1">
-                <a:lnSpc>
-                  <a:spcPct val="120000"/>
-                </a:lnSpc>
-                <a:spcBef>
-                  <a:spcPts val="0"/>
-                </a:spcBef>
-                <a:spcAft>
-                  <a:spcPts val="0"/>
-                </a:spcAft>
-                <a:buClrTx/>
-                <a:buSzPct val="25000"/>
-                <a:buFontTx/>
-                <a:buNone/>
-                <a:defRPr/>
-              </a:pPr>
-              <a:r>
-                <a:rPr lang="en-US" altLang="zh-CN" sz="1000" dirty="0">
-                  <a:latin typeface="Arial" panose="020B0604020202020204" pitchFamily="34" charset="0"/>
-                  <a:ea typeface="微软雅黑" panose="020B0503020204020204" pitchFamily="34" charset="-122"/>
-                </a:rPr>
-                <a:t>…</a:t>
-              </a:r>
-            </a:p>
-          </p:txBody>
-        </p:sp>
-        <p:cxnSp>
-          <p:nvCxnSpPr>
-            <p:cNvPr id="260" name="连接符: 肘形 259">
-              <a:extLst>
-                <a:ext uri="{FF2B5EF4-FFF2-40B4-BE49-F238E27FC236}">
-                  <a16:creationId xmlns:a16="http://schemas.microsoft.com/office/drawing/2014/main" id="{BC3844CC-160D-2128-C123-8CE59E1D34A5}"/>
-                </a:ext>
-              </a:extLst>
-            </p:cNvPr>
-            <p:cNvCxnSpPr>
-              <a:cxnSpLocks/>
-            </p:cNvCxnSpPr>
-            <p:nvPr/>
-          </p:nvCxnSpPr>
-          <p:spPr>
-            <a:xfrm>
-              <a:off x="530479" y="1865003"/>
-              <a:ext cx="882360" cy="184400"/>
-            </a:xfrm>
-            <a:prstGeom prst="bentConnector3">
-              <a:avLst>
-                <a:gd name="adj1" fmla="val 50000"/>
-              </a:avLst>
-            </a:prstGeom>
-            <a:ln>
-              <a:solidFill>
-                <a:schemeClr val="tx1"/>
-              </a:solidFill>
-              <a:tailEnd type="triangle"/>
-            </a:ln>
-          </p:spPr>
-          <p:style>
-            <a:lnRef idx="1">
-              <a:schemeClr val="accent1"/>
-            </a:lnRef>
-            <a:fillRef idx="0">
-              <a:schemeClr val="accent1"/>
-            </a:fillRef>
-            <a:effectRef idx="0">
-              <a:schemeClr val="accent1"/>
-            </a:effectRef>
-            <a:fontRef idx="minor">
-              <a:schemeClr val="tx1"/>
-            </a:fontRef>
-          </p:style>
-        </p:cxnSp>
-      </p:grpSp>
-      <p:sp>
-        <p:nvSpPr>
-          <p:cNvPr id="165" name="文本框 164">
-            <a:extLst>
-              <a:ext uri="{FF2B5EF4-FFF2-40B4-BE49-F238E27FC236}">
-                <a16:creationId xmlns:a16="http://schemas.microsoft.com/office/drawing/2014/main" id="{D88469AF-CBCF-A07D-2B53-A2AF02A97F5D}"/>
+              </a:rPr>
+              <a:t>1</a:t>
+            </a:r>
+          </a:p>
+          <a:p>
+            <a:pPr marL="0" marR="0" lvl="0" indent="0" defTabSz="913765" rtl="0" eaLnBrk="1" fontAlgn="auto" latinLnBrk="0" hangingPunct="1">
+              <a:lnSpc>
+                <a:spcPct val="150000"/>
+              </a:lnSpc>
+              <a:spcBef>
+                <a:spcPts val="0"/>
+              </a:spcBef>
+              <a:spcAft>
+                <a:spcPts val="0"/>
+              </a:spcAft>
+              <a:buClrTx/>
+              <a:buSzPct val="25000"/>
+              <a:buFontTx/>
+              <a:buNone/>
+              <a:defRPr/>
+            </a:pPr>
+            <a:endParaRPr kumimoji="0" lang="en-US" altLang="zh-CN" sz="1000" b="0" i="0" u="none" strike="noStrike" kern="1200" cap="none" spc="0" normalizeH="0" baseline="0" noProof="0" dirty="0">
+              <a:ln>
+                <a:noFill/>
+              </a:ln>
+              <a:effectLst/>
+              <a:uLnTx/>
+              <a:uFillTx/>
+              <a:latin typeface="Arial" panose="020B0604020202020204" pitchFamily="34" charset="0"/>
+              <a:ea typeface="微软雅黑" panose="020B0503020204020204" pitchFamily="34" charset="-122"/>
+            </a:endParaRPr>
+          </a:p>
+        </p:txBody>
+      </p:sp>
+      <p:sp>
+        <p:nvSpPr>
+          <p:cNvPr id="82" name="文本框 81">
+            <a:extLst>
+              <a:ext uri="{FF2B5EF4-FFF2-40B4-BE49-F238E27FC236}">
+                <a16:creationId xmlns:a16="http://schemas.microsoft.com/office/drawing/2014/main" id="{29C53A5A-A862-1352-7131-4A8E2B6E4657}"/>
               </a:ext>
             </a:extLst>
           </p:cNvPr>
@@ -6301,7 +4757,1551 @@
         </p:nvSpPr>
         <p:spPr>
           <a:xfrm>
-            <a:off x="1464248" y="3822939"/>
+            <a:off x="3001096" y="2008052"/>
+            <a:ext cx="985242" cy="998671"/>
+          </a:xfrm>
+          <a:prstGeom prst="rect">
+            <a:avLst/>
+          </a:prstGeom>
+          <a:noFill/>
+        </p:spPr>
+        <p:txBody>
+          <a:bodyPr wrap="square" rtlCol="0">
+            <a:spAutoFit/>
+          </a:bodyPr>
+          <a:lstStyle/>
+          <a:p>
+            <a:pPr defTabSz="913765">
+              <a:lnSpc>
+                <a:spcPct val="120000"/>
+              </a:lnSpc>
+              <a:buSzPct val="25000"/>
+              <a:defRPr/>
+            </a:pPr>
+            <a:r>
+              <a:rPr lang="en-US" altLang="zh-CN" sz="1000" dirty="0">
+                <a:latin typeface="Arial" panose="020B0604020202020204" pitchFamily="34" charset="0"/>
+                <a:ea typeface="微软雅黑" panose="020B0503020204020204" pitchFamily="34" charset="-122"/>
+              </a:rPr>
+              <a:t>RNN*</a:t>
+            </a:r>
+          </a:p>
+          <a:p>
+            <a:pPr marL="0" marR="0" lvl="0" indent="0" defTabSz="913765" rtl="0" eaLnBrk="1" fontAlgn="auto" latinLnBrk="0" hangingPunct="1">
+              <a:lnSpc>
+                <a:spcPct val="120000"/>
+              </a:lnSpc>
+              <a:spcBef>
+                <a:spcPts val="0"/>
+              </a:spcBef>
+              <a:spcAft>
+                <a:spcPts val="0"/>
+              </a:spcAft>
+              <a:buClrTx/>
+              <a:buSzPct val="25000"/>
+              <a:buFontTx/>
+              <a:buNone/>
+              <a:defRPr/>
+            </a:pPr>
+            <a:r>
+              <a:rPr kumimoji="0" lang="en-US" altLang="zh-CN" sz="1000" b="0" i="0" u="none" strike="noStrike" kern="1200" cap="none" spc="0" normalizeH="0" baseline="0" noProof="0" dirty="0">
+                <a:ln>
+                  <a:noFill/>
+                </a:ln>
+                <a:effectLst/>
+                <a:uLnTx/>
+                <a:uFillTx/>
+                <a:latin typeface="Arial" panose="020B0604020202020204" pitchFamily="34" charset="0"/>
+                <a:ea typeface="微软雅黑" panose="020B0503020204020204" pitchFamily="34" charset="-122"/>
+              </a:rPr>
+              <a:t>VAE </a:t>
+            </a:r>
+          </a:p>
+          <a:p>
+            <a:pPr marL="0" marR="0" lvl="0" indent="0" defTabSz="913765" rtl="0" eaLnBrk="1" fontAlgn="auto" latinLnBrk="0" hangingPunct="1">
+              <a:lnSpc>
+                <a:spcPct val="120000"/>
+              </a:lnSpc>
+              <a:spcBef>
+                <a:spcPts val="0"/>
+              </a:spcBef>
+              <a:spcAft>
+                <a:spcPts val="0"/>
+              </a:spcAft>
+              <a:buClrTx/>
+              <a:buSzPct val="25000"/>
+              <a:buFontTx/>
+              <a:buNone/>
+              <a:defRPr/>
+            </a:pPr>
+            <a:r>
+              <a:rPr kumimoji="0" lang="en-US" altLang="zh-CN" sz="1000" b="0" i="0" u="none" strike="noStrike" kern="1200" cap="none" spc="0" normalizeH="0" baseline="0" noProof="0" dirty="0">
+                <a:ln>
+                  <a:noFill/>
+                </a:ln>
+                <a:effectLst/>
+                <a:uLnTx/>
+                <a:uFillTx/>
+                <a:latin typeface="Arial" panose="020B0604020202020204" pitchFamily="34" charset="0"/>
+                <a:ea typeface="微软雅黑" panose="020B0503020204020204" pitchFamily="34" charset="-122"/>
+              </a:rPr>
+              <a:t>GAN</a:t>
+            </a:r>
+          </a:p>
+          <a:p>
+            <a:pPr marL="0" marR="0" lvl="0" indent="0" defTabSz="913765" rtl="0" eaLnBrk="1" fontAlgn="auto" latinLnBrk="0" hangingPunct="1">
+              <a:lnSpc>
+                <a:spcPct val="120000"/>
+              </a:lnSpc>
+              <a:spcBef>
+                <a:spcPts val="0"/>
+              </a:spcBef>
+              <a:spcAft>
+                <a:spcPts val="0"/>
+              </a:spcAft>
+              <a:buClrTx/>
+              <a:buSzPct val="25000"/>
+              <a:buFontTx/>
+              <a:buNone/>
+              <a:defRPr/>
+            </a:pPr>
+            <a:r>
+              <a:rPr kumimoji="0" lang="en-US" altLang="zh-CN" sz="1000" b="0" i="0" u="none" strike="noStrike" kern="1200" cap="none" spc="0" normalizeH="0" baseline="0" noProof="0" dirty="0">
+                <a:ln>
+                  <a:noFill/>
+                </a:ln>
+                <a:effectLst/>
+                <a:uLnTx/>
+                <a:uFillTx/>
+                <a:latin typeface="Arial" panose="020B0604020202020204" pitchFamily="34" charset="0"/>
+                <a:ea typeface="微软雅黑" panose="020B0503020204020204" pitchFamily="34" charset="-122"/>
+              </a:rPr>
+              <a:t>Transformers</a:t>
+            </a:r>
+          </a:p>
+          <a:p>
+            <a:pPr marL="0" marR="0" lvl="0" indent="0" defTabSz="913765" rtl="0" eaLnBrk="1" fontAlgn="auto" latinLnBrk="0" hangingPunct="1">
+              <a:lnSpc>
+                <a:spcPct val="120000"/>
+              </a:lnSpc>
+              <a:spcBef>
+                <a:spcPts val="0"/>
+              </a:spcBef>
+              <a:spcAft>
+                <a:spcPts val="0"/>
+              </a:spcAft>
+              <a:buClrTx/>
+              <a:buSzPct val="25000"/>
+              <a:buFontTx/>
+              <a:buNone/>
+              <a:defRPr/>
+            </a:pPr>
+            <a:r>
+              <a:rPr lang="en-US" altLang="zh-CN" sz="1000" dirty="0">
+                <a:latin typeface="Arial" panose="020B0604020202020204" pitchFamily="34" charset="0"/>
+                <a:ea typeface="微软雅黑" panose="020B0503020204020204" pitchFamily="34" charset="-122"/>
+              </a:rPr>
+              <a:t>…</a:t>
+            </a:r>
+          </a:p>
+        </p:txBody>
+      </p:sp>
+      <p:sp>
+        <p:nvSpPr>
+          <p:cNvPr id="83" name="文本框 82">
+            <a:extLst>
+              <a:ext uri="{FF2B5EF4-FFF2-40B4-BE49-F238E27FC236}">
+                <a16:creationId xmlns:a16="http://schemas.microsoft.com/office/drawing/2014/main" id="{D0EAA957-CA73-CFDD-7021-F0E16221B132}"/>
+              </a:ext>
+            </a:extLst>
+          </p:cNvPr>
+          <p:cNvSpPr txBox="1"/>
+          <p:nvPr/>
+        </p:nvSpPr>
+        <p:spPr>
+          <a:xfrm>
+            <a:off x="6576182" y="1721949"/>
+            <a:ext cx="1479076" cy="998671"/>
+          </a:xfrm>
+          <a:prstGeom prst="rect">
+            <a:avLst/>
+          </a:prstGeom>
+          <a:noFill/>
+        </p:spPr>
+        <p:txBody>
+          <a:bodyPr wrap="square" rtlCol="0">
+            <a:spAutoFit/>
+          </a:bodyPr>
+          <a:lstStyle/>
+          <a:p>
+            <a:pPr marL="0" marR="0" lvl="0" indent="0" defTabSz="913765" rtl="0" eaLnBrk="1" fontAlgn="auto" latinLnBrk="0" hangingPunct="1">
+              <a:lnSpc>
+                <a:spcPct val="120000"/>
+              </a:lnSpc>
+              <a:spcBef>
+                <a:spcPts val="0"/>
+              </a:spcBef>
+              <a:spcAft>
+                <a:spcPts val="0"/>
+              </a:spcAft>
+              <a:buClrTx/>
+              <a:buSzPct val="25000"/>
+              <a:buFontTx/>
+              <a:buNone/>
+              <a:defRPr/>
+            </a:pPr>
+            <a:r>
+              <a:rPr kumimoji="0" lang="en-US" altLang="zh-CN" sz="1000" b="0" i="0" u="none" strike="noStrike" kern="1200" cap="none" spc="0" normalizeH="0" baseline="0" noProof="0" dirty="0">
+                <a:ln>
+                  <a:noFill/>
+                </a:ln>
+                <a:effectLst/>
+                <a:uLnTx/>
+                <a:uFillTx/>
+                <a:latin typeface="Arial" panose="020B0604020202020204" pitchFamily="34" charset="0"/>
+                <a:ea typeface="微软雅黑" panose="020B0503020204020204" pitchFamily="34" charset="-122"/>
+              </a:rPr>
+              <a:t>ML*</a:t>
+            </a:r>
+            <a:r>
+              <a:rPr lang="en-US" altLang="zh-CN" sz="1000" dirty="0">
+                <a:latin typeface="Arial" panose="020B0604020202020204" pitchFamily="34" charset="0"/>
+                <a:ea typeface="微软雅黑" panose="020B0503020204020204" pitchFamily="34" charset="-122"/>
+              </a:rPr>
+              <a:t>:</a:t>
+            </a:r>
+            <a:endParaRPr kumimoji="0" lang="en-US" altLang="zh-CN" sz="1000" b="0" i="0" u="none" strike="noStrike" kern="1200" cap="none" spc="0" normalizeH="0" baseline="0" noProof="0" dirty="0">
+              <a:ln>
+                <a:noFill/>
+              </a:ln>
+              <a:effectLst/>
+              <a:uLnTx/>
+              <a:uFillTx/>
+              <a:latin typeface="Arial" panose="020B0604020202020204" pitchFamily="34" charset="0"/>
+              <a:ea typeface="微软雅黑" panose="020B0503020204020204" pitchFamily="34" charset="-122"/>
+            </a:endParaRPr>
+          </a:p>
+          <a:p>
+            <a:pPr marL="0" marR="0" lvl="0" indent="0" defTabSz="913765" rtl="0" eaLnBrk="1" fontAlgn="auto" latinLnBrk="0" hangingPunct="1">
+              <a:lnSpc>
+                <a:spcPct val="120000"/>
+              </a:lnSpc>
+              <a:spcBef>
+                <a:spcPts val="0"/>
+              </a:spcBef>
+              <a:spcAft>
+                <a:spcPts val="0"/>
+              </a:spcAft>
+              <a:buClrTx/>
+              <a:buSzPct val="25000"/>
+              <a:buFontTx/>
+              <a:buNone/>
+              <a:defRPr/>
+            </a:pPr>
+            <a:r>
+              <a:rPr kumimoji="0" lang="en-US" altLang="zh-CN" sz="1000" b="0" i="0" u="none" strike="noStrike" kern="1200" cap="none" spc="0" normalizeH="0" baseline="0" noProof="0" dirty="0">
+                <a:ln>
+                  <a:noFill/>
+                </a:ln>
+                <a:effectLst/>
+                <a:uLnTx/>
+                <a:uFillTx/>
+                <a:latin typeface="Arial" panose="020B0604020202020204" pitchFamily="34" charset="0"/>
+                <a:ea typeface="微软雅黑" panose="020B0503020204020204" pitchFamily="34" charset="-122"/>
+              </a:rPr>
+              <a:t>Hyperpramter-Optuna</a:t>
+            </a:r>
+          </a:p>
+          <a:p>
+            <a:pPr marL="0" marR="0" lvl="0" indent="0" defTabSz="913765" rtl="0" eaLnBrk="1" fontAlgn="auto" latinLnBrk="0" hangingPunct="1">
+              <a:lnSpc>
+                <a:spcPct val="120000"/>
+              </a:lnSpc>
+              <a:spcBef>
+                <a:spcPts val="0"/>
+              </a:spcBef>
+              <a:spcAft>
+                <a:spcPts val="0"/>
+              </a:spcAft>
+              <a:buClrTx/>
+              <a:buSzPct val="25000"/>
+              <a:buFontTx/>
+              <a:buNone/>
+              <a:defRPr/>
+            </a:pPr>
+            <a:r>
+              <a:rPr kumimoji="0" lang="en-US" altLang="zh-CN" sz="1000" b="0" i="0" u="none" strike="noStrike" kern="1200" cap="none" spc="0" normalizeH="0" baseline="0" noProof="0" dirty="0">
+                <a:ln>
+                  <a:noFill/>
+                </a:ln>
+                <a:effectLst/>
+                <a:uLnTx/>
+                <a:uFillTx/>
+                <a:latin typeface="Arial" panose="020B0604020202020204" pitchFamily="34" charset="0"/>
+                <a:ea typeface="微软雅黑" panose="020B0503020204020204" pitchFamily="34" charset="-122"/>
+              </a:rPr>
+              <a:t>GNN-Chemprop</a:t>
+            </a:r>
+          </a:p>
+          <a:p>
+            <a:pPr marL="0" marR="0" lvl="0" indent="0" defTabSz="913765" rtl="0" eaLnBrk="1" fontAlgn="auto" latinLnBrk="0" hangingPunct="1">
+              <a:lnSpc>
+                <a:spcPct val="120000"/>
+              </a:lnSpc>
+              <a:spcBef>
+                <a:spcPts val="0"/>
+              </a:spcBef>
+              <a:spcAft>
+                <a:spcPts val="0"/>
+              </a:spcAft>
+              <a:buClrTx/>
+              <a:buSzPct val="25000"/>
+              <a:buFontTx/>
+              <a:buNone/>
+              <a:defRPr/>
+            </a:pPr>
+            <a:r>
+              <a:rPr lang="en-US" altLang="zh-CN" sz="1000" dirty="0">
+                <a:latin typeface="Arial" panose="020B0604020202020204" pitchFamily="34" charset="0"/>
+                <a:ea typeface="微软雅黑" panose="020B0503020204020204" pitchFamily="34" charset="-122"/>
+              </a:rPr>
+              <a:t>Diffusion-Boltz2</a:t>
+            </a:r>
+          </a:p>
+          <a:p>
+            <a:pPr marL="0" marR="0" lvl="0" indent="0" defTabSz="913765" rtl="0" eaLnBrk="1" fontAlgn="auto" latinLnBrk="0" hangingPunct="1">
+              <a:lnSpc>
+                <a:spcPct val="120000"/>
+              </a:lnSpc>
+              <a:spcBef>
+                <a:spcPts val="0"/>
+              </a:spcBef>
+              <a:spcAft>
+                <a:spcPts val="0"/>
+              </a:spcAft>
+              <a:buClrTx/>
+              <a:buSzPct val="25000"/>
+              <a:buFontTx/>
+              <a:buNone/>
+              <a:defRPr/>
+            </a:pPr>
+            <a:r>
+              <a:rPr kumimoji="0" lang="en-US" altLang="zh-CN" sz="1000" b="0" i="0" u="none" strike="noStrike" kern="1200" cap="none" spc="0" normalizeH="0" baseline="0" noProof="0" dirty="0">
+                <a:ln>
+                  <a:noFill/>
+                </a:ln>
+                <a:effectLst/>
+                <a:uLnTx/>
+                <a:uFillTx/>
+                <a:latin typeface="Arial" panose="020B0604020202020204" pitchFamily="34" charset="0"/>
+                <a:ea typeface="微软雅黑" panose="020B0503020204020204" pitchFamily="34" charset="-122"/>
+              </a:rPr>
+              <a:t>…</a:t>
+            </a:r>
+          </a:p>
+        </p:txBody>
+      </p:sp>
+      <p:sp>
+        <p:nvSpPr>
+          <p:cNvPr id="85" name="文本框 84">
+            <a:extLst>
+              <a:ext uri="{FF2B5EF4-FFF2-40B4-BE49-F238E27FC236}">
+                <a16:creationId xmlns:a16="http://schemas.microsoft.com/office/drawing/2014/main" id="{F8695DAB-D813-067F-84D0-B96E1686DEA2}"/>
+              </a:ext>
+            </a:extLst>
+          </p:cNvPr>
+          <p:cNvSpPr txBox="1"/>
+          <p:nvPr/>
+        </p:nvSpPr>
+        <p:spPr>
+          <a:xfrm>
+            <a:off x="3735902" y="1477621"/>
+            <a:ext cx="1526006" cy="444674"/>
+          </a:xfrm>
+          <a:prstGeom prst="rect">
+            <a:avLst/>
+          </a:prstGeom>
+          <a:noFill/>
+        </p:spPr>
+        <p:txBody>
+          <a:bodyPr wrap="square">
+            <a:spAutoFit/>
+          </a:bodyPr>
+          <a:lstStyle/>
+          <a:p>
+            <a:pPr marL="0" marR="0" lvl="0" indent="0" defTabSz="913765" rtl="0" eaLnBrk="1" fontAlgn="auto" latinLnBrk="0" hangingPunct="1">
+              <a:lnSpc>
+                <a:spcPct val="120000"/>
+              </a:lnSpc>
+              <a:spcBef>
+                <a:spcPts val="0"/>
+              </a:spcBef>
+              <a:spcAft>
+                <a:spcPts val="0"/>
+              </a:spcAft>
+              <a:buClrTx/>
+              <a:buSzPct val="25000"/>
+              <a:buFontTx/>
+              <a:buNone/>
+              <a:defRPr/>
+            </a:pPr>
+            <a:r>
+              <a:rPr kumimoji="0" lang="en-US" altLang="zh-CN" sz="1000" b="0" i="0" u="none" strike="noStrike" kern="1200" cap="none" spc="0" normalizeH="0" baseline="0" noProof="0" dirty="0">
+                <a:ln>
+                  <a:noFill/>
+                </a:ln>
+                <a:effectLst/>
+                <a:uLnTx/>
+                <a:uFillTx/>
+                <a:latin typeface="Arial" panose="020B0604020202020204" pitchFamily="34" charset="0"/>
+                <a:ea typeface="微软雅黑" panose="020B0503020204020204" pitchFamily="34" charset="-122"/>
+              </a:rPr>
+              <a:t>RCSB PDB*</a:t>
+            </a:r>
+          </a:p>
+          <a:p>
+            <a:pPr marL="0" marR="0" lvl="0" indent="0" defTabSz="913765" rtl="0" eaLnBrk="1" fontAlgn="auto" latinLnBrk="0" hangingPunct="1">
+              <a:lnSpc>
+                <a:spcPct val="120000"/>
+              </a:lnSpc>
+              <a:spcBef>
+                <a:spcPts val="0"/>
+              </a:spcBef>
+              <a:spcAft>
+                <a:spcPts val="0"/>
+              </a:spcAft>
+              <a:buClrTx/>
+              <a:buSzPct val="25000"/>
+              <a:buFontTx/>
+              <a:buNone/>
+              <a:defRPr/>
+            </a:pPr>
+            <a:r>
+              <a:rPr kumimoji="0" lang="en-US" altLang="zh-CN" sz="1000" b="0" i="0" u="none" strike="noStrike" kern="1200" cap="none" spc="0" normalizeH="0" baseline="0" noProof="0" dirty="0">
+                <a:ln>
+                  <a:noFill/>
+                </a:ln>
+                <a:effectLst/>
+                <a:uLnTx/>
+                <a:uFillTx/>
+                <a:latin typeface="Arial" panose="020B0604020202020204" pitchFamily="34" charset="0"/>
+                <a:ea typeface="微软雅黑" panose="020B0503020204020204" pitchFamily="34" charset="-122"/>
+              </a:rPr>
+              <a:t>IFD, C-dock, </a:t>
+            </a:r>
+            <a:r>
+              <a:rPr lang="en-US" altLang="zh-CN" sz="1000" dirty="0">
+                <a:latin typeface="Arial" panose="020B0604020202020204" pitchFamily="34" charset="0"/>
+                <a:ea typeface="微软雅黑" panose="020B0503020204020204" pitchFamily="34" charset="-122"/>
+              </a:rPr>
+              <a:t>Rosetta</a:t>
+            </a:r>
+            <a:endParaRPr kumimoji="0" lang="en-US" altLang="zh-CN" sz="1000" b="0" i="0" u="none" strike="noStrike" kern="1200" cap="none" spc="0" normalizeH="0" baseline="0" noProof="0" dirty="0">
+              <a:ln>
+                <a:noFill/>
+              </a:ln>
+              <a:effectLst/>
+              <a:uLnTx/>
+              <a:uFillTx/>
+              <a:latin typeface="Arial" panose="020B0604020202020204" pitchFamily="34" charset="0"/>
+              <a:ea typeface="微软雅黑" panose="020B0503020204020204" pitchFamily="34" charset="-122"/>
+            </a:endParaRPr>
+          </a:p>
+        </p:txBody>
+      </p:sp>
+      <p:cxnSp>
+        <p:nvCxnSpPr>
+          <p:cNvPr id="87" name="连接符: 肘形 86">
+            <a:extLst>
+              <a:ext uri="{FF2B5EF4-FFF2-40B4-BE49-F238E27FC236}">
+                <a16:creationId xmlns:a16="http://schemas.microsoft.com/office/drawing/2014/main" id="{D4FEBB04-E315-31D5-1FE6-C914ACFD1762}"/>
+              </a:ext>
+            </a:extLst>
+          </p:cNvPr>
+          <p:cNvCxnSpPr>
+            <a:cxnSpLocks/>
+          </p:cNvCxnSpPr>
+          <p:nvPr/>
+        </p:nvCxnSpPr>
+        <p:spPr>
+          <a:xfrm>
+            <a:off x="4227071" y="1892770"/>
+            <a:ext cx="1042273" cy="225210"/>
+          </a:xfrm>
+          <a:prstGeom prst="bentConnector3">
+            <a:avLst>
+              <a:gd name="adj1" fmla="val 50000"/>
+            </a:avLst>
+          </a:prstGeom>
+          <a:ln>
+            <a:solidFill>
+              <a:schemeClr val="tx1"/>
+            </a:solidFill>
+            <a:tailEnd type="triangle"/>
+          </a:ln>
+        </p:spPr>
+        <p:style>
+          <a:lnRef idx="1">
+            <a:schemeClr val="accent1"/>
+          </a:lnRef>
+          <a:fillRef idx="0">
+            <a:schemeClr val="accent1"/>
+          </a:fillRef>
+          <a:effectRef idx="0">
+            <a:schemeClr val="accent1"/>
+          </a:effectRef>
+          <a:fontRef idx="minor">
+            <a:schemeClr val="tx1"/>
+          </a:fontRef>
+        </p:style>
+      </p:cxnSp>
+      <p:cxnSp>
+        <p:nvCxnSpPr>
+          <p:cNvPr id="91" name="连接符: 肘形 90">
+            <a:extLst>
+              <a:ext uri="{FF2B5EF4-FFF2-40B4-BE49-F238E27FC236}">
+                <a16:creationId xmlns:a16="http://schemas.microsoft.com/office/drawing/2014/main" id="{5B4C6A98-8C3B-A8CC-0DFD-F6361E295A8F}"/>
+              </a:ext>
+            </a:extLst>
+          </p:cNvPr>
+          <p:cNvCxnSpPr>
+            <a:cxnSpLocks/>
+          </p:cNvCxnSpPr>
+          <p:nvPr/>
+        </p:nvCxnSpPr>
+        <p:spPr>
+          <a:xfrm>
+            <a:off x="4263536" y="2482134"/>
+            <a:ext cx="1012842" cy="156174"/>
+          </a:xfrm>
+          <a:prstGeom prst="bentConnector3">
+            <a:avLst>
+              <a:gd name="adj1" fmla="val 50000"/>
+            </a:avLst>
+          </a:prstGeom>
+          <a:ln>
+            <a:solidFill>
+              <a:schemeClr val="tx1"/>
+            </a:solidFill>
+            <a:tailEnd type="triangle"/>
+          </a:ln>
+        </p:spPr>
+        <p:style>
+          <a:lnRef idx="1">
+            <a:schemeClr val="accent1"/>
+          </a:lnRef>
+          <a:fillRef idx="0">
+            <a:schemeClr val="accent1"/>
+          </a:fillRef>
+          <a:effectRef idx="0">
+            <a:schemeClr val="accent1"/>
+          </a:effectRef>
+          <a:fontRef idx="minor">
+            <a:schemeClr val="tx1"/>
+          </a:fontRef>
+        </p:style>
+      </p:cxnSp>
+      <p:sp>
+        <p:nvSpPr>
+          <p:cNvPr id="95" name="文本框 94">
+            <a:extLst>
+              <a:ext uri="{FF2B5EF4-FFF2-40B4-BE49-F238E27FC236}">
+                <a16:creationId xmlns:a16="http://schemas.microsoft.com/office/drawing/2014/main" id="{B7DC6173-4D0B-BD90-5BE3-976670CAE4DB}"/>
+              </a:ext>
+            </a:extLst>
+          </p:cNvPr>
+          <p:cNvSpPr txBox="1"/>
+          <p:nvPr/>
+        </p:nvSpPr>
+        <p:spPr>
+          <a:xfrm>
+            <a:off x="3426206" y="2222126"/>
+            <a:ext cx="1526006" cy="260008"/>
+          </a:xfrm>
+          <a:prstGeom prst="rect">
+            <a:avLst/>
+          </a:prstGeom>
+          <a:noFill/>
+        </p:spPr>
+        <p:txBody>
+          <a:bodyPr wrap="square">
+            <a:spAutoFit/>
+          </a:bodyPr>
+          <a:lstStyle/>
+          <a:p>
+            <a:pPr marL="0" marR="0" lvl="0" indent="0" defTabSz="913765" rtl="0" eaLnBrk="1" fontAlgn="auto" latinLnBrk="0" hangingPunct="1">
+              <a:lnSpc>
+                <a:spcPct val="120000"/>
+              </a:lnSpc>
+              <a:spcBef>
+                <a:spcPts val="0"/>
+              </a:spcBef>
+              <a:spcAft>
+                <a:spcPts val="0"/>
+              </a:spcAft>
+              <a:buClrTx/>
+              <a:buSzPct val="25000"/>
+              <a:buFontTx/>
+              <a:buNone/>
+              <a:defRPr/>
+            </a:pPr>
+            <a:r>
+              <a:rPr kumimoji="0" lang="en-US" altLang="zh-CN" sz="1000" b="0" i="0" u="none" strike="noStrike" kern="1200" cap="none" spc="0" normalizeH="0" baseline="0" noProof="0" dirty="0">
+                <a:ln>
+                  <a:noFill/>
+                </a:ln>
+                <a:effectLst/>
+                <a:uLnTx/>
+                <a:uFillTx/>
+                <a:latin typeface="Arial" panose="020B0604020202020204" pitchFamily="34" charset="0"/>
+                <a:ea typeface="微软雅黑" panose="020B0503020204020204" pitchFamily="34" charset="-122"/>
+              </a:rPr>
+              <a:t>synthesizability model</a:t>
+            </a:r>
+          </a:p>
+        </p:txBody>
+      </p:sp>
+      <p:cxnSp>
+        <p:nvCxnSpPr>
+          <p:cNvPr id="110" name="连接符: 肘形 109">
+            <a:extLst>
+              <a:ext uri="{FF2B5EF4-FFF2-40B4-BE49-F238E27FC236}">
+                <a16:creationId xmlns:a16="http://schemas.microsoft.com/office/drawing/2014/main" id="{8E96C014-B56C-F580-F527-660680B59E49}"/>
+              </a:ext>
+            </a:extLst>
+          </p:cNvPr>
+          <p:cNvCxnSpPr>
+            <a:cxnSpLocks/>
+            <a:stCxn id="31" idx="1"/>
+          </p:cNvCxnSpPr>
+          <p:nvPr/>
+        </p:nvCxnSpPr>
+        <p:spPr>
+          <a:xfrm rot="10800000">
+            <a:off x="3756285" y="1121282"/>
+            <a:ext cx="5001332" cy="1849053"/>
+          </a:xfrm>
+          <a:prstGeom prst="bentConnector3">
+            <a:avLst>
+              <a:gd name="adj1" fmla="val 1936"/>
+            </a:avLst>
+          </a:prstGeom>
+          <a:ln w="25400" cmpd="dbl">
+            <a:solidFill>
+              <a:schemeClr val="tx1"/>
+            </a:solidFill>
+            <a:prstDash val="sysDash"/>
+            <a:tailEnd type="triangle"/>
+          </a:ln>
+        </p:spPr>
+        <p:style>
+          <a:lnRef idx="1">
+            <a:schemeClr val="accent1"/>
+          </a:lnRef>
+          <a:fillRef idx="0">
+            <a:schemeClr val="accent1"/>
+          </a:fillRef>
+          <a:effectRef idx="0">
+            <a:schemeClr val="accent1"/>
+          </a:effectRef>
+          <a:fontRef idx="minor">
+            <a:schemeClr val="tx1"/>
+          </a:fontRef>
+        </p:style>
+      </p:cxnSp>
+      <p:cxnSp>
+        <p:nvCxnSpPr>
+          <p:cNvPr id="116" name="直接箭头连接符 115">
+            <a:extLst>
+              <a:ext uri="{FF2B5EF4-FFF2-40B4-BE49-F238E27FC236}">
+                <a16:creationId xmlns:a16="http://schemas.microsoft.com/office/drawing/2014/main" id="{307CD150-E813-EA10-0229-9B2D9F717DC8}"/>
+              </a:ext>
+            </a:extLst>
+          </p:cNvPr>
+          <p:cNvCxnSpPr>
+            <a:cxnSpLocks/>
+          </p:cNvCxnSpPr>
+          <p:nvPr/>
+        </p:nvCxnSpPr>
+        <p:spPr>
+          <a:xfrm flipH="1">
+            <a:off x="7419257" y="1463683"/>
+            <a:ext cx="1210817" cy="13938"/>
+          </a:xfrm>
+          <a:prstGeom prst="straightConnector1">
+            <a:avLst/>
+          </a:prstGeom>
+          <a:ln w="25400" cmpd="dbl">
+            <a:prstDash val="sysDash"/>
+            <a:tailEnd type="triangle"/>
+          </a:ln>
+        </p:spPr>
+        <p:style>
+          <a:lnRef idx="1">
+            <a:schemeClr val="dk1"/>
+          </a:lnRef>
+          <a:fillRef idx="0">
+            <a:schemeClr val="dk1"/>
+          </a:fillRef>
+          <a:effectRef idx="0">
+            <a:schemeClr val="dk1"/>
+          </a:effectRef>
+          <a:fontRef idx="minor">
+            <a:schemeClr val="tx1"/>
+          </a:fontRef>
+        </p:style>
+      </p:cxnSp>
+      <p:sp>
+        <p:nvSpPr>
+          <p:cNvPr id="131" name="文本框 130">
+            <a:extLst>
+              <a:ext uri="{FF2B5EF4-FFF2-40B4-BE49-F238E27FC236}">
+                <a16:creationId xmlns:a16="http://schemas.microsoft.com/office/drawing/2014/main" id="{E18810F9-2497-5B2B-C349-DEFE6CA0791B}"/>
+              </a:ext>
+            </a:extLst>
+          </p:cNvPr>
+          <p:cNvSpPr txBox="1"/>
+          <p:nvPr/>
+        </p:nvSpPr>
+        <p:spPr>
+          <a:xfrm>
+            <a:off x="3932545" y="1091843"/>
+            <a:ext cx="1244916" cy="400110"/>
+          </a:xfrm>
+          <a:prstGeom prst="rect">
+            <a:avLst/>
+          </a:prstGeom>
+          <a:noFill/>
+        </p:spPr>
+        <p:txBody>
+          <a:bodyPr wrap="square">
+            <a:spAutoFit/>
+          </a:bodyPr>
+          <a:lstStyle/>
+          <a:p>
+            <a:pPr algn="r"/>
+            <a:r>
+              <a:rPr lang="en-US" altLang="zh-CN" sz="1000" dirty="0"/>
+              <a:t>Reinforcement Learning</a:t>
+            </a:r>
+            <a:endParaRPr lang="zh-CN" altLang="en-US" sz="1000" dirty="0"/>
+          </a:p>
+        </p:txBody>
+      </p:sp>
+      <p:cxnSp>
+        <p:nvCxnSpPr>
+          <p:cNvPr id="132" name="连接符: 肘形 131">
+            <a:extLst>
+              <a:ext uri="{FF2B5EF4-FFF2-40B4-BE49-F238E27FC236}">
+                <a16:creationId xmlns:a16="http://schemas.microsoft.com/office/drawing/2014/main" id="{09EE5418-9566-5C6F-351B-2C8A96639473}"/>
+              </a:ext>
+            </a:extLst>
+          </p:cNvPr>
+          <p:cNvCxnSpPr>
+            <a:cxnSpLocks/>
+          </p:cNvCxnSpPr>
+          <p:nvPr/>
+        </p:nvCxnSpPr>
+        <p:spPr>
+          <a:xfrm rot="10800000" flipV="1">
+            <a:off x="7033200" y="640220"/>
+            <a:ext cx="1855924" cy="1227665"/>
+          </a:xfrm>
+          <a:prstGeom prst="bentConnector3">
+            <a:avLst>
+              <a:gd name="adj1" fmla="val 70177"/>
+            </a:avLst>
+          </a:prstGeom>
+          <a:ln>
+            <a:solidFill>
+              <a:schemeClr val="tx1"/>
+            </a:solidFill>
+            <a:tailEnd type="triangle"/>
+          </a:ln>
+        </p:spPr>
+        <p:style>
+          <a:lnRef idx="1">
+            <a:schemeClr val="accent1"/>
+          </a:lnRef>
+          <a:fillRef idx="0">
+            <a:schemeClr val="accent1"/>
+          </a:fillRef>
+          <a:effectRef idx="0">
+            <a:schemeClr val="accent1"/>
+          </a:effectRef>
+          <a:fontRef idx="minor">
+            <a:schemeClr val="tx1"/>
+          </a:fontRef>
+        </p:style>
+      </p:cxnSp>
+      <p:sp>
+        <p:nvSpPr>
+          <p:cNvPr id="134" name="文本框 133">
+            <a:extLst>
+              <a:ext uri="{FF2B5EF4-FFF2-40B4-BE49-F238E27FC236}">
+                <a16:creationId xmlns:a16="http://schemas.microsoft.com/office/drawing/2014/main" id="{77B04EA3-D3B9-45A7-4427-00A82F933270}"/>
+              </a:ext>
+            </a:extLst>
+          </p:cNvPr>
+          <p:cNvSpPr txBox="1"/>
+          <p:nvPr/>
+        </p:nvSpPr>
+        <p:spPr>
+          <a:xfrm>
+            <a:off x="8173848" y="220711"/>
+            <a:ext cx="1526006" cy="444674"/>
+          </a:xfrm>
+          <a:prstGeom prst="rect">
+            <a:avLst/>
+          </a:prstGeom>
+          <a:noFill/>
+        </p:spPr>
+        <p:txBody>
+          <a:bodyPr wrap="square">
+            <a:spAutoFit/>
+          </a:bodyPr>
+          <a:lstStyle/>
+          <a:p>
+            <a:pPr marL="0" marR="0" lvl="0" indent="0" defTabSz="913765" rtl="0" eaLnBrk="1" fontAlgn="auto" latinLnBrk="0" hangingPunct="1">
+              <a:lnSpc>
+                <a:spcPct val="120000"/>
+              </a:lnSpc>
+              <a:spcBef>
+                <a:spcPts val="0"/>
+              </a:spcBef>
+              <a:spcAft>
+                <a:spcPts val="0"/>
+              </a:spcAft>
+              <a:buClrTx/>
+              <a:buSzPct val="25000"/>
+              <a:buFontTx/>
+              <a:buNone/>
+              <a:defRPr/>
+            </a:pPr>
+            <a:r>
+              <a:rPr kumimoji="0" lang="en-US" altLang="zh-CN" sz="1000" b="0" i="0" u="none" strike="noStrike" kern="1200" cap="none" spc="0" normalizeH="0" baseline="0" noProof="0" dirty="0">
+                <a:ln>
+                  <a:noFill/>
+                </a:ln>
+                <a:effectLst/>
+                <a:uLnTx/>
+                <a:uFillTx/>
+                <a:latin typeface="Arial" panose="020B0604020202020204" pitchFamily="34" charset="0"/>
+                <a:ea typeface="微软雅黑" panose="020B0503020204020204" pitchFamily="34" charset="-122"/>
+              </a:rPr>
+              <a:t>expert opinions patent/literature data</a:t>
+            </a:r>
+          </a:p>
+        </p:txBody>
+      </p:sp>
+      <p:cxnSp>
+        <p:nvCxnSpPr>
+          <p:cNvPr id="143" name="直接箭头连接符 142">
+            <a:extLst>
+              <a:ext uri="{FF2B5EF4-FFF2-40B4-BE49-F238E27FC236}">
+                <a16:creationId xmlns:a16="http://schemas.microsoft.com/office/drawing/2014/main" id="{7B1AE36F-270A-78C0-9207-6145B3E00F59}"/>
+              </a:ext>
+            </a:extLst>
+          </p:cNvPr>
+          <p:cNvCxnSpPr>
+            <a:cxnSpLocks/>
+          </p:cNvCxnSpPr>
+          <p:nvPr/>
+        </p:nvCxnSpPr>
+        <p:spPr>
+          <a:xfrm flipH="1">
+            <a:off x="3770268" y="1454328"/>
+            <a:ext cx="1314627" cy="6969"/>
+          </a:xfrm>
+          <a:prstGeom prst="straightConnector1">
+            <a:avLst/>
+          </a:prstGeom>
+          <a:ln w="25400" cmpd="dbl">
+            <a:prstDash val="sysDash"/>
+            <a:tailEnd type="triangle"/>
+          </a:ln>
+        </p:spPr>
+        <p:style>
+          <a:lnRef idx="1">
+            <a:schemeClr val="dk1"/>
+          </a:lnRef>
+          <a:fillRef idx="0">
+            <a:schemeClr val="dk1"/>
+          </a:fillRef>
+          <a:effectRef idx="0">
+            <a:schemeClr val="dk1"/>
+          </a:effectRef>
+          <a:fontRef idx="minor">
+            <a:schemeClr val="tx1"/>
+          </a:fontRef>
+        </p:style>
+      </p:cxnSp>
+      <p:sp>
+        <p:nvSpPr>
+          <p:cNvPr id="145" name="文本框 144">
+            <a:extLst>
+              <a:ext uri="{FF2B5EF4-FFF2-40B4-BE49-F238E27FC236}">
+                <a16:creationId xmlns:a16="http://schemas.microsoft.com/office/drawing/2014/main" id="{BD9EA8F6-8BCF-1C5A-F790-96B0EB696705}"/>
+              </a:ext>
+            </a:extLst>
+          </p:cNvPr>
+          <p:cNvSpPr txBox="1"/>
+          <p:nvPr/>
+        </p:nvSpPr>
+        <p:spPr>
+          <a:xfrm>
+            <a:off x="7398588" y="1113230"/>
+            <a:ext cx="1331315" cy="400110"/>
+          </a:xfrm>
+          <a:prstGeom prst="rect">
+            <a:avLst/>
+          </a:prstGeom>
+          <a:noFill/>
+        </p:spPr>
+        <p:txBody>
+          <a:bodyPr wrap="square">
+            <a:spAutoFit/>
+          </a:bodyPr>
+          <a:lstStyle/>
+          <a:p>
+            <a:pPr algn="r"/>
+            <a:r>
+              <a:rPr lang="en-US" altLang="zh-CN" sz="1000" dirty="0"/>
+              <a:t>Evaluation</a:t>
+            </a:r>
+          </a:p>
+          <a:p>
+            <a:pPr algn="r"/>
+            <a:r>
+              <a:rPr lang="en-US" altLang="zh-CN" sz="1000" dirty="0"/>
+              <a:t>Feedback</a:t>
+            </a:r>
+            <a:endParaRPr lang="zh-CN" altLang="en-US" sz="1000" dirty="0"/>
+          </a:p>
+        </p:txBody>
+      </p:sp>
+      <p:cxnSp>
+        <p:nvCxnSpPr>
+          <p:cNvPr id="150" name="连接符: 肘形 149">
+            <a:extLst>
+              <a:ext uri="{FF2B5EF4-FFF2-40B4-BE49-F238E27FC236}">
+                <a16:creationId xmlns:a16="http://schemas.microsoft.com/office/drawing/2014/main" id="{29C89A0E-ED71-10A2-F70C-5A94600CDB1A}"/>
+              </a:ext>
+            </a:extLst>
+          </p:cNvPr>
+          <p:cNvCxnSpPr>
+            <a:cxnSpLocks/>
+          </p:cNvCxnSpPr>
+          <p:nvPr/>
+        </p:nvCxnSpPr>
+        <p:spPr>
+          <a:xfrm flipV="1">
+            <a:off x="934277" y="2297712"/>
+            <a:ext cx="644076" cy="262509"/>
+          </a:xfrm>
+          <a:prstGeom prst="bentConnector3">
+            <a:avLst>
+              <a:gd name="adj1" fmla="val 50000"/>
+            </a:avLst>
+          </a:prstGeom>
+          <a:ln>
+            <a:solidFill>
+              <a:schemeClr val="tx1"/>
+            </a:solidFill>
+            <a:tailEnd type="triangle"/>
+          </a:ln>
+        </p:spPr>
+        <p:style>
+          <a:lnRef idx="1">
+            <a:schemeClr val="accent1"/>
+          </a:lnRef>
+          <a:fillRef idx="0">
+            <a:schemeClr val="accent1"/>
+          </a:fillRef>
+          <a:effectRef idx="0">
+            <a:schemeClr val="accent1"/>
+          </a:effectRef>
+          <a:fontRef idx="minor">
+            <a:schemeClr val="tx1"/>
+          </a:fontRef>
+        </p:style>
+      </p:cxnSp>
+      <p:sp>
+        <p:nvSpPr>
+          <p:cNvPr id="153" name="文本框 152">
+            <a:extLst>
+              <a:ext uri="{FF2B5EF4-FFF2-40B4-BE49-F238E27FC236}">
+                <a16:creationId xmlns:a16="http://schemas.microsoft.com/office/drawing/2014/main" id="{D82CA9C3-FD6F-2AEA-12E2-1563B57F8A5E}"/>
+              </a:ext>
+            </a:extLst>
+          </p:cNvPr>
+          <p:cNvSpPr txBox="1"/>
+          <p:nvPr/>
+        </p:nvSpPr>
+        <p:spPr>
+          <a:xfrm>
+            <a:off x="123262" y="2314000"/>
+            <a:ext cx="1185420" cy="246221"/>
+          </a:xfrm>
+          <a:prstGeom prst="rect">
+            <a:avLst/>
+          </a:prstGeom>
+          <a:noFill/>
+        </p:spPr>
+        <p:txBody>
+          <a:bodyPr wrap="square">
+            <a:spAutoFit/>
+          </a:bodyPr>
+          <a:lstStyle/>
+          <a:p>
+            <a:r>
+              <a:rPr lang="en-US" altLang="zh-CN" sz="1000" dirty="0"/>
+              <a:t>Transfer Learning</a:t>
+            </a:r>
+            <a:endParaRPr lang="zh-CN" altLang="en-US" sz="1000" dirty="0"/>
+          </a:p>
+        </p:txBody>
+      </p:sp>
+      <p:sp>
+        <p:nvSpPr>
+          <p:cNvPr id="156" name="文本框 155">
+            <a:extLst>
+              <a:ext uri="{FF2B5EF4-FFF2-40B4-BE49-F238E27FC236}">
+                <a16:creationId xmlns:a16="http://schemas.microsoft.com/office/drawing/2014/main" id="{86152946-55FF-D779-060B-640F07DF06DE}"/>
+              </a:ext>
+            </a:extLst>
+          </p:cNvPr>
+          <p:cNvSpPr txBox="1"/>
+          <p:nvPr/>
+        </p:nvSpPr>
+        <p:spPr>
+          <a:xfrm>
+            <a:off x="7495933" y="760160"/>
+            <a:ext cx="1244916" cy="400110"/>
+          </a:xfrm>
+          <a:prstGeom prst="rect">
+            <a:avLst/>
+          </a:prstGeom>
+          <a:noFill/>
+        </p:spPr>
+        <p:txBody>
+          <a:bodyPr wrap="square">
+            <a:spAutoFit/>
+          </a:bodyPr>
+          <a:lstStyle/>
+          <a:p>
+            <a:pPr algn="r"/>
+            <a:r>
+              <a:rPr lang="en-US" altLang="zh-CN" sz="1000" dirty="0"/>
+              <a:t>Reinforcement Learning</a:t>
+            </a:r>
+            <a:endParaRPr lang="zh-CN" altLang="en-US" sz="1000" dirty="0"/>
+          </a:p>
+        </p:txBody>
+      </p:sp>
+      <p:sp>
+        <p:nvSpPr>
+          <p:cNvPr id="159" name="文本框 158">
+            <a:extLst>
+              <a:ext uri="{FF2B5EF4-FFF2-40B4-BE49-F238E27FC236}">
+                <a16:creationId xmlns:a16="http://schemas.microsoft.com/office/drawing/2014/main" id="{DD91D1B9-742E-6E7C-33EB-99C80EEE0C7F}"/>
+              </a:ext>
+            </a:extLst>
+          </p:cNvPr>
+          <p:cNvSpPr txBox="1"/>
+          <p:nvPr/>
+        </p:nvSpPr>
+        <p:spPr>
+          <a:xfrm>
+            <a:off x="277734" y="1472845"/>
+            <a:ext cx="1185420" cy="553998"/>
+          </a:xfrm>
+          <a:prstGeom prst="rect">
+            <a:avLst/>
+          </a:prstGeom>
+          <a:noFill/>
+        </p:spPr>
+        <p:txBody>
+          <a:bodyPr wrap="square">
+            <a:spAutoFit/>
+          </a:bodyPr>
+          <a:lstStyle/>
+          <a:p>
+            <a:r>
+              <a:rPr lang="en-US" altLang="zh-CN" sz="1000" dirty="0"/>
+              <a:t>ChemBL</a:t>
+            </a:r>
+          </a:p>
+          <a:p>
+            <a:r>
+              <a:rPr lang="en-US" altLang="zh-CN" sz="1000" dirty="0"/>
+              <a:t>PubMed</a:t>
+            </a:r>
+          </a:p>
+          <a:p>
+            <a:r>
+              <a:rPr lang="en-US" altLang="zh-CN" sz="1000" dirty="0"/>
+              <a:t>Zinc</a:t>
+            </a:r>
+            <a:endParaRPr lang="zh-CN" altLang="en-US" sz="1000" dirty="0"/>
+          </a:p>
+        </p:txBody>
+      </p:sp>
+      <p:sp>
+        <p:nvSpPr>
+          <p:cNvPr id="161" name="文本框 160">
+            <a:extLst>
+              <a:ext uri="{FF2B5EF4-FFF2-40B4-BE49-F238E27FC236}">
+                <a16:creationId xmlns:a16="http://schemas.microsoft.com/office/drawing/2014/main" id="{ADB599FE-1EBA-0EC6-6B9F-40736B15CA47}"/>
+              </a:ext>
+            </a:extLst>
+          </p:cNvPr>
+          <p:cNvSpPr txBox="1"/>
+          <p:nvPr/>
+        </p:nvSpPr>
+        <p:spPr>
+          <a:xfrm>
+            <a:off x="9007711" y="1668381"/>
+            <a:ext cx="2015798" cy="260008"/>
+          </a:xfrm>
+          <a:prstGeom prst="rect">
+            <a:avLst/>
+          </a:prstGeom>
+          <a:noFill/>
+        </p:spPr>
+        <p:txBody>
+          <a:bodyPr wrap="square" rtlCol="0">
+            <a:spAutoFit/>
+          </a:bodyPr>
+          <a:lstStyle/>
+          <a:p>
+            <a:pPr defTabSz="913765">
+              <a:lnSpc>
+                <a:spcPct val="120000"/>
+              </a:lnSpc>
+              <a:buSzPct val="25000"/>
+              <a:defRPr/>
+            </a:pPr>
+            <a:r>
+              <a:rPr lang="en-US" altLang="zh-CN" sz="1000" dirty="0">
+                <a:latin typeface="Arial" panose="020B0604020202020204" pitchFamily="34" charset="0"/>
+                <a:ea typeface="微软雅黑" panose="020B0503020204020204" pitchFamily="34" charset="-122"/>
+              </a:rPr>
+              <a:t>“Data from Biology Lab”</a:t>
+            </a:r>
+          </a:p>
+        </p:txBody>
+      </p:sp>
+      <p:cxnSp>
+        <p:nvCxnSpPr>
+          <p:cNvPr id="199" name="直接箭头连接符 198">
+            <a:extLst>
+              <a:ext uri="{FF2B5EF4-FFF2-40B4-BE49-F238E27FC236}">
+                <a16:creationId xmlns:a16="http://schemas.microsoft.com/office/drawing/2014/main" id="{D40CDF33-9D99-00E5-3FB4-7ACCB7383651}"/>
+              </a:ext>
+            </a:extLst>
+          </p:cNvPr>
+          <p:cNvCxnSpPr>
+            <a:cxnSpLocks/>
+          </p:cNvCxnSpPr>
+          <p:nvPr/>
+        </p:nvCxnSpPr>
+        <p:spPr>
+          <a:xfrm>
+            <a:off x="1616090" y="3167572"/>
+            <a:ext cx="0" cy="812662"/>
+          </a:xfrm>
+          <a:prstGeom prst="straightConnector1">
+            <a:avLst/>
+          </a:prstGeom>
+          <a:ln w="12700">
+            <a:prstDash val="dash"/>
+            <a:tailEnd type="triangle"/>
+          </a:ln>
+        </p:spPr>
+        <p:style>
+          <a:lnRef idx="1">
+            <a:schemeClr val="dk1"/>
+          </a:lnRef>
+          <a:fillRef idx="0">
+            <a:schemeClr val="dk1"/>
+          </a:fillRef>
+          <a:effectRef idx="0">
+            <a:schemeClr val="dk1"/>
+          </a:effectRef>
+          <a:fontRef idx="minor">
+            <a:schemeClr val="tx1"/>
+          </a:fontRef>
+        </p:style>
+      </p:cxnSp>
+      <p:sp>
+        <p:nvSpPr>
+          <p:cNvPr id="211" name="文本框 210">
+            <a:extLst>
+              <a:ext uri="{FF2B5EF4-FFF2-40B4-BE49-F238E27FC236}">
+                <a16:creationId xmlns:a16="http://schemas.microsoft.com/office/drawing/2014/main" id="{C00024BA-8346-9BF7-F297-2B301E9941DF}"/>
+              </a:ext>
+            </a:extLst>
+          </p:cNvPr>
+          <p:cNvSpPr txBox="1"/>
+          <p:nvPr/>
+        </p:nvSpPr>
+        <p:spPr>
+          <a:xfrm>
+            <a:off x="214480" y="2727121"/>
+            <a:ext cx="1259126" cy="400110"/>
+          </a:xfrm>
+          <a:prstGeom prst="rect">
+            <a:avLst/>
+          </a:prstGeom>
+          <a:noFill/>
+        </p:spPr>
+        <p:txBody>
+          <a:bodyPr wrap="square" rtlCol="0" anchor="t">
+            <a:spAutoFit/>
+          </a:bodyPr>
+          <a:lstStyle/>
+          <a:p>
+            <a:r>
+              <a:rPr lang="en-US" altLang="zh-CN" sz="2000" b="1" i="1" u="sng" dirty="0">
+                <a:latin typeface="Arial" panose="020B0604020202020204" pitchFamily="34" charset="0"/>
+                <a:ea typeface="微软雅黑" panose="020B0503020204020204" pitchFamily="34" charset="-122"/>
+              </a:rPr>
+              <a:t>“Stage1”</a:t>
+            </a:r>
+            <a:endParaRPr kumimoji="0" lang="en-US" altLang="zh-CN" sz="2000" b="1" i="1" u="sng" strike="noStrike" kern="1200" cap="none" spc="0" normalizeH="0" baseline="0" noProof="0" dirty="0">
+              <a:ln>
+                <a:noFill/>
+              </a:ln>
+              <a:effectLst/>
+              <a:uLnTx/>
+              <a:uFillTx/>
+              <a:latin typeface="Arial" panose="020B0604020202020204" pitchFamily="34" charset="0"/>
+              <a:ea typeface="微软雅黑" panose="020B0503020204020204" pitchFamily="34" charset="-122"/>
+            </a:endParaRPr>
+          </a:p>
+        </p:txBody>
+      </p:sp>
+      <p:cxnSp>
+        <p:nvCxnSpPr>
+          <p:cNvPr id="243" name="连接符: 肘形 242">
+            <a:extLst>
+              <a:ext uri="{FF2B5EF4-FFF2-40B4-BE49-F238E27FC236}">
+                <a16:creationId xmlns:a16="http://schemas.microsoft.com/office/drawing/2014/main" id="{8CAC6D58-CF72-9721-6D96-BB73A0D97A3D}"/>
+              </a:ext>
+            </a:extLst>
+          </p:cNvPr>
+          <p:cNvCxnSpPr>
+            <a:cxnSpLocks/>
+          </p:cNvCxnSpPr>
+          <p:nvPr/>
+        </p:nvCxnSpPr>
+        <p:spPr>
+          <a:xfrm>
+            <a:off x="4427581" y="5335837"/>
+            <a:ext cx="802590" cy="127294"/>
+          </a:xfrm>
+          <a:prstGeom prst="bentConnector3">
+            <a:avLst>
+              <a:gd name="adj1" fmla="val 50000"/>
+            </a:avLst>
+          </a:prstGeom>
+          <a:ln>
+            <a:solidFill>
+              <a:schemeClr val="tx1"/>
+            </a:solidFill>
+            <a:tailEnd type="triangle"/>
+          </a:ln>
+        </p:spPr>
+        <p:style>
+          <a:lnRef idx="1">
+            <a:schemeClr val="accent1"/>
+          </a:lnRef>
+          <a:fillRef idx="0">
+            <a:schemeClr val="accent1"/>
+          </a:fillRef>
+          <a:effectRef idx="0">
+            <a:schemeClr val="accent1"/>
+          </a:effectRef>
+          <a:fontRef idx="minor">
+            <a:schemeClr val="tx1"/>
+          </a:fontRef>
+        </p:style>
+      </p:cxnSp>
+      <p:sp>
+        <p:nvSpPr>
+          <p:cNvPr id="244" name="文本框 243">
+            <a:extLst>
+              <a:ext uri="{FF2B5EF4-FFF2-40B4-BE49-F238E27FC236}">
+                <a16:creationId xmlns:a16="http://schemas.microsoft.com/office/drawing/2014/main" id="{86BA40D5-D4CB-9603-A965-F0792EB64C31}"/>
+              </a:ext>
+            </a:extLst>
+          </p:cNvPr>
+          <p:cNvSpPr txBox="1"/>
+          <p:nvPr/>
+        </p:nvSpPr>
+        <p:spPr>
+          <a:xfrm>
+            <a:off x="3678885" y="4919288"/>
+            <a:ext cx="1526006" cy="444674"/>
+          </a:xfrm>
+          <a:prstGeom prst="rect">
+            <a:avLst/>
+          </a:prstGeom>
+          <a:noFill/>
+        </p:spPr>
+        <p:txBody>
+          <a:bodyPr wrap="square">
+            <a:spAutoFit/>
+          </a:bodyPr>
+          <a:lstStyle/>
+          <a:p>
+            <a:pPr marL="0" marR="0" lvl="0" indent="0" defTabSz="913765" rtl="0" eaLnBrk="1" fontAlgn="auto" latinLnBrk="0" hangingPunct="1">
+              <a:lnSpc>
+                <a:spcPct val="120000"/>
+              </a:lnSpc>
+              <a:spcBef>
+                <a:spcPts val="0"/>
+              </a:spcBef>
+              <a:spcAft>
+                <a:spcPts val="0"/>
+              </a:spcAft>
+              <a:buClrTx/>
+              <a:buSzPct val="25000"/>
+              <a:buFontTx/>
+              <a:buNone/>
+              <a:defRPr/>
+            </a:pPr>
+            <a:r>
+              <a:rPr kumimoji="0" lang="en-US" altLang="zh-CN" sz="1000" b="0" i="0" u="none" strike="noStrike" kern="1200" cap="none" spc="0" normalizeH="0" baseline="0" noProof="0" dirty="0">
+                <a:ln>
+                  <a:noFill/>
+                </a:ln>
+                <a:effectLst/>
+                <a:uLnTx/>
+                <a:uFillTx/>
+                <a:latin typeface="Arial" panose="020B0604020202020204" pitchFamily="34" charset="0"/>
+                <a:ea typeface="微软雅黑" panose="020B0503020204020204" pitchFamily="34" charset="-122"/>
+              </a:rPr>
+              <a:t>Compared with all clinical compounds</a:t>
+            </a:r>
+          </a:p>
+        </p:txBody>
+      </p:sp>
+      <p:sp>
+        <p:nvSpPr>
+          <p:cNvPr id="249" name="文本框 248">
+            <a:extLst>
+              <a:ext uri="{FF2B5EF4-FFF2-40B4-BE49-F238E27FC236}">
+                <a16:creationId xmlns:a16="http://schemas.microsoft.com/office/drawing/2014/main" id="{38EBA817-11C5-F987-585B-375E3834C87F}"/>
+              </a:ext>
+            </a:extLst>
+          </p:cNvPr>
+          <p:cNvSpPr txBox="1"/>
+          <p:nvPr/>
+        </p:nvSpPr>
+        <p:spPr>
+          <a:xfrm>
+            <a:off x="1684868" y="1581536"/>
+            <a:ext cx="1488461" cy="998671"/>
+          </a:xfrm>
+          <a:prstGeom prst="rect">
+            <a:avLst/>
+          </a:prstGeom>
+          <a:noFill/>
+        </p:spPr>
+        <p:txBody>
+          <a:bodyPr wrap="square" rtlCol="0">
+            <a:spAutoFit/>
+          </a:bodyPr>
+          <a:lstStyle/>
+          <a:p>
+            <a:pPr defTabSz="913765">
+              <a:lnSpc>
+                <a:spcPct val="120000"/>
+              </a:lnSpc>
+              <a:buSzPct val="25000"/>
+              <a:defRPr/>
+            </a:pPr>
+            <a:r>
+              <a:rPr lang="en-US" altLang="zh-CN" sz="1000" dirty="0">
+                <a:latin typeface="Arial" panose="020B0604020202020204" pitchFamily="34" charset="0"/>
+                <a:ea typeface="微软雅黑" panose="020B0503020204020204" pitchFamily="34" charset="-122"/>
+              </a:rPr>
+              <a:t>Molecule optimization*</a:t>
+            </a:r>
+            <a:endParaRPr lang="en-US" altLang="zh-CN" sz="1000" i="1" dirty="0">
+              <a:latin typeface="Arial" panose="020B0604020202020204" pitchFamily="34" charset="0"/>
+              <a:ea typeface="微软雅黑" panose="020B0503020204020204" pitchFamily="34" charset="-122"/>
+            </a:endParaRPr>
+          </a:p>
+          <a:p>
+            <a:pPr defTabSz="913765">
+              <a:lnSpc>
+                <a:spcPct val="120000"/>
+              </a:lnSpc>
+              <a:buSzPct val="25000"/>
+              <a:defRPr/>
+            </a:pPr>
+            <a:r>
+              <a:rPr lang="en-US" altLang="zh-CN" sz="1000" i="1" dirty="0">
+                <a:latin typeface="Arial" panose="020B0604020202020204" pitchFamily="34" charset="0"/>
+                <a:ea typeface="微软雅黑" panose="020B0503020204020204" pitchFamily="34" charset="-122"/>
+              </a:rPr>
+              <a:t>De nove </a:t>
+            </a:r>
+            <a:r>
+              <a:rPr lang="en-US" altLang="zh-CN" sz="1000" dirty="0">
+                <a:latin typeface="Arial" panose="020B0604020202020204" pitchFamily="34" charset="0"/>
+                <a:ea typeface="微软雅黑" panose="020B0503020204020204" pitchFamily="34" charset="-122"/>
+              </a:rPr>
+              <a:t>design</a:t>
+            </a:r>
+          </a:p>
+          <a:p>
+            <a:pPr marL="0" marR="0" lvl="0" indent="0" defTabSz="913765" rtl="0" eaLnBrk="1" fontAlgn="auto" latinLnBrk="0" hangingPunct="1">
+              <a:lnSpc>
+                <a:spcPct val="120000"/>
+              </a:lnSpc>
+              <a:spcBef>
+                <a:spcPts val="0"/>
+              </a:spcBef>
+              <a:spcAft>
+                <a:spcPts val="0"/>
+              </a:spcAft>
+              <a:buClrTx/>
+              <a:buSzPct val="25000"/>
+              <a:buFontTx/>
+              <a:buNone/>
+              <a:defRPr/>
+            </a:pPr>
+            <a:r>
+              <a:rPr kumimoji="0" lang="en-US" altLang="zh-CN" sz="1000" b="0" i="0" u="none" strike="noStrike" kern="1200" cap="none" spc="0" normalizeH="0" baseline="0" noProof="0" dirty="0">
+                <a:ln>
+                  <a:noFill/>
+                </a:ln>
+                <a:effectLst/>
+                <a:uLnTx/>
+                <a:uFillTx/>
+                <a:latin typeface="Arial" panose="020B0604020202020204" pitchFamily="34" charset="0"/>
+                <a:ea typeface="微软雅黑" panose="020B0503020204020204" pitchFamily="34" charset="-122"/>
+              </a:rPr>
+              <a:t>Scaffold design</a:t>
+            </a:r>
+          </a:p>
+          <a:p>
+            <a:pPr marL="0" marR="0" lvl="0" indent="0" defTabSz="913765" rtl="0" eaLnBrk="1" fontAlgn="auto" latinLnBrk="0" hangingPunct="1">
+              <a:lnSpc>
+                <a:spcPct val="120000"/>
+              </a:lnSpc>
+              <a:spcBef>
+                <a:spcPts val="0"/>
+              </a:spcBef>
+              <a:spcAft>
+                <a:spcPts val="0"/>
+              </a:spcAft>
+              <a:buClrTx/>
+              <a:buSzPct val="25000"/>
+              <a:buFontTx/>
+              <a:buNone/>
+              <a:defRPr/>
+            </a:pPr>
+            <a:r>
+              <a:rPr lang="en-US" altLang="zh-CN" sz="1000" dirty="0">
+                <a:latin typeface="Arial" panose="020B0604020202020204" pitchFamily="34" charset="0"/>
+                <a:ea typeface="微软雅黑" panose="020B0503020204020204" pitchFamily="34" charset="-122"/>
+              </a:rPr>
+              <a:t>Linker design</a:t>
+            </a:r>
+          </a:p>
+          <a:p>
+            <a:pPr marL="0" marR="0" lvl="0" indent="0" defTabSz="913765" rtl="0" eaLnBrk="1" fontAlgn="auto" latinLnBrk="0" hangingPunct="1">
+              <a:lnSpc>
+                <a:spcPct val="120000"/>
+              </a:lnSpc>
+              <a:spcBef>
+                <a:spcPts val="0"/>
+              </a:spcBef>
+              <a:spcAft>
+                <a:spcPts val="0"/>
+              </a:spcAft>
+              <a:buClrTx/>
+              <a:buSzPct val="25000"/>
+              <a:buFontTx/>
+              <a:buNone/>
+              <a:defRPr/>
+            </a:pPr>
+            <a:r>
+              <a:rPr lang="en-US" altLang="zh-CN" sz="1000" dirty="0">
+                <a:latin typeface="Arial" panose="020B0604020202020204" pitchFamily="34" charset="0"/>
+                <a:ea typeface="微软雅黑" panose="020B0503020204020204" pitchFamily="34" charset="-122"/>
+              </a:rPr>
+              <a:t>…</a:t>
+            </a:r>
+          </a:p>
+        </p:txBody>
+      </p:sp>
+      <p:cxnSp>
+        <p:nvCxnSpPr>
+          <p:cNvPr id="260" name="连接符: 肘形 259">
+            <a:extLst>
+              <a:ext uri="{FF2B5EF4-FFF2-40B4-BE49-F238E27FC236}">
+                <a16:creationId xmlns:a16="http://schemas.microsoft.com/office/drawing/2014/main" id="{BC3844CC-160D-2128-C123-8CE59E1D34A5}"/>
+              </a:ext>
+            </a:extLst>
+          </p:cNvPr>
+          <p:cNvCxnSpPr>
+            <a:cxnSpLocks/>
+          </p:cNvCxnSpPr>
+          <p:nvPr/>
+        </p:nvCxnSpPr>
+        <p:spPr>
+          <a:xfrm>
+            <a:off x="679564" y="1902709"/>
+            <a:ext cx="882360" cy="184400"/>
+          </a:xfrm>
+          <a:prstGeom prst="bentConnector3">
+            <a:avLst>
+              <a:gd name="adj1" fmla="val 50000"/>
+            </a:avLst>
+          </a:prstGeom>
+          <a:ln>
+            <a:solidFill>
+              <a:schemeClr val="tx1"/>
+            </a:solidFill>
+            <a:tailEnd type="triangle"/>
+          </a:ln>
+        </p:spPr>
+        <p:style>
+          <a:lnRef idx="1">
+            <a:schemeClr val="accent1"/>
+          </a:lnRef>
+          <a:fillRef idx="0">
+            <a:schemeClr val="accent1"/>
+          </a:fillRef>
+          <a:effectRef idx="0">
+            <a:schemeClr val="accent1"/>
+          </a:effectRef>
+          <a:fontRef idx="minor">
+            <a:schemeClr val="tx1"/>
+          </a:fontRef>
+        </p:style>
+      </p:cxnSp>
+      <p:sp>
+        <p:nvSpPr>
+          <p:cNvPr id="165" name="文本框 164">
+            <a:extLst>
+              <a:ext uri="{FF2B5EF4-FFF2-40B4-BE49-F238E27FC236}">
+                <a16:creationId xmlns:a16="http://schemas.microsoft.com/office/drawing/2014/main" id="{D88469AF-CBCF-A07D-2B53-A2AF02A97F5D}"/>
+              </a:ext>
+            </a:extLst>
+          </p:cNvPr>
+          <p:cNvSpPr txBox="1"/>
+          <p:nvPr/>
+        </p:nvSpPr>
+        <p:spPr>
+          <a:xfrm>
+            <a:off x="1464248" y="4009373"/>
             <a:ext cx="2261268" cy="400110"/>
           </a:xfrm>
           <a:prstGeom prst="rect">
@@ -6326,7 +6326,7 @@
                 <a:latin typeface="Arial" panose="020B0604020202020204" pitchFamily="34" charset="0"/>
                 <a:ea typeface="微软雅黑" panose="020B0503020204020204" pitchFamily="34" charset="-122"/>
               </a:rPr>
-              <a:t>Generator 1</a:t>
+              <a:t>Generator 2</a:t>
             </a:r>
             <a:endParaRPr kumimoji="0" lang="en-US" altLang="zh-CN" sz="2000" b="1" i="0" u="none" strike="noStrike" kern="1200" cap="none" spc="0" normalizeH="0" baseline="0" noProof="0" dirty="0">
               <a:ln>
@@ -6355,7 +6355,7 @@
         </p:nvSpPr>
         <p:spPr>
           <a:xfrm>
-            <a:off x="5122603" y="3837658"/>
+            <a:off x="5122603" y="4024092"/>
             <a:ext cx="2272929" cy="400110"/>
           </a:xfrm>
           <a:prstGeom prst="rect">
@@ -6409,7 +6409,7 @@
         </p:nvSpPr>
         <p:spPr>
           <a:xfrm>
-            <a:off x="8771600" y="3837658"/>
+            <a:off x="8771600" y="4024092"/>
             <a:ext cx="2272928" cy="400110"/>
           </a:xfrm>
           <a:prstGeom prst="rect">
@@ -6459,7 +6459,7 @@
         </p:nvSpPr>
         <p:spPr>
           <a:xfrm>
-            <a:off x="1473606" y="5535345"/>
+            <a:off x="1473606" y="5721779"/>
             <a:ext cx="3317755" cy="400110"/>
           </a:xfrm>
           <a:prstGeom prst="rect">
@@ -6497,7 +6497,7 @@
         </p:nvSpPr>
         <p:spPr>
           <a:xfrm>
-            <a:off x="5122603" y="5535345"/>
+            <a:off x="5122603" y="5721779"/>
             <a:ext cx="3317755" cy="400110"/>
           </a:xfrm>
           <a:prstGeom prst="rect">
@@ -6545,7 +6545,7 @@
         </p:nvSpPr>
         <p:spPr>
           <a:xfrm>
-            <a:off x="8771600" y="5535345"/>
+            <a:off x="8771600" y="5721779"/>
             <a:ext cx="3317755" cy="400110"/>
           </a:xfrm>
           <a:prstGeom prst="rect">
@@ -6595,7 +6595,7 @@
         </p:nvCxnSpPr>
         <p:spPr>
           <a:xfrm>
-            <a:off x="1639068" y="4360878"/>
+            <a:off x="1639068" y="4547312"/>
             <a:ext cx="0" cy="1174467"/>
           </a:xfrm>
           <a:prstGeom prst="straightConnector1">
@@ -6636,7 +6636,7 @@
         </p:nvCxnSpPr>
         <p:spPr>
           <a:xfrm>
-            <a:off x="5314085" y="4360878"/>
+            <a:off x="5314085" y="4547312"/>
             <a:ext cx="0" cy="1204837"/>
           </a:xfrm>
           <a:prstGeom prst="straightConnector1">
@@ -6677,7 +6677,7 @@
         </p:nvCxnSpPr>
         <p:spPr>
           <a:xfrm>
-            <a:off x="8936851" y="4360878"/>
+            <a:off x="8936851" y="4547312"/>
             <a:ext cx="0" cy="1174467"/>
           </a:xfrm>
           <a:prstGeom prst="straightConnector1">
@@ -6718,7 +6718,7 @@
         </p:nvCxnSpPr>
         <p:spPr>
           <a:xfrm flipV="1">
-            <a:off x="-218662" y="5869106"/>
+            <a:off x="-218662" y="6055540"/>
             <a:ext cx="11327820" cy="6616"/>
           </a:xfrm>
           <a:prstGeom prst="straightConnector1">
@@ -6757,7 +6757,7 @@
         </p:nvSpPr>
         <p:spPr>
           <a:xfrm>
-            <a:off x="1901324" y="4372102"/>
+            <a:off x="1901324" y="4558536"/>
             <a:ext cx="1727987" cy="444674"/>
           </a:xfrm>
           <a:prstGeom prst="rect">
@@ -6804,7 +6804,7 @@
         </p:nvCxnSpPr>
         <p:spPr>
           <a:xfrm rot="10800000">
-            <a:off x="3770268" y="3886348"/>
+            <a:off x="3770268" y="4072782"/>
             <a:ext cx="5001332" cy="1849053"/>
           </a:xfrm>
           <a:prstGeom prst="bentConnector3">
@@ -6851,7 +6851,7 @@
         </p:nvCxnSpPr>
         <p:spPr>
           <a:xfrm flipH="1">
-            <a:off x="7433240" y="4228749"/>
+            <a:off x="7433240" y="4415183"/>
             <a:ext cx="1210817" cy="13938"/>
           </a:xfrm>
           <a:prstGeom prst="straightConnector1">
@@ -6891,7 +6891,7 @@
         </p:nvSpPr>
         <p:spPr>
           <a:xfrm>
-            <a:off x="3946528" y="3856909"/>
+            <a:off x="3946528" y="4043343"/>
             <a:ext cx="1244916" cy="400110"/>
           </a:xfrm>
           <a:prstGeom prst="rect">
@@ -6930,7 +6930,7 @@
         </p:nvCxnSpPr>
         <p:spPr>
           <a:xfrm flipH="1">
-            <a:off x="3784251" y="4219394"/>
+            <a:off x="3784251" y="4405828"/>
             <a:ext cx="1314627" cy="6969"/>
           </a:xfrm>
           <a:prstGeom prst="straightConnector1">
@@ -6970,7 +6970,7 @@
         </p:nvSpPr>
         <p:spPr>
           <a:xfrm>
-            <a:off x="7509916" y="3525226"/>
+            <a:off x="7509916" y="3711660"/>
             <a:ext cx="1244916" cy="400110"/>
           </a:xfrm>
           <a:prstGeom prst="rect">
@@ -7007,7 +7007,7 @@
         </p:nvSpPr>
         <p:spPr>
           <a:xfrm>
-            <a:off x="9021694" y="4433447"/>
+            <a:off x="9021694" y="4619881"/>
             <a:ext cx="2015798" cy="444674"/>
           </a:xfrm>
           <a:prstGeom prst="rect">
@@ -7070,7 +7070,7 @@
         </p:nvCxnSpPr>
         <p:spPr>
           <a:xfrm>
-            <a:off x="-218662" y="6576195"/>
+            <a:off x="-218662" y="6620586"/>
             <a:ext cx="9138556" cy="0"/>
           </a:xfrm>
           <a:prstGeom prst="straightConnector1">
@@ -7109,7 +7109,7 @@
         </p:nvSpPr>
         <p:spPr>
           <a:xfrm>
-            <a:off x="214480" y="5504752"/>
+            <a:off x="214480" y="5691186"/>
             <a:ext cx="1174283" cy="400110"/>
           </a:xfrm>
           <a:prstGeom prst="rect">
@@ -7157,8 +7157,8 @@
         </p:nvSpPr>
         <p:spPr>
           <a:xfrm>
-            <a:off x="232379" y="6201848"/>
-            <a:ext cx="1797388" cy="400110"/>
+            <a:off x="232379" y="6184088"/>
+            <a:ext cx="2107954" cy="400110"/>
           </a:xfrm>
           <a:prstGeom prst="rect">
             <a:avLst/>
@@ -7176,7 +7176,7 @@
                 <a:latin typeface="Arial" panose="020B0604020202020204" pitchFamily="34" charset="0"/>
                 <a:ea typeface="微软雅黑" panose="020B0503020204020204" pitchFamily="34" charset="-122"/>
               </a:rPr>
-              <a:t>“Stage Clinic”</a:t>
+              <a:t>“Stage Clinic*”</a:t>
             </a:r>
             <a:endParaRPr kumimoji="0" lang="en-US" altLang="zh-CN" sz="2000" b="1" i="1" u="sng" strike="noStrike" kern="1200" cap="none" spc="0" normalizeH="0" baseline="0" noProof="0" dirty="0">
               <a:ln>
@@ -7205,7 +7205,7 @@
         </p:nvSpPr>
         <p:spPr>
           <a:xfrm>
-            <a:off x="5434476" y="4310606"/>
+            <a:off x="5434476" y="4497040"/>
             <a:ext cx="1369704" cy="1368003"/>
           </a:xfrm>
           <a:prstGeom prst="rect">
@@ -7328,7 +7328,7 @@
         </p:nvSpPr>
         <p:spPr>
           <a:xfrm>
-            <a:off x="6348485" y="4884509"/>
+            <a:off x="6348485" y="5070943"/>
             <a:ext cx="1479076" cy="814005"/>
           </a:xfrm>
           <a:prstGeom prst="rect">
@@ -7498,7 +7498,7 @@
         </p:nvSpPr>
         <p:spPr>
           <a:xfrm rot="13699644">
-            <a:off x="6116308" y="4855143"/>
+            <a:off x="6116308" y="5041577"/>
             <a:ext cx="873530" cy="864320"/>
           </a:xfrm>
           <a:prstGeom prst="arc">
@@ -7550,7 +7550,7 @@
         </p:nvSpPr>
         <p:spPr>
           <a:xfrm rot="13699644">
-            <a:off x="2530228" y="1877435"/>
+            <a:off x="2620758" y="2072922"/>
             <a:ext cx="873530" cy="864320"/>
           </a:xfrm>
           <a:prstGeom prst="arc">
@@ -7588,54 +7588,6 @@
           </a:p>
         </p:txBody>
       </p:sp>
-      <p:sp>
-        <p:nvSpPr>
-          <p:cNvPr id="270" name="文本框 269">
-            <a:extLst>
-              <a:ext uri="{FF2B5EF4-FFF2-40B4-BE49-F238E27FC236}">
-                <a16:creationId xmlns:a16="http://schemas.microsoft.com/office/drawing/2014/main" id="{606AE490-308A-1D15-353A-DFFB62632016}"/>
-              </a:ext>
-            </a:extLst>
-          </p:cNvPr>
-          <p:cNvSpPr txBox="1"/>
-          <p:nvPr/>
-        </p:nvSpPr>
-        <p:spPr>
-          <a:xfrm>
-            <a:off x="103935" y="32688"/>
-            <a:ext cx="4323646" cy="400110"/>
-          </a:xfrm>
-          <a:prstGeom prst="rect">
-            <a:avLst/>
-          </a:prstGeom>
-          <a:noFill/>
-        </p:spPr>
-        <p:txBody>
-          <a:bodyPr wrap="square" rtlCol="0" anchor="t">
-            <a:spAutoFit/>
-          </a:bodyPr>
-          <a:lstStyle/>
-          <a:p>
-            <a:r>
-              <a:rPr lang="en-US" altLang="zh-CN" sz="2000" b="1" i="1" dirty="0">
-                <a:latin typeface="Arial" panose="020B0604020202020204" pitchFamily="34" charset="0"/>
-                <a:ea typeface="微软雅黑" panose="020B0503020204020204" pitchFamily="34" charset="-122"/>
-              </a:rPr>
-              <a:t>Workflows of AIDD/CADD</a:t>
-            </a:r>
-            <a:endParaRPr kumimoji="0" lang="en-US" altLang="zh-CN" sz="2000" b="1" i="1" strike="noStrike" kern="1200" cap="none" spc="0" normalizeH="0" baseline="0" noProof="0" dirty="0">
-              <a:ln>
-                <a:noFill/>
-              </a:ln>
-              <a:effectLst/>
-              <a:uLnTx/>
-              <a:uFillTx/>
-              <a:latin typeface="Arial" panose="020B0604020202020204" pitchFamily="34" charset="0"/>
-              <a:ea typeface="微软雅黑" panose="020B0503020204020204" pitchFamily="34" charset="-122"/>
-            </a:endParaRPr>
-          </a:p>
-        </p:txBody>
-      </p:sp>
       <p:cxnSp>
         <p:nvCxnSpPr>
           <p:cNvPr id="271" name="直接箭头连接符 270">
@@ -7652,7 +7604,7 @@
         </p:nvCxnSpPr>
         <p:spPr>
           <a:xfrm>
-            <a:off x="10932606" y="2917559"/>
+            <a:off x="10932606" y="3103993"/>
             <a:ext cx="1391396" cy="0"/>
           </a:xfrm>
           <a:prstGeom prst="straightConnector1">
@@ -7693,7 +7645,7 @@
         </p:nvCxnSpPr>
         <p:spPr>
           <a:xfrm>
-            <a:off x="11044528" y="5869106"/>
+            <a:off x="11044528" y="6055540"/>
             <a:ext cx="1279474" cy="0"/>
           </a:xfrm>
           <a:prstGeom prst="straightConnector1">
@@ -7732,7 +7684,7 @@
         </p:nvSpPr>
         <p:spPr>
           <a:xfrm>
-            <a:off x="7402621" y="3874077"/>
+            <a:off x="7402621" y="4060511"/>
             <a:ext cx="1331315" cy="400110"/>
           </a:xfrm>
           <a:prstGeom prst="rect">
@@ -7778,7 +7730,7 @@
         </p:nvCxnSpPr>
         <p:spPr>
           <a:xfrm rot="5400000">
-            <a:off x="5492830" y="2930039"/>
+            <a:off x="5492830" y="3116473"/>
             <a:ext cx="3346638" cy="838057"/>
           </a:xfrm>
           <a:prstGeom prst="bentConnector3">
@@ -7808,16 +7760,953 @@
           </a:fontRef>
         </p:style>
       </p:cxnSp>
+      <p:grpSp>
+        <p:nvGrpSpPr>
+          <p:cNvPr id="32" name="组合 31">
+            <a:extLst>
+              <a:ext uri="{FF2B5EF4-FFF2-40B4-BE49-F238E27FC236}">
+                <a16:creationId xmlns:a16="http://schemas.microsoft.com/office/drawing/2014/main" id="{549E04CA-87BE-E486-9018-7A743DF3659C}"/>
+              </a:ext>
+            </a:extLst>
+          </p:cNvPr>
+          <p:cNvGrpSpPr/>
+          <p:nvPr/>
+        </p:nvGrpSpPr>
+        <p:grpSpPr>
+          <a:xfrm>
+            <a:off x="311683" y="3514638"/>
+            <a:ext cx="7250713" cy="2587373"/>
+            <a:chOff x="2073787" y="2270689"/>
+            <a:chExt cx="7250713" cy="2587373"/>
+          </a:xfrm>
+        </p:grpSpPr>
+        <p:pic>
+          <p:nvPicPr>
+            <p:cNvPr id="254" name="图片 253">
+              <a:extLst>
+                <a:ext uri="{FF2B5EF4-FFF2-40B4-BE49-F238E27FC236}">
+                  <a16:creationId xmlns:a16="http://schemas.microsoft.com/office/drawing/2014/main" id="{4564C0C2-EEF4-BC7A-AB46-1A96B6462B10}"/>
+                </a:ext>
+              </a:extLst>
+            </p:cNvPr>
+            <p:cNvPicPr>
+              <a:picLocks noChangeAspect="1"/>
+            </p:cNvPicPr>
+            <p:nvPr/>
+          </p:nvPicPr>
+          <p:blipFill>
+            <a:blip r:embed="rId3"/>
+            <a:stretch>
+              <a:fillRect/>
+            </a:stretch>
+          </p:blipFill>
+          <p:spPr>
+            <a:xfrm>
+              <a:off x="2073787" y="2270689"/>
+              <a:ext cx="4612044" cy="2576337"/>
+            </a:xfrm>
+            <a:prstGeom prst="rect">
+              <a:avLst/>
+            </a:prstGeom>
+          </p:spPr>
+        </p:pic>
+        <p:pic>
+          <p:nvPicPr>
+            <p:cNvPr id="255" name="图片 254">
+              <a:extLst>
+                <a:ext uri="{FF2B5EF4-FFF2-40B4-BE49-F238E27FC236}">
+                  <a16:creationId xmlns:a16="http://schemas.microsoft.com/office/drawing/2014/main" id="{5A5F5F2F-523E-7AC9-EF70-CAD951960F28}"/>
+                </a:ext>
+              </a:extLst>
+            </p:cNvPr>
+            <p:cNvPicPr>
+              <a:picLocks noChangeAspect="1"/>
+            </p:cNvPicPr>
+            <p:nvPr/>
+          </p:nvPicPr>
+          <p:blipFill>
+            <a:blip r:embed="rId4"/>
+            <a:stretch>
+              <a:fillRect/>
+            </a:stretch>
+          </p:blipFill>
+          <p:spPr>
+            <a:xfrm>
+              <a:off x="6676796" y="2281724"/>
+              <a:ext cx="2647704" cy="2576338"/>
+            </a:xfrm>
+            <a:prstGeom prst="rect">
+              <a:avLst/>
+            </a:prstGeom>
+          </p:spPr>
+        </p:pic>
+      </p:grpSp>
+      <p:pic>
+        <p:nvPicPr>
+          <p:cNvPr id="36" name="图片 35" descr="pro">
+            <a:extLst>
+              <a:ext uri="{FF2B5EF4-FFF2-40B4-BE49-F238E27FC236}">
+                <a16:creationId xmlns:a16="http://schemas.microsoft.com/office/drawing/2014/main" id="{2FE3AD66-935B-1D85-DD9D-5FC9339E454C}"/>
+              </a:ext>
+            </a:extLst>
+          </p:cNvPr>
+          <p:cNvPicPr>
+            <a:picLocks noChangeAspect="1"/>
+          </p:cNvPicPr>
+          <p:nvPr/>
+        </p:nvPicPr>
+        <p:blipFill>
+          <a:blip r:embed="rId5"/>
+          <a:srcRect l="27917"/>
+          <a:stretch>
+            <a:fillRect/>
+          </a:stretch>
+        </p:blipFill>
+        <p:spPr>
+          <a:xfrm>
+            <a:off x="8905586" y="1400659"/>
+            <a:ext cx="6650355" cy="4239895"/>
+          </a:xfrm>
+          <a:prstGeom prst="rect">
+            <a:avLst/>
+          </a:prstGeom>
+        </p:spPr>
+      </p:pic>
+      <p:pic>
+        <p:nvPicPr>
+          <p:cNvPr id="37" name="图片 36" descr="lig">
+            <a:extLst>
+              <a:ext uri="{FF2B5EF4-FFF2-40B4-BE49-F238E27FC236}">
+                <a16:creationId xmlns:a16="http://schemas.microsoft.com/office/drawing/2014/main" id="{F3DAB27C-9CAA-8988-F6E6-D31518AEE40E}"/>
+              </a:ext>
+            </a:extLst>
+          </p:cNvPr>
+          <p:cNvPicPr>
+            <a:picLocks noChangeAspect="1"/>
+          </p:cNvPicPr>
+          <p:nvPr/>
+        </p:nvPicPr>
+        <p:blipFill>
+          <a:blip r:embed="rId6"/>
+          <a:stretch>
+            <a:fillRect/>
+          </a:stretch>
+        </p:blipFill>
+        <p:spPr>
+          <a:xfrm>
+            <a:off x="339893" y="3989572"/>
+            <a:ext cx="3517265" cy="1978660"/>
+          </a:xfrm>
+          <a:prstGeom prst="rect">
+            <a:avLst/>
+          </a:prstGeom>
+          <a:ln>
+            <a:solidFill>
+              <a:schemeClr val="accent1"/>
+            </a:solidFill>
+          </a:ln>
+        </p:spPr>
+      </p:pic>
+      <p:pic>
+        <p:nvPicPr>
+          <p:cNvPr id="38" name="图片 37" descr="20250812112231_12">
+            <a:extLst>
+              <a:ext uri="{FF2B5EF4-FFF2-40B4-BE49-F238E27FC236}">
+                <a16:creationId xmlns:a16="http://schemas.microsoft.com/office/drawing/2014/main" id="{C29AC823-BA99-20DE-E840-33C9D19C40FA}"/>
+              </a:ext>
+            </a:extLst>
+          </p:cNvPr>
+          <p:cNvPicPr>
+            <a:picLocks noChangeAspect="1"/>
+          </p:cNvPicPr>
+          <p:nvPr/>
+        </p:nvPicPr>
+        <p:blipFill>
+          <a:blip r:embed="rId7"/>
+          <a:stretch>
+            <a:fillRect/>
+          </a:stretch>
+        </p:blipFill>
+        <p:spPr>
+          <a:xfrm>
+            <a:off x="5533746" y="2482134"/>
+            <a:ext cx="6250527" cy="4252217"/>
+          </a:xfrm>
+          <a:prstGeom prst="rect">
+            <a:avLst/>
+          </a:prstGeom>
+        </p:spPr>
+      </p:pic>
+      <p:pic>
+        <p:nvPicPr>
+          <p:cNvPr id="40" name="图片 39">
+            <a:extLst>
+              <a:ext uri="{FF2B5EF4-FFF2-40B4-BE49-F238E27FC236}">
+                <a16:creationId xmlns:a16="http://schemas.microsoft.com/office/drawing/2014/main" id="{FE2BDB59-7957-2FCB-3BA0-06370EB111E5}"/>
+              </a:ext>
+            </a:extLst>
+          </p:cNvPr>
+          <p:cNvPicPr>
+            <a:picLocks noChangeAspect="1"/>
+          </p:cNvPicPr>
+          <p:nvPr/>
+        </p:nvPicPr>
+        <p:blipFill>
+          <a:blip r:embed="rId8" cstate="print">
+            <a:extLst>
+              <a:ext uri="{28A0092B-C50C-407E-A947-70E740481C1C}">
+                <a14:useLocalDpi xmlns:a14="http://schemas.microsoft.com/office/drawing/2010/main" val="0"/>
+              </a:ext>
+            </a:extLst>
+          </a:blip>
+          <a:stretch>
+            <a:fillRect/>
+          </a:stretch>
+        </p:blipFill>
+        <p:spPr>
+          <a:xfrm>
+            <a:off x="5459280" y="224023"/>
+            <a:ext cx="4474412" cy="1685375"/>
+          </a:xfrm>
+          <a:prstGeom prst="rect">
+            <a:avLst/>
+          </a:prstGeom>
+        </p:spPr>
+      </p:pic>
+      <p:pic>
+        <p:nvPicPr>
+          <p:cNvPr id="42" name="图片 41">
+            <a:extLst>
+              <a:ext uri="{FF2B5EF4-FFF2-40B4-BE49-F238E27FC236}">
+                <a16:creationId xmlns:a16="http://schemas.microsoft.com/office/drawing/2014/main" id="{4365026D-D725-DA78-5699-DC9AF4C3966D}"/>
+              </a:ext>
+            </a:extLst>
+          </p:cNvPr>
+          <p:cNvPicPr>
+            <a:picLocks noChangeAspect="1"/>
+          </p:cNvPicPr>
+          <p:nvPr/>
+        </p:nvPicPr>
+        <p:blipFill>
+          <a:blip r:embed="rId9" cstate="print">
+            <a:extLst>
+              <a:ext uri="{28A0092B-C50C-407E-A947-70E740481C1C}">
+                <a14:useLocalDpi xmlns:a14="http://schemas.microsoft.com/office/drawing/2010/main" val="0"/>
+              </a:ext>
+            </a:extLst>
+          </a:blip>
+          <a:stretch>
+            <a:fillRect/>
+          </a:stretch>
+        </p:blipFill>
+        <p:spPr>
+          <a:xfrm>
+            <a:off x="3512239" y="2833908"/>
+            <a:ext cx="6010418" cy="3071751"/>
+          </a:xfrm>
+          <a:prstGeom prst="rect">
+            <a:avLst/>
+          </a:prstGeom>
+        </p:spPr>
+      </p:pic>
     </p:spTree>
     <p:extLst>
       <p:ext uri="{BB962C8B-B14F-4D97-AF65-F5344CB8AC3E}">
-        <p14:creationId xmlns:p14="http://schemas.microsoft.com/office/powerpoint/2010/main" val="240192084"/>
+        <p14:creationId xmlns:p14="http://schemas.microsoft.com/office/powerpoint/2010/main" val="833810113"/>
       </p:ext>
     </p:extLst>
   </p:cSld>
   <p:clrMapOvr>
     <a:masterClrMapping/>
   </p:clrMapOvr>
+  <p:timing>
+    <p:tnLst>
+      <p:par>
+        <p:cTn id="1" dur="indefinite" restart="never" nodeType="tmRoot">
+          <p:childTnLst>
+            <p:seq concurrent="1" nextAc="seek">
+              <p:cTn id="2" restart="whenNotActive" fill="hold" evtFilter="cancelBubble" nodeType="interactiveSeq">
+                <p:stCondLst>
+                  <p:cond evt="onClick" delay="0">
+                    <p:tgtEl>
+                      <p:spTgt spid="85"/>
+                    </p:tgtEl>
+                  </p:cond>
+                </p:stCondLst>
+                <p:endSync evt="end" delay="0">
+                  <p:rtn val="all"/>
+                </p:endSync>
+                <p:childTnLst>
+                  <p:par>
+                    <p:cTn id="3" fill="hold">
+                      <p:stCondLst>
+                        <p:cond delay="0"/>
+                      </p:stCondLst>
+                      <p:childTnLst>
+                        <p:par>
+                          <p:cTn id="4" fill="hold">
+                            <p:stCondLst>
+                              <p:cond delay="0"/>
+                            </p:stCondLst>
+                            <p:childTnLst>
+                              <p:par>
+                                <p:cTn id="5" presetID="1" presetClass="entr" presetSubtype="0" fill="hold" nodeType="clickEffect">
+                                  <p:stCondLst>
+                                    <p:cond delay="0"/>
+                                  </p:stCondLst>
+                                  <p:childTnLst>
+                                    <p:set>
+                                      <p:cBhvr>
+                                        <p:cTn id="6" dur="1" fill="hold">
+                                          <p:stCondLst>
+                                            <p:cond delay="0"/>
+                                          </p:stCondLst>
+                                        </p:cTn>
+                                        <p:tgtEl>
+                                          <p:spTgt spid="36"/>
+                                        </p:tgtEl>
+                                        <p:attrNameLst>
+                                          <p:attrName>style.visibility</p:attrName>
+                                        </p:attrNameLst>
+                                      </p:cBhvr>
+                                      <p:to>
+                                        <p:strVal val="visible"/>
+                                      </p:to>
+                                    </p:set>
+                                  </p:childTnLst>
+                                </p:cTn>
+                              </p:par>
+                            </p:childTnLst>
+                          </p:cTn>
+                        </p:par>
+                      </p:childTnLst>
+                    </p:cTn>
+                  </p:par>
+                  <p:par>
+                    <p:cTn id="7" fill="hold">
+                      <p:stCondLst>
+                        <p:cond delay="indefinite"/>
+                      </p:stCondLst>
+                      <p:childTnLst>
+                        <p:par>
+                          <p:cTn id="8" fill="hold">
+                            <p:stCondLst>
+                              <p:cond delay="0"/>
+                            </p:stCondLst>
+                            <p:childTnLst>
+                              <p:par>
+                                <p:cTn id="9" presetID="1" presetClass="exit" presetSubtype="0" fill="hold" nodeType="clickEffect">
+                                  <p:stCondLst>
+                                    <p:cond delay="0"/>
+                                  </p:stCondLst>
+                                  <p:childTnLst>
+                                    <p:set>
+                                      <p:cBhvr>
+                                        <p:cTn id="10" dur="1" fill="hold">
+                                          <p:stCondLst>
+                                            <p:cond delay="0"/>
+                                          </p:stCondLst>
+                                        </p:cTn>
+                                        <p:tgtEl>
+                                          <p:spTgt spid="36"/>
+                                        </p:tgtEl>
+                                        <p:attrNameLst>
+                                          <p:attrName>style.visibility</p:attrName>
+                                        </p:attrNameLst>
+                                      </p:cBhvr>
+                                      <p:to>
+                                        <p:strVal val="hidden"/>
+                                      </p:to>
+                                    </p:set>
+                                  </p:childTnLst>
+                                </p:cTn>
+                              </p:par>
+                            </p:childTnLst>
+                          </p:cTn>
+                        </p:par>
+                      </p:childTnLst>
+                    </p:cTn>
+                  </p:par>
+                </p:childTnLst>
+              </p:cTn>
+              <p:nextCondLst>
+                <p:cond evt="onClick" delay="0">
+                  <p:tgtEl>
+                    <p:spTgt spid="85"/>
+                  </p:tgtEl>
+                </p:cond>
+              </p:nextCondLst>
+            </p:seq>
+            <p:seq concurrent="1" nextAc="seek">
+              <p:cTn id="11" restart="whenNotActive" fill="hold" evtFilter="cancelBubble" nodeType="interactiveSeq">
+                <p:stCondLst>
+                  <p:cond evt="onClick" delay="0">
+                    <p:tgtEl>
+                      <p:spTgt spid="249"/>
+                    </p:tgtEl>
+                  </p:cond>
+                </p:stCondLst>
+                <p:endSync evt="end" delay="0">
+                  <p:rtn val="all"/>
+                </p:endSync>
+                <p:childTnLst>
+                  <p:par>
+                    <p:cTn id="12" fill="hold">
+                      <p:stCondLst>
+                        <p:cond delay="0"/>
+                      </p:stCondLst>
+                      <p:childTnLst>
+                        <p:par>
+                          <p:cTn id="13" fill="hold">
+                            <p:stCondLst>
+                              <p:cond delay="0"/>
+                            </p:stCondLst>
+                            <p:childTnLst>
+                              <p:par>
+                                <p:cTn id="14" presetID="1" presetClass="entr" presetSubtype="0" fill="hold" nodeType="clickEffect">
+                                  <p:stCondLst>
+                                    <p:cond delay="0"/>
+                                  </p:stCondLst>
+                                  <p:childTnLst>
+                                    <p:set>
+                                      <p:cBhvr>
+                                        <p:cTn id="15" dur="1" fill="hold">
+                                          <p:stCondLst>
+                                            <p:cond delay="0"/>
+                                          </p:stCondLst>
+                                        </p:cTn>
+                                        <p:tgtEl>
+                                          <p:spTgt spid="37"/>
+                                        </p:tgtEl>
+                                        <p:attrNameLst>
+                                          <p:attrName>style.visibility</p:attrName>
+                                        </p:attrNameLst>
+                                      </p:cBhvr>
+                                      <p:to>
+                                        <p:strVal val="visible"/>
+                                      </p:to>
+                                    </p:set>
+                                  </p:childTnLst>
+                                </p:cTn>
+                              </p:par>
+                            </p:childTnLst>
+                          </p:cTn>
+                        </p:par>
+                      </p:childTnLst>
+                    </p:cTn>
+                  </p:par>
+                  <p:par>
+                    <p:cTn id="16" fill="hold">
+                      <p:stCondLst>
+                        <p:cond delay="indefinite"/>
+                      </p:stCondLst>
+                      <p:childTnLst>
+                        <p:par>
+                          <p:cTn id="17" fill="hold">
+                            <p:stCondLst>
+                              <p:cond delay="0"/>
+                            </p:stCondLst>
+                            <p:childTnLst>
+                              <p:par>
+                                <p:cTn id="18" presetID="1" presetClass="exit" presetSubtype="0" fill="hold" nodeType="clickEffect">
+                                  <p:stCondLst>
+                                    <p:cond delay="0"/>
+                                  </p:stCondLst>
+                                  <p:childTnLst>
+                                    <p:set>
+                                      <p:cBhvr>
+                                        <p:cTn id="19" dur="1" fill="hold">
+                                          <p:stCondLst>
+                                            <p:cond delay="0"/>
+                                          </p:stCondLst>
+                                        </p:cTn>
+                                        <p:tgtEl>
+                                          <p:spTgt spid="37"/>
+                                        </p:tgtEl>
+                                        <p:attrNameLst>
+                                          <p:attrName>style.visibility</p:attrName>
+                                        </p:attrNameLst>
+                                      </p:cBhvr>
+                                      <p:to>
+                                        <p:strVal val="hidden"/>
+                                      </p:to>
+                                    </p:set>
+                                  </p:childTnLst>
+                                </p:cTn>
+                              </p:par>
+                            </p:childTnLst>
+                          </p:cTn>
+                        </p:par>
+                      </p:childTnLst>
+                    </p:cTn>
+                  </p:par>
+                </p:childTnLst>
+              </p:cTn>
+              <p:nextCondLst>
+                <p:cond evt="onClick" delay="0">
+                  <p:tgtEl>
+                    <p:spTgt spid="249"/>
+                  </p:tgtEl>
+                </p:cond>
+              </p:nextCondLst>
+            </p:seq>
+            <p:seq concurrent="1" nextAc="seek">
+              <p:cTn id="20" restart="whenNotActive" fill="hold" evtFilter="cancelBubble" nodeType="interactiveSeq">
+                <p:stCondLst>
+                  <p:cond evt="onClick" delay="0">
+                    <p:tgtEl>
+                      <p:spTgt spid="213"/>
+                    </p:tgtEl>
+                  </p:cond>
+                </p:stCondLst>
+                <p:endSync evt="end" delay="0">
+                  <p:rtn val="all"/>
+                </p:endSync>
+                <p:childTnLst>
+                  <p:par>
+                    <p:cTn id="21" fill="hold">
+                      <p:stCondLst>
+                        <p:cond delay="0"/>
+                      </p:stCondLst>
+                      <p:childTnLst>
+                        <p:par>
+                          <p:cTn id="22" fill="hold">
+                            <p:stCondLst>
+                              <p:cond delay="0"/>
+                            </p:stCondLst>
+                            <p:childTnLst>
+                              <p:par>
+                                <p:cTn id="23" presetID="1" presetClass="entr" presetSubtype="0" fill="hold" nodeType="clickEffect">
+                                  <p:stCondLst>
+                                    <p:cond delay="0"/>
+                                  </p:stCondLst>
+                                  <p:childTnLst>
+                                    <p:set>
+                                      <p:cBhvr>
+                                        <p:cTn id="24" dur="1" fill="hold">
+                                          <p:stCondLst>
+                                            <p:cond delay="0"/>
+                                          </p:stCondLst>
+                                        </p:cTn>
+                                        <p:tgtEl>
+                                          <p:spTgt spid="38"/>
+                                        </p:tgtEl>
+                                        <p:attrNameLst>
+                                          <p:attrName>style.visibility</p:attrName>
+                                        </p:attrNameLst>
+                                      </p:cBhvr>
+                                      <p:to>
+                                        <p:strVal val="visible"/>
+                                      </p:to>
+                                    </p:set>
+                                  </p:childTnLst>
+                                </p:cTn>
+                              </p:par>
+                            </p:childTnLst>
+                          </p:cTn>
+                        </p:par>
+                      </p:childTnLst>
+                    </p:cTn>
+                  </p:par>
+                  <p:par>
+                    <p:cTn id="25" fill="hold">
+                      <p:stCondLst>
+                        <p:cond delay="indefinite"/>
+                      </p:stCondLst>
+                      <p:childTnLst>
+                        <p:par>
+                          <p:cTn id="26" fill="hold">
+                            <p:stCondLst>
+                              <p:cond delay="0"/>
+                            </p:stCondLst>
+                            <p:childTnLst>
+                              <p:par>
+                                <p:cTn id="27" presetID="1" presetClass="exit" presetSubtype="0" fill="hold" nodeType="clickEffect">
+                                  <p:stCondLst>
+                                    <p:cond delay="0"/>
+                                  </p:stCondLst>
+                                  <p:childTnLst>
+                                    <p:set>
+                                      <p:cBhvr>
+                                        <p:cTn id="28" dur="1" fill="hold">
+                                          <p:stCondLst>
+                                            <p:cond delay="0"/>
+                                          </p:stCondLst>
+                                        </p:cTn>
+                                        <p:tgtEl>
+                                          <p:spTgt spid="38"/>
+                                        </p:tgtEl>
+                                        <p:attrNameLst>
+                                          <p:attrName>style.visibility</p:attrName>
+                                        </p:attrNameLst>
+                                      </p:cBhvr>
+                                      <p:to>
+                                        <p:strVal val="hidden"/>
+                                      </p:to>
+                                    </p:set>
+                                  </p:childTnLst>
+                                </p:cTn>
+                              </p:par>
+                            </p:childTnLst>
+                          </p:cTn>
+                        </p:par>
+                      </p:childTnLst>
+                    </p:cTn>
+                  </p:par>
+                </p:childTnLst>
+              </p:cTn>
+              <p:nextCondLst>
+                <p:cond evt="onClick" delay="0">
+                  <p:tgtEl>
+                    <p:spTgt spid="213"/>
+                  </p:tgtEl>
+                </p:cond>
+              </p:nextCondLst>
+            </p:seq>
+            <p:seq concurrent="1" nextAc="seek">
+              <p:cTn id="29" restart="whenNotActive" fill="hold" evtFilter="cancelBubble" nodeType="interactiveSeq">
+                <p:stCondLst>
+                  <p:cond evt="onClick" delay="0">
+                    <p:tgtEl>
+                      <p:spTgt spid="82"/>
+                    </p:tgtEl>
+                  </p:cond>
+                </p:stCondLst>
+                <p:endSync evt="end" delay="0">
+                  <p:rtn val="all"/>
+                </p:endSync>
+                <p:childTnLst>
+                  <p:par>
+                    <p:cTn id="30" fill="hold">
+                      <p:stCondLst>
+                        <p:cond delay="0"/>
+                      </p:stCondLst>
+                      <p:childTnLst>
+                        <p:par>
+                          <p:cTn id="31" fill="hold">
+                            <p:stCondLst>
+                              <p:cond delay="0"/>
+                            </p:stCondLst>
+                            <p:childTnLst>
+                              <p:par>
+                                <p:cTn id="32" presetID="1" presetClass="entr" presetSubtype="0" fill="hold" nodeType="clickEffect">
+                                  <p:stCondLst>
+                                    <p:cond delay="0"/>
+                                  </p:stCondLst>
+                                  <p:childTnLst>
+                                    <p:set>
+                                      <p:cBhvr>
+                                        <p:cTn id="33" dur="1" fill="hold">
+                                          <p:stCondLst>
+                                            <p:cond delay="0"/>
+                                          </p:stCondLst>
+                                        </p:cTn>
+                                        <p:tgtEl>
+                                          <p:spTgt spid="40"/>
+                                        </p:tgtEl>
+                                        <p:attrNameLst>
+                                          <p:attrName>style.visibility</p:attrName>
+                                        </p:attrNameLst>
+                                      </p:cBhvr>
+                                      <p:to>
+                                        <p:strVal val="visible"/>
+                                      </p:to>
+                                    </p:set>
+                                  </p:childTnLst>
+                                </p:cTn>
+                              </p:par>
+                            </p:childTnLst>
+                          </p:cTn>
+                        </p:par>
+                      </p:childTnLst>
+                    </p:cTn>
+                  </p:par>
+                  <p:par>
+                    <p:cTn id="34" fill="hold">
+                      <p:stCondLst>
+                        <p:cond delay="indefinite"/>
+                      </p:stCondLst>
+                      <p:childTnLst>
+                        <p:par>
+                          <p:cTn id="35" fill="hold">
+                            <p:stCondLst>
+                              <p:cond delay="0"/>
+                            </p:stCondLst>
+                            <p:childTnLst>
+                              <p:par>
+                                <p:cTn id="36" presetID="1" presetClass="exit" presetSubtype="0" fill="hold" nodeType="clickEffect">
+                                  <p:stCondLst>
+                                    <p:cond delay="0"/>
+                                  </p:stCondLst>
+                                  <p:childTnLst>
+                                    <p:set>
+                                      <p:cBhvr>
+                                        <p:cTn id="37" dur="1" fill="hold">
+                                          <p:stCondLst>
+                                            <p:cond delay="0"/>
+                                          </p:stCondLst>
+                                        </p:cTn>
+                                        <p:tgtEl>
+                                          <p:spTgt spid="40"/>
+                                        </p:tgtEl>
+                                        <p:attrNameLst>
+                                          <p:attrName>style.visibility</p:attrName>
+                                        </p:attrNameLst>
+                                      </p:cBhvr>
+                                      <p:to>
+                                        <p:strVal val="hidden"/>
+                                      </p:to>
+                                    </p:set>
+                                  </p:childTnLst>
+                                </p:cTn>
+                              </p:par>
+                            </p:childTnLst>
+                          </p:cTn>
+                        </p:par>
+                      </p:childTnLst>
+                    </p:cTn>
+                  </p:par>
+                </p:childTnLst>
+              </p:cTn>
+              <p:nextCondLst>
+                <p:cond evt="onClick" delay="0">
+                  <p:tgtEl>
+                    <p:spTgt spid="82"/>
+                  </p:tgtEl>
+                </p:cond>
+              </p:nextCondLst>
+            </p:seq>
+            <p:seq concurrent="1" nextAc="seek">
+              <p:cTn id="38" restart="whenNotActive" fill="hold" evtFilter="cancelBubble" nodeType="interactiveSeq">
+                <p:stCondLst>
+                  <p:cond evt="onClick" delay="0">
+                    <p:tgtEl>
+                      <p:spTgt spid="83"/>
+                    </p:tgtEl>
+                  </p:cond>
+                </p:stCondLst>
+                <p:endSync evt="end" delay="0">
+                  <p:rtn val="all"/>
+                </p:endSync>
+                <p:childTnLst>
+                  <p:par>
+                    <p:cTn id="39" fill="hold">
+                      <p:stCondLst>
+                        <p:cond delay="0"/>
+                      </p:stCondLst>
+                      <p:childTnLst>
+                        <p:par>
+                          <p:cTn id="40" fill="hold">
+                            <p:stCondLst>
+                              <p:cond delay="0"/>
+                            </p:stCondLst>
+                            <p:childTnLst>
+                              <p:par>
+                                <p:cTn id="41" presetID="1" presetClass="entr" presetSubtype="0" fill="hold" nodeType="clickEffect">
+                                  <p:stCondLst>
+                                    <p:cond delay="0"/>
+                                  </p:stCondLst>
+                                  <p:childTnLst>
+                                    <p:set>
+                                      <p:cBhvr>
+                                        <p:cTn id="42" dur="1" fill="hold">
+                                          <p:stCondLst>
+                                            <p:cond delay="0"/>
+                                          </p:stCondLst>
+                                        </p:cTn>
+                                        <p:tgtEl>
+                                          <p:spTgt spid="42"/>
+                                        </p:tgtEl>
+                                        <p:attrNameLst>
+                                          <p:attrName>style.visibility</p:attrName>
+                                        </p:attrNameLst>
+                                      </p:cBhvr>
+                                      <p:to>
+                                        <p:strVal val="visible"/>
+                                      </p:to>
+                                    </p:set>
+                                  </p:childTnLst>
+                                </p:cTn>
+                              </p:par>
+                            </p:childTnLst>
+                          </p:cTn>
+                        </p:par>
+                      </p:childTnLst>
+                    </p:cTn>
+                  </p:par>
+                  <p:par>
+                    <p:cTn id="43" fill="hold">
+                      <p:stCondLst>
+                        <p:cond delay="indefinite"/>
+                      </p:stCondLst>
+                      <p:childTnLst>
+                        <p:par>
+                          <p:cTn id="44" fill="hold">
+                            <p:stCondLst>
+                              <p:cond delay="0"/>
+                            </p:stCondLst>
+                            <p:childTnLst>
+                              <p:par>
+                                <p:cTn id="45" presetID="1" presetClass="exit" presetSubtype="0" fill="hold" nodeType="clickEffect">
+                                  <p:stCondLst>
+                                    <p:cond delay="0"/>
+                                  </p:stCondLst>
+                                  <p:childTnLst>
+                                    <p:set>
+                                      <p:cBhvr>
+                                        <p:cTn id="46" dur="1" fill="hold">
+                                          <p:stCondLst>
+                                            <p:cond delay="0"/>
+                                          </p:stCondLst>
+                                        </p:cTn>
+                                        <p:tgtEl>
+                                          <p:spTgt spid="42"/>
+                                        </p:tgtEl>
+                                        <p:attrNameLst>
+                                          <p:attrName>style.visibility</p:attrName>
+                                        </p:attrNameLst>
+                                      </p:cBhvr>
+                                      <p:to>
+                                        <p:strVal val="hidden"/>
+                                      </p:to>
+                                    </p:set>
+                                  </p:childTnLst>
+                                </p:cTn>
+                              </p:par>
+                            </p:childTnLst>
+                          </p:cTn>
+                        </p:par>
+                      </p:childTnLst>
+                    </p:cTn>
+                  </p:par>
+                </p:childTnLst>
+              </p:cTn>
+              <p:nextCondLst>
+                <p:cond evt="onClick" delay="0">
+                  <p:tgtEl>
+                    <p:spTgt spid="83"/>
+                  </p:tgtEl>
+                </p:cond>
+              </p:nextCondLst>
+            </p:seq>
+            <p:seq concurrent="1" nextAc="seek">
+              <p:cTn id="47" restart="whenNotActive" fill="hold" evtFilter="cancelBubble" nodeType="interactiveSeq">
+                <p:stCondLst>
+                  <p:cond evt="onClick" delay="0">
+                    <p:tgtEl>
+                      <p:spTgt spid="19"/>
+                    </p:tgtEl>
+                  </p:cond>
+                </p:stCondLst>
+                <p:endSync evt="end" delay="0">
+                  <p:rtn val="all"/>
+                </p:endSync>
+                <p:childTnLst>
+                  <p:par>
+                    <p:cTn id="48" fill="hold">
+                      <p:stCondLst>
+                        <p:cond delay="0"/>
+                      </p:stCondLst>
+                      <p:childTnLst>
+                        <p:par>
+                          <p:cTn id="49" fill="hold">
+                            <p:stCondLst>
+                              <p:cond delay="0"/>
+                            </p:stCondLst>
+                            <p:childTnLst>
+                              <p:par>
+                                <p:cTn id="50" presetID="1" presetClass="entr" presetSubtype="0" fill="hold" nodeType="clickEffect">
+                                  <p:stCondLst>
+                                    <p:cond delay="0"/>
+                                  </p:stCondLst>
+                                  <p:childTnLst>
+                                    <p:set>
+                                      <p:cBhvr>
+                                        <p:cTn id="51" dur="1" fill="hold">
+                                          <p:stCondLst>
+                                            <p:cond delay="0"/>
+                                          </p:stCondLst>
+                                        </p:cTn>
+                                        <p:tgtEl>
+                                          <p:spTgt spid="32"/>
+                                        </p:tgtEl>
+                                        <p:attrNameLst>
+                                          <p:attrName>style.visibility</p:attrName>
+                                        </p:attrNameLst>
+                                      </p:cBhvr>
+                                      <p:to>
+                                        <p:strVal val="visible"/>
+                                      </p:to>
+                                    </p:set>
+                                  </p:childTnLst>
+                                </p:cTn>
+                              </p:par>
+                            </p:childTnLst>
+                          </p:cTn>
+                        </p:par>
+                      </p:childTnLst>
+                    </p:cTn>
+                  </p:par>
+                  <p:par>
+                    <p:cTn id="52" fill="hold">
+                      <p:stCondLst>
+                        <p:cond delay="indefinite"/>
+                      </p:stCondLst>
+                      <p:childTnLst>
+                        <p:par>
+                          <p:cTn id="53" fill="hold">
+                            <p:stCondLst>
+                              <p:cond delay="0"/>
+                            </p:stCondLst>
+                            <p:childTnLst>
+                              <p:par>
+                                <p:cTn id="54" presetID="1" presetClass="exit" presetSubtype="0" fill="hold" nodeType="clickEffect">
+                                  <p:stCondLst>
+                                    <p:cond delay="0"/>
+                                  </p:stCondLst>
+                                  <p:childTnLst>
+                                    <p:set>
+                                      <p:cBhvr>
+                                        <p:cTn id="55" dur="1" fill="hold">
+                                          <p:stCondLst>
+                                            <p:cond delay="0"/>
+                                          </p:stCondLst>
+                                        </p:cTn>
+                                        <p:tgtEl>
+                                          <p:spTgt spid="32"/>
+                                        </p:tgtEl>
+                                        <p:attrNameLst>
+                                          <p:attrName>style.visibility</p:attrName>
+                                        </p:attrNameLst>
+                                      </p:cBhvr>
+                                      <p:to>
+                                        <p:strVal val="hidden"/>
+                                      </p:to>
+                                    </p:set>
+                                  </p:childTnLst>
+                                </p:cTn>
+                              </p:par>
+                            </p:childTnLst>
+                          </p:cTn>
+                        </p:par>
+                      </p:childTnLst>
+                    </p:cTn>
+                  </p:par>
+                </p:childTnLst>
+              </p:cTn>
+              <p:nextCondLst>
+                <p:cond evt="onClick" delay="0">
+                  <p:tgtEl>
+                    <p:spTgt spid="19"/>
+                  </p:tgtEl>
+                </p:cond>
+              </p:nextCondLst>
+            </p:seq>
+          </p:childTnLst>
+        </p:cTn>
+      </p:par>
+    </p:tnLst>
+  </p:timing>
 </p:sld>
 </file>
 
